--- a/Lesson/DayTwo (3, 4).pptx
+++ b/Lesson/DayTwo (3, 4).pptx
@@ -5,10 +5,10 @@
     <p:sldMasterId id="2147483660" r:id="rId1"/>
   </p:sldMasterIdLst>
   <p:notesMasterIdLst>
-    <p:notesMasterId r:id="rId60"/>
+    <p:notesMasterId r:id="rId106"/>
   </p:notesMasterIdLst>
   <p:handoutMasterIdLst>
-    <p:handoutMasterId r:id="rId61"/>
+    <p:handoutMasterId r:id="rId107"/>
   </p:handoutMasterIdLst>
   <p:sldIdLst>
     <p:sldId id="256" r:id="rId2"/>
@@ -69,6 +69,52 @@
     <p:sldId id="270" r:id="rId57"/>
     <p:sldId id="305" r:id="rId58"/>
     <p:sldId id="414" r:id="rId59"/>
+    <p:sldId id="471" r:id="rId60"/>
+    <p:sldId id="473" r:id="rId61"/>
+    <p:sldId id="472" r:id="rId62"/>
+    <p:sldId id="474" r:id="rId63"/>
+    <p:sldId id="475" r:id="rId64"/>
+    <p:sldId id="476" r:id="rId65"/>
+    <p:sldId id="477" r:id="rId66"/>
+    <p:sldId id="478" r:id="rId67"/>
+    <p:sldId id="479" r:id="rId68"/>
+    <p:sldId id="480" r:id="rId69"/>
+    <p:sldId id="481" r:id="rId70"/>
+    <p:sldId id="482" r:id="rId71"/>
+    <p:sldId id="483" r:id="rId72"/>
+    <p:sldId id="484" r:id="rId73"/>
+    <p:sldId id="485" r:id="rId74"/>
+    <p:sldId id="487" r:id="rId75"/>
+    <p:sldId id="488" r:id="rId76"/>
+    <p:sldId id="489" r:id="rId77"/>
+    <p:sldId id="490" r:id="rId78"/>
+    <p:sldId id="491" r:id="rId79"/>
+    <p:sldId id="492" r:id="rId80"/>
+    <p:sldId id="493" r:id="rId81"/>
+    <p:sldId id="494" r:id="rId82"/>
+    <p:sldId id="495" r:id="rId83"/>
+    <p:sldId id="496" r:id="rId84"/>
+    <p:sldId id="497" r:id="rId85"/>
+    <p:sldId id="498" r:id="rId86"/>
+    <p:sldId id="499" r:id="rId87"/>
+    <p:sldId id="500" r:id="rId88"/>
+    <p:sldId id="501" r:id="rId89"/>
+    <p:sldId id="502" r:id="rId90"/>
+    <p:sldId id="503" r:id="rId91"/>
+    <p:sldId id="504" r:id="rId92"/>
+    <p:sldId id="506" r:id="rId93"/>
+    <p:sldId id="507" r:id="rId94"/>
+    <p:sldId id="508" r:id="rId95"/>
+    <p:sldId id="509" r:id="rId96"/>
+    <p:sldId id="510" r:id="rId97"/>
+    <p:sldId id="511" r:id="rId98"/>
+    <p:sldId id="512" r:id="rId99"/>
+    <p:sldId id="513" r:id="rId100"/>
+    <p:sldId id="514" r:id="rId101"/>
+    <p:sldId id="515" r:id="rId102"/>
+    <p:sldId id="516" r:id="rId103"/>
+    <p:sldId id="517" r:id="rId104"/>
+    <p:sldId id="518" r:id="rId105"/>
   </p:sldIdLst>
   <p:sldSz cx="12192000" cy="6858000"/>
   <p:notesSz cx="6858000" cy="9144000"/>
@@ -230,12 +276,58 @@
             <p14:sldId id="270"/>
             <p14:sldId id="305"/>
             <p14:sldId id="414"/>
+            <p14:sldId id="471"/>
+            <p14:sldId id="473"/>
+            <p14:sldId id="472"/>
+            <p14:sldId id="474"/>
+            <p14:sldId id="475"/>
+            <p14:sldId id="476"/>
+            <p14:sldId id="477"/>
+            <p14:sldId id="478"/>
+            <p14:sldId id="479"/>
+            <p14:sldId id="480"/>
+            <p14:sldId id="481"/>
+            <p14:sldId id="482"/>
+            <p14:sldId id="483"/>
+            <p14:sldId id="484"/>
+            <p14:sldId id="485"/>
+            <p14:sldId id="487"/>
+            <p14:sldId id="488"/>
+            <p14:sldId id="489"/>
+            <p14:sldId id="490"/>
+            <p14:sldId id="491"/>
+            <p14:sldId id="492"/>
+            <p14:sldId id="493"/>
+            <p14:sldId id="494"/>
+            <p14:sldId id="495"/>
+            <p14:sldId id="496"/>
+            <p14:sldId id="497"/>
+            <p14:sldId id="498"/>
+            <p14:sldId id="499"/>
+            <p14:sldId id="500"/>
+            <p14:sldId id="501"/>
+            <p14:sldId id="502"/>
+            <p14:sldId id="503"/>
+            <p14:sldId id="504"/>
+            <p14:sldId id="506"/>
+            <p14:sldId id="507"/>
+            <p14:sldId id="508"/>
+            <p14:sldId id="509"/>
+            <p14:sldId id="510"/>
+            <p14:sldId id="511"/>
+            <p14:sldId id="512"/>
+            <p14:sldId id="513"/>
+            <p14:sldId id="514"/>
+            <p14:sldId id="515"/>
+            <p14:sldId id="516"/>
+            <p14:sldId id="517"/>
+            <p14:sldId id="518"/>
           </p14:sldIdLst>
         </p14:section>
       </p14:sectionLst>
     </p:ext>
     <p:ext uri="{EFAFB233-063F-42B5-8137-9DF3F51BA10A}">
-      <p15:sldGuideLst xmlns:p15="http://schemas.microsoft.com/office/powerpoint/2012/main" xmlns="">
+      <p15:sldGuideLst xmlns="" xmlns:p15="http://schemas.microsoft.com/office/powerpoint/2012/main">
         <p15:guide id="1" orient="horz" pos="2160" userDrawn="1">
           <p15:clr>
             <a:srgbClr val="A4A3A4"/>
@@ -249,7 +341,7 @@
       </p15:sldGuideLst>
     </p:ext>
     <p:ext uri="{2D200454-40CA-4A62-9FC3-DE9A4176ACB9}">
-      <p15:notesGuideLst xmlns:p15="http://schemas.microsoft.com/office/powerpoint/2012/main" xmlns=""/>
+      <p15:notesGuideLst xmlns="" xmlns:p15="http://schemas.microsoft.com/office/powerpoint/2012/main"/>
     </p:ext>
   </p:extLst>
 </p:presentation>
@@ -6821,7 +6913,7 @@
           <p:nvPr>
             <p:extLst>
               <p:ext uri="{386F3935-93C4-4BCD-93E2-E3B085C9AB24}">
-                <p16:designElem xmlns:p16="http://schemas.microsoft.com/office/powerpoint/2015/main" xmlns="" val="1"/>
+                <p16:designElem xmlns="" xmlns:p16="http://schemas.microsoft.com/office/powerpoint/2015/main" val="1"/>
               </p:ext>
             </p:extLst>
           </p:nvPr>
@@ -6872,7 +6964,7 @@
           <p:nvPr>
             <p:extLst>
               <p:ext uri="{386F3935-93C4-4BCD-93E2-E3B085C9AB24}">
-                <p16:designElem xmlns:p16="http://schemas.microsoft.com/office/powerpoint/2015/main" xmlns="" val="1"/>
+                <p16:designElem xmlns="" xmlns:p16="http://schemas.microsoft.com/office/powerpoint/2015/main" val="1"/>
               </p:ext>
             </p:extLst>
           </p:nvPr>
@@ -6892,7 +6984,7 @@
             <p:nvPr>
               <p:extLst>
                 <p:ext uri="{386F3935-93C4-4BCD-93E2-E3B085C9AB24}">
-                  <p16:designElem xmlns:p16="http://schemas.microsoft.com/office/powerpoint/2015/main" xmlns="" val="1"/>
+                  <p16:designElem xmlns="" xmlns:p16="http://schemas.microsoft.com/office/powerpoint/2015/main" val="1"/>
                 </p:ext>
               </p:extLst>
             </p:nvPr>
@@ -6935,7 +7027,7 @@
             <p:nvPr>
               <p:extLst>
                 <p:ext uri="{386F3935-93C4-4BCD-93E2-E3B085C9AB24}">
-                  <p16:designElem xmlns:p16="http://schemas.microsoft.com/office/powerpoint/2015/main" xmlns="" val="1"/>
+                  <p16:designElem xmlns="" xmlns:p16="http://schemas.microsoft.com/office/powerpoint/2015/main" val="1"/>
                 </p:ext>
               </p:extLst>
             </p:nvPr>
@@ -6980,7 +7072,7 @@
             <p:nvPr>
               <p:extLst>
                 <p:ext uri="{386F3935-93C4-4BCD-93E2-E3B085C9AB24}">
-                  <p16:designElem xmlns:p16="http://schemas.microsoft.com/office/powerpoint/2015/main" xmlns="" val="1"/>
+                  <p16:designElem xmlns="" xmlns:p16="http://schemas.microsoft.com/office/powerpoint/2015/main" val="1"/>
                 </p:ext>
               </p:extLst>
             </p:nvPr>
@@ -7049,7 +7141,7 @@
             <p:nvPr>
               <p:extLst>
                 <p:ext uri="{386F3935-93C4-4BCD-93E2-E3B085C9AB24}">
-                  <p16:designElem xmlns:p16="http://schemas.microsoft.com/office/powerpoint/2015/main" xmlns="" val="1"/>
+                  <p16:designElem xmlns="" xmlns:p16="http://schemas.microsoft.com/office/powerpoint/2015/main" val="1"/>
                 </p:ext>
               </p:extLst>
             </p:nvPr>
@@ -7118,7 +7210,7 @@
             <p:nvPr>
               <p:extLst>
                 <p:ext uri="{386F3935-93C4-4BCD-93E2-E3B085C9AB24}">
-                  <p16:designElem xmlns:p16="http://schemas.microsoft.com/office/powerpoint/2015/main" xmlns="" val="1"/>
+                  <p16:designElem xmlns="" xmlns:p16="http://schemas.microsoft.com/office/powerpoint/2015/main" val="1"/>
                 </p:ext>
               </p:extLst>
             </p:nvPr>
@@ -7165,7 +7257,7 @@
             <p:nvPr>
               <p:extLst>
                 <p:ext uri="{386F3935-93C4-4BCD-93E2-E3B085C9AB24}">
-                  <p16:designElem xmlns:p16="http://schemas.microsoft.com/office/powerpoint/2015/main" xmlns="" val="1"/>
+                  <p16:designElem xmlns="" xmlns:p16="http://schemas.microsoft.com/office/powerpoint/2015/main" val="1"/>
                 </p:ext>
               </p:extLst>
             </p:nvPr>
@@ -7235,7 +7327,7 @@
             <p:nvPr>
               <p:extLst>
                 <p:ext uri="{386F3935-93C4-4BCD-93E2-E3B085C9AB24}">
-                  <p16:designElem xmlns:p16="http://schemas.microsoft.com/office/powerpoint/2015/main" xmlns="" val="1"/>
+                  <p16:designElem xmlns="" xmlns:p16="http://schemas.microsoft.com/office/powerpoint/2015/main" val="1"/>
                 </p:ext>
               </p:extLst>
             </p:nvPr>
@@ -7285,7 +7377,7 @@
           <p:nvPr>
             <p:extLst>
               <p:ext uri="{386F3935-93C4-4BCD-93E2-E3B085C9AB24}">
-                <p16:designElem xmlns:p16="http://schemas.microsoft.com/office/powerpoint/2015/main" xmlns="" val="1"/>
+                <p16:designElem xmlns="" xmlns:p16="http://schemas.microsoft.com/office/powerpoint/2015/main" val="1"/>
               </p:ext>
             </p:extLst>
           </p:nvPr>
@@ -7702,6 +7794,771 @@
       </p:par>
     </p:tnLst>
   </p:timing>
+</p:sld>
+</file>
+
+<file path=ppt/slides/slide100.xml><?xml version="1.0" encoding="utf-8"?>
+<p:sld xmlns:a="http://schemas.openxmlformats.org/drawingml/2006/main" xmlns:r="http://schemas.openxmlformats.org/officeDocument/2006/relationships" xmlns:p="http://schemas.openxmlformats.org/presentationml/2006/main">
+  <p:cSld>
+    <p:spTree>
+      <p:nvGrpSpPr>
+        <p:cNvPr id="1" name=""/>
+        <p:cNvGrpSpPr/>
+        <p:nvPr/>
+      </p:nvGrpSpPr>
+      <p:grpSpPr>
+        <a:xfrm>
+          <a:off x="0" y="0"/>
+          <a:ext cx="0" cy="0"/>
+          <a:chOff x="0" y="0"/>
+          <a:chExt cx="0" cy="0"/>
+        </a:xfrm>
+      </p:grpSpPr>
+      <p:sp>
+        <p:nvSpPr>
+          <p:cNvPr id="2" name="Title 1"/>
+          <p:cNvSpPr>
+            <a:spLocks noGrp="1"/>
+          </p:cNvSpPr>
+          <p:nvPr>
+            <p:ph type="title"/>
+          </p:nvPr>
+        </p:nvSpPr>
+        <p:spPr/>
+        <p:txBody>
+          <a:bodyPr/>
+          <a:lstStyle/>
+          <a:p>
+            <a:r>
+              <a:rPr lang="en-US" dirty="0"/>
+              <a:t>Events </a:t>
+            </a:r>
+          </a:p>
+        </p:txBody>
+      </p:sp>
+      <p:sp>
+        <p:nvSpPr>
+          <p:cNvPr id="4" name="Footer Placeholder 3"/>
+          <p:cNvSpPr>
+            <a:spLocks noGrp="1"/>
+          </p:cNvSpPr>
+          <p:nvPr>
+            <p:ph type="ftr" sz="quarter" idx="11"/>
+          </p:nvPr>
+        </p:nvSpPr>
+        <p:spPr/>
+        <p:txBody>
+          <a:bodyPr/>
+          <a:lstStyle/>
+          <a:p>
+            <a:r>
+              <a:rPr lang="en-PH" dirty="0"/>
+              <a:t>https://docs.microsoft.com/en-us/dotnet/csharp/programming-guide/delegates/</a:t>
+            </a:r>
+            <a:endParaRPr lang="en-PH" dirty="0"/>
+          </a:p>
+        </p:txBody>
+      </p:sp>
+      <p:sp>
+        <p:nvSpPr>
+          <p:cNvPr id="3" name="Content Placeholder 2"/>
+          <p:cNvSpPr>
+            <a:spLocks noGrp="1"/>
+          </p:cNvSpPr>
+          <p:nvPr>
+            <p:ph idx="1"/>
+          </p:nvPr>
+        </p:nvSpPr>
+        <p:spPr>
+          <a:xfrm>
+            <a:off x="677334" y="1930400"/>
+            <a:ext cx="8596668" cy="4110962"/>
+          </a:xfrm>
+        </p:spPr>
+        <p:txBody>
+          <a:bodyPr>
+            <a:normAutofit/>
+          </a:bodyPr>
+          <a:lstStyle/>
+          <a:p>
+            <a:r>
+              <a:rPr lang="en-US" dirty="0"/>
+              <a:t>Events enable a </a:t>
+            </a:r>
+            <a:r>
+              <a:rPr lang="en-US" dirty="0">
+                <a:hlinkClick r:id="rId2"/>
+              </a:rPr>
+              <a:t>class</a:t>
+            </a:r>
+            <a:r>
+              <a:rPr lang="en-US" dirty="0"/>
+              <a:t> or object to notify other classes or objects when something of interest occurs. </a:t>
+            </a:r>
+            <a:endParaRPr lang="en-US" dirty="0" smtClean="0"/>
+          </a:p>
+          <a:p>
+            <a:r>
+              <a:rPr lang="en-US" dirty="0" smtClean="0"/>
+              <a:t>The </a:t>
+            </a:r>
+            <a:r>
+              <a:rPr lang="en-US" dirty="0"/>
+              <a:t>class that sends (or </a:t>
+            </a:r>
+            <a:r>
+              <a:rPr lang="en-US" i="1" dirty="0"/>
+              <a:t>raises</a:t>
+            </a:r>
+            <a:r>
+              <a:rPr lang="en-US" dirty="0"/>
+              <a:t>) the event is called the </a:t>
+            </a:r>
+            <a:r>
+              <a:rPr lang="en-US" i="1" dirty="0"/>
+              <a:t>publisher</a:t>
+            </a:r>
+            <a:r>
+              <a:rPr lang="en-US" dirty="0"/>
+              <a:t> and the classes that receive (or </a:t>
+            </a:r>
+            <a:r>
+              <a:rPr lang="en-US" i="1" dirty="0"/>
+              <a:t>handle</a:t>
+            </a:r>
+            <a:r>
+              <a:rPr lang="en-US" dirty="0"/>
+              <a:t>) the event are called </a:t>
+            </a:r>
+            <a:r>
+              <a:rPr lang="en-US" i="1" dirty="0"/>
+              <a:t>subscribers</a:t>
+            </a:r>
+            <a:r>
+              <a:rPr lang="en-US" dirty="0"/>
+              <a:t>. </a:t>
+            </a:r>
+            <a:endParaRPr lang="en-US" dirty="0" smtClean="0"/>
+          </a:p>
+          <a:p>
+            <a:r>
+              <a:rPr lang="en-US" dirty="0"/>
+              <a:t>In a typical C# Windows Forms or Web application, you subscribe to events raised by controls such as buttons and list boxes.</a:t>
+            </a:r>
+          </a:p>
+        </p:txBody>
+      </p:sp>
+    </p:spTree>
+    <p:extLst>
+      <p:ext uri="{BB962C8B-B14F-4D97-AF65-F5344CB8AC3E}">
+        <p14:creationId xmlns:p14="http://schemas.microsoft.com/office/powerpoint/2010/main" val="1084568552"/>
+      </p:ext>
+    </p:extLst>
+  </p:cSld>
+  <p:clrMapOvr>
+    <a:masterClrMapping/>
+  </p:clrMapOvr>
+</p:sld>
+</file>
+
+<file path=ppt/slides/slide101.xml><?xml version="1.0" encoding="utf-8"?>
+<p:sld xmlns:a="http://schemas.openxmlformats.org/drawingml/2006/main" xmlns:r="http://schemas.openxmlformats.org/officeDocument/2006/relationships" xmlns:p="http://schemas.openxmlformats.org/presentationml/2006/main">
+  <p:cSld>
+    <p:spTree>
+      <p:nvGrpSpPr>
+        <p:cNvPr id="1" name=""/>
+        <p:cNvGrpSpPr/>
+        <p:nvPr/>
+      </p:nvGrpSpPr>
+      <p:grpSpPr>
+        <a:xfrm>
+          <a:off x="0" y="0"/>
+          <a:ext cx="0" cy="0"/>
+          <a:chOff x="0" y="0"/>
+          <a:chExt cx="0" cy="0"/>
+        </a:xfrm>
+      </p:grpSpPr>
+      <p:sp>
+        <p:nvSpPr>
+          <p:cNvPr id="2" name="Title 1"/>
+          <p:cNvSpPr>
+            <a:spLocks noGrp="1"/>
+          </p:cNvSpPr>
+          <p:nvPr>
+            <p:ph type="title"/>
+          </p:nvPr>
+        </p:nvSpPr>
+        <p:spPr/>
+        <p:txBody>
+          <a:bodyPr/>
+          <a:lstStyle/>
+          <a:p>
+            <a:r>
+              <a:rPr lang="en-US" dirty="0"/>
+              <a:t>Events </a:t>
+            </a:r>
+          </a:p>
+        </p:txBody>
+      </p:sp>
+      <p:sp>
+        <p:nvSpPr>
+          <p:cNvPr id="4" name="Footer Placeholder 3"/>
+          <p:cNvSpPr>
+            <a:spLocks noGrp="1"/>
+          </p:cNvSpPr>
+          <p:nvPr>
+            <p:ph type="ftr" sz="quarter" idx="11"/>
+          </p:nvPr>
+        </p:nvSpPr>
+        <p:spPr/>
+        <p:txBody>
+          <a:bodyPr/>
+          <a:lstStyle/>
+          <a:p>
+            <a:r>
+              <a:rPr lang="en-PH" dirty="0"/>
+              <a:t>https://docs.microsoft.com/en-us/dotnet/csharp/programming-guide/delegates/</a:t>
+            </a:r>
+            <a:endParaRPr lang="en-PH" dirty="0"/>
+          </a:p>
+        </p:txBody>
+      </p:sp>
+      <p:sp>
+        <p:nvSpPr>
+          <p:cNvPr id="3" name="Content Placeholder 2"/>
+          <p:cNvSpPr>
+            <a:spLocks noGrp="1"/>
+          </p:cNvSpPr>
+          <p:nvPr>
+            <p:ph idx="1"/>
+          </p:nvPr>
+        </p:nvSpPr>
+        <p:spPr>
+          <a:xfrm>
+            <a:off x="677334" y="1930400"/>
+            <a:ext cx="8596668" cy="4110962"/>
+          </a:xfrm>
+        </p:spPr>
+        <p:txBody>
+          <a:bodyPr>
+            <a:normAutofit/>
+          </a:bodyPr>
+          <a:lstStyle/>
+          <a:p>
+            <a:pPr marL="0" indent="0">
+              <a:buNone/>
+            </a:pPr>
+            <a:r>
+              <a:rPr lang="en-US" dirty="0"/>
+              <a:t>Events have the following properties: </a:t>
+            </a:r>
+          </a:p>
+          <a:p>
+            <a:r>
+              <a:rPr lang="en-US" dirty="0"/>
+              <a:t>The publisher determines when an event is raised; the subscribers determine what action is taken in response to the event. </a:t>
+            </a:r>
+          </a:p>
+          <a:p>
+            <a:r>
+              <a:rPr lang="en-US" dirty="0"/>
+              <a:t>An event can have multiple subscribers. A subscriber can handle multiple events from multiple publishers. </a:t>
+            </a:r>
+          </a:p>
+          <a:p>
+            <a:r>
+              <a:rPr lang="en-US" dirty="0"/>
+              <a:t>Events that have no subscribers are never raised. </a:t>
+            </a:r>
+          </a:p>
+        </p:txBody>
+      </p:sp>
+    </p:spTree>
+    <p:extLst>
+      <p:ext uri="{BB962C8B-B14F-4D97-AF65-F5344CB8AC3E}">
+        <p14:creationId xmlns:p14="http://schemas.microsoft.com/office/powerpoint/2010/main" val="509987017"/>
+      </p:ext>
+    </p:extLst>
+  </p:cSld>
+  <p:clrMapOvr>
+    <a:masterClrMapping/>
+  </p:clrMapOvr>
+</p:sld>
+</file>
+
+<file path=ppt/slides/slide102.xml><?xml version="1.0" encoding="utf-8"?>
+<p:sld xmlns:a="http://schemas.openxmlformats.org/drawingml/2006/main" xmlns:r="http://schemas.openxmlformats.org/officeDocument/2006/relationships" xmlns:p="http://schemas.openxmlformats.org/presentationml/2006/main">
+  <p:cSld>
+    <p:spTree>
+      <p:nvGrpSpPr>
+        <p:cNvPr id="1" name=""/>
+        <p:cNvGrpSpPr/>
+        <p:nvPr/>
+      </p:nvGrpSpPr>
+      <p:grpSpPr>
+        <a:xfrm>
+          <a:off x="0" y="0"/>
+          <a:ext cx="0" cy="0"/>
+          <a:chOff x="0" y="0"/>
+          <a:chExt cx="0" cy="0"/>
+        </a:xfrm>
+      </p:grpSpPr>
+      <p:sp>
+        <p:nvSpPr>
+          <p:cNvPr id="2" name="Title 1"/>
+          <p:cNvSpPr>
+            <a:spLocks noGrp="1"/>
+          </p:cNvSpPr>
+          <p:nvPr>
+            <p:ph type="title"/>
+          </p:nvPr>
+        </p:nvSpPr>
+        <p:spPr/>
+        <p:txBody>
+          <a:bodyPr/>
+          <a:lstStyle/>
+          <a:p>
+            <a:r>
+              <a:rPr lang="en-US" dirty="0"/>
+              <a:t>Events </a:t>
+            </a:r>
+          </a:p>
+        </p:txBody>
+      </p:sp>
+      <p:sp>
+        <p:nvSpPr>
+          <p:cNvPr id="4" name="Footer Placeholder 3"/>
+          <p:cNvSpPr>
+            <a:spLocks noGrp="1"/>
+          </p:cNvSpPr>
+          <p:nvPr>
+            <p:ph type="ftr" sz="quarter" idx="11"/>
+          </p:nvPr>
+        </p:nvSpPr>
+        <p:spPr/>
+        <p:txBody>
+          <a:bodyPr/>
+          <a:lstStyle/>
+          <a:p>
+            <a:r>
+              <a:rPr lang="en-PH" dirty="0"/>
+              <a:t>https://docs.microsoft.com/en-us/dotnet/csharp/programming-guide/delegates/</a:t>
+            </a:r>
+            <a:endParaRPr lang="en-PH" dirty="0"/>
+          </a:p>
+        </p:txBody>
+      </p:sp>
+      <p:sp>
+        <p:nvSpPr>
+          <p:cNvPr id="3" name="Content Placeholder 2"/>
+          <p:cNvSpPr>
+            <a:spLocks noGrp="1"/>
+          </p:cNvSpPr>
+          <p:nvPr>
+            <p:ph idx="1"/>
+          </p:nvPr>
+        </p:nvSpPr>
+        <p:spPr>
+          <a:xfrm>
+            <a:off x="677334" y="1930400"/>
+            <a:ext cx="8596668" cy="4110962"/>
+          </a:xfrm>
+        </p:spPr>
+        <p:txBody>
+          <a:bodyPr>
+            <a:normAutofit/>
+          </a:bodyPr>
+          <a:lstStyle/>
+          <a:p>
+            <a:pPr marL="0" indent="0">
+              <a:buNone/>
+            </a:pPr>
+            <a:r>
+              <a:rPr lang="en-US" dirty="0"/>
+              <a:t>Events have the following properties: </a:t>
+            </a:r>
+          </a:p>
+          <a:p>
+            <a:r>
+              <a:rPr lang="en-US" dirty="0"/>
+              <a:t>Events are typically used to signal user actions such as button clicks or menu selections in graphical user interfaces. </a:t>
+            </a:r>
+          </a:p>
+          <a:p>
+            <a:r>
+              <a:rPr lang="en-US" dirty="0"/>
+              <a:t>When an event has multiple subscribers, the event handlers are invoked synchronously when an event is raised. To invoke events asynchronously, see </a:t>
+            </a:r>
+            <a:r>
+              <a:rPr lang="en-US" dirty="0">
+                <a:hlinkClick r:id="rId2"/>
+              </a:rPr>
+              <a:t>Calling Synchronous Methods Asynchronously</a:t>
+            </a:r>
+            <a:r>
+              <a:rPr lang="en-US" dirty="0"/>
+              <a:t>. </a:t>
+            </a:r>
+          </a:p>
+          <a:p>
+            <a:r>
+              <a:rPr lang="en-US" dirty="0"/>
+              <a:t>In the .NET Framework class library, events are based on the </a:t>
+            </a:r>
+            <a:r>
+              <a:rPr lang="en-US" dirty="0" err="1">
+                <a:hlinkClick r:id="rId3"/>
+              </a:rPr>
+              <a:t>EventHandler</a:t>
+            </a:r>
+            <a:r>
+              <a:rPr lang="en-US" dirty="0"/>
+              <a:t> delegate and the </a:t>
+            </a:r>
+            <a:r>
+              <a:rPr lang="en-US" dirty="0" err="1">
+                <a:hlinkClick r:id="rId4"/>
+              </a:rPr>
+              <a:t>EventArgs</a:t>
+            </a:r>
+            <a:r>
+              <a:rPr lang="en-US" dirty="0"/>
+              <a:t> base class. </a:t>
+            </a:r>
+            <a:endParaRPr lang="en-US" dirty="0"/>
+          </a:p>
+        </p:txBody>
+      </p:sp>
+    </p:spTree>
+    <p:extLst>
+      <p:ext uri="{BB962C8B-B14F-4D97-AF65-F5344CB8AC3E}">
+        <p14:creationId xmlns:p14="http://schemas.microsoft.com/office/powerpoint/2010/main" val="3081528034"/>
+      </p:ext>
+    </p:extLst>
+  </p:cSld>
+  <p:clrMapOvr>
+    <a:masterClrMapping/>
+  </p:clrMapOvr>
+</p:sld>
+</file>
+
+<file path=ppt/slides/slide103.xml><?xml version="1.0" encoding="utf-8"?>
+<p:sld xmlns:a="http://schemas.openxmlformats.org/drawingml/2006/main" xmlns:r="http://schemas.openxmlformats.org/officeDocument/2006/relationships" xmlns:p="http://schemas.openxmlformats.org/presentationml/2006/main">
+  <p:cSld>
+    <p:spTree>
+      <p:nvGrpSpPr>
+        <p:cNvPr id="1" name=""/>
+        <p:cNvGrpSpPr/>
+        <p:nvPr/>
+      </p:nvGrpSpPr>
+      <p:grpSpPr>
+        <a:xfrm>
+          <a:off x="0" y="0"/>
+          <a:ext cx="0" cy="0"/>
+          <a:chOff x="0" y="0"/>
+          <a:chExt cx="0" cy="0"/>
+        </a:xfrm>
+      </p:grpSpPr>
+      <p:sp>
+        <p:nvSpPr>
+          <p:cNvPr id="2" name="Title 1"/>
+          <p:cNvSpPr>
+            <a:spLocks noGrp="1"/>
+          </p:cNvSpPr>
+          <p:nvPr>
+            <p:ph type="title"/>
+          </p:nvPr>
+        </p:nvSpPr>
+        <p:spPr/>
+        <p:txBody>
+          <a:bodyPr/>
+          <a:lstStyle/>
+          <a:p>
+            <a:r>
+              <a:rPr lang="en-US" dirty="0"/>
+              <a:t>Subscribe to and Unsubscribe from Events </a:t>
+            </a:r>
+          </a:p>
+        </p:txBody>
+      </p:sp>
+      <p:sp>
+        <p:nvSpPr>
+          <p:cNvPr id="4" name="Footer Placeholder 3"/>
+          <p:cNvSpPr>
+            <a:spLocks noGrp="1"/>
+          </p:cNvSpPr>
+          <p:nvPr>
+            <p:ph type="ftr" sz="quarter" idx="11"/>
+          </p:nvPr>
+        </p:nvSpPr>
+        <p:spPr/>
+        <p:txBody>
+          <a:bodyPr/>
+          <a:lstStyle/>
+          <a:p>
+            <a:r>
+              <a:rPr lang="en-PH" dirty="0"/>
+              <a:t>https://docs.microsoft.com/en-us/dotnet/csharp/programming-guide/delegates/</a:t>
+            </a:r>
+            <a:endParaRPr lang="en-PH" dirty="0"/>
+          </a:p>
+        </p:txBody>
+      </p:sp>
+      <p:pic>
+        <p:nvPicPr>
+          <p:cNvPr id="22530" name="Picture 2"/>
+          <p:cNvPicPr>
+            <a:picLocks noGrp="1" noChangeAspect="1" noChangeArrowheads="1"/>
+          </p:cNvPicPr>
+          <p:nvPr>
+            <p:ph idx="1"/>
+          </p:nvPr>
+        </p:nvPicPr>
+        <p:blipFill>
+          <a:blip r:embed="rId2">
+            <a:extLst>
+              <a:ext uri="{28A0092B-C50C-407E-A947-70E740481C1C}">
+                <a14:useLocalDpi xmlns:a14="http://schemas.microsoft.com/office/drawing/2010/main" val="0"/>
+              </a:ext>
+            </a:extLst>
+          </a:blip>
+          <a:srcRect/>
+          <a:stretch>
+            <a:fillRect/>
+          </a:stretch>
+        </p:blipFill>
+        <p:spPr bwMode="auto">
+          <a:xfrm>
+            <a:off x="2930844" y="3021694"/>
+            <a:ext cx="4210638" cy="476317"/>
+          </a:xfrm>
+          <a:prstGeom prst="rect">
+            <a:avLst/>
+          </a:prstGeom>
+          <a:noFill/>
+          <a:ln>
+            <a:noFill/>
+          </a:ln>
+          <a:effectLst/>
+          <a:extLst>
+            <a:ext uri="{909E8E84-426E-40DD-AFC4-6F175D3DCCD1}">
+              <a14:hiddenFill xmlns:a14="http://schemas.microsoft.com/office/drawing/2010/main">
+                <a:solidFill>
+                  <a:schemeClr val="accent1"/>
+                </a:solidFill>
+              </a14:hiddenFill>
+            </a:ext>
+            <a:ext uri="{91240B29-F687-4F45-9708-019B960494DF}">
+              <a14:hiddenLine xmlns:a14="http://schemas.microsoft.com/office/drawing/2010/main" w="9525">
+                <a:solidFill>
+                  <a:schemeClr val="tx1"/>
+                </a:solidFill>
+                <a:miter lim="800000"/>
+                <a:headEnd/>
+                <a:tailEnd/>
+              </a14:hiddenLine>
+            </a:ext>
+            <a:ext uri="{AF507438-7753-43E0-B8FC-AC1667EBCBE1}">
+              <a14:hiddenEffects xmlns:a14="http://schemas.microsoft.com/office/drawing/2010/main">
+                <a:effectLst>
+                  <a:outerShdw dist="35921" dir="2700000" algn="ctr" rotWithShape="0">
+                    <a:schemeClr val="bg2"/>
+                  </a:outerShdw>
+                </a:effectLst>
+              </a14:hiddenEffects>
+            </a:ext>
+          </a:extLst>
+        </p:spPr>
+      </p:pic>
+      <p:pic>
+        <p:nvPicPr>
+          <p:cNvPr id="22531" name="Picture 3"/>
+          <p:cNvPicPr>
+            <a:picLocks noChangeAspect="1" noChangeArrowheads="1"/>
+          </p:cNvPicPr>
+          <p:nvPr/>
+        </p:nvPicPr>
+        <p:blipFill>
+          <a:blip r:embed="rId3">
+            <a:extLst>
+              <a:ext uri="{28A0092B-C50C-407E-A947-70E740481C1C}">
+                <a14:useLocalDpi xmlns:a14="http://schemas.microsoft.com/office/drawing/2010/main" val="0"/>
+              </a:ext>
+            </a:extLst>
+          </a:blip>
+          <a:srcRect/>
+          <a:stretch>
+            <a:fillRect/>
+          </a:stretch>
+        </p:blipFill>
+        <p:spPr bwMode="auto">
+          <a:xfrm>
+            <a:off x="2931432" y="3638359"/>
+            <a:ext cx="4210050" cy="457200"/>
+          </a:xfrm>
+          <a:prstGeom prst="rect">
+            <a:avLst/>
+          </a:prstGeom>
+          <a:noFill/>
+          <a:ln>
+            <a:noFill/>
+          </a:ln>
+          <a:effectLst/>
+          <a:extLst>
+            <a:ext uri="{909E8E84-426E-40DD-AFC4-6F175D3DCCD1}">
+              <a14:hiddenFill xmlns:a14="http://schemas.microsoft.com/office/drawing/2010/main">
+                <a:solidFill>
+                  <a:schemeClr val="accent1"/>
+                </a:solidFill>
+              </a14:hiddenFill>
+            </a:ext>
+            <a:ext uri="{91240B29-F687-4F45-9708-019B960494DF}">
+              <a14:hiddenLine xmlns:a14="http://schemas.microsoft.com/office/drawing/2010/main" w="9525">
+                <a:solidFill>
+                  <a:schemeClr val="tx1"/>
+                </a:solidFill>
+                <a:miter lim="800000"/>
+                <a:headEnd/>
+                <a:tailEnd/>
+              </a14:hiddenLine>
+            </a:ext>
+            <a:ext uri="{AF507438-7753-43E0-B8FC-AC1667EBCBE1}">
+              <a14:hiddenEffects xmlns:a14="http://schemas.microsoft.com/office/drawing/2010/main">
+                <a:effectLst>
+                  <a:outerShdw dist="35921" dir="2700000" algn="ctr" rotWithShape="0">
+                    <a:schemeClr val="bg2"/>
+                  </a:outerShdw>
+                </a:effectLst>
+              </a14:hiddenEffects>
+            </a:ext>
+          </a:extLst>
+        </p:spPr>
+      </p:pic>
+    </p:spTree>
+    <p:extLst>
+      <p:ext uri="{BB962C8B-B14F-4D97-AF65-F5344CB8AC3E}">
+        <p14:creationId xmlns:p14="http://schemas.microsoft.com/office/powerpoint/2010/main" val="2560142323"/>
+      </p:ext>
+    </p:extLst>
+  </p:cSld>
+  <p:clrMapOvr>
+    <a:masterClrMapping/>
+  </p:clrMapOvr>
+</p:sld>
+</file>
+
+<file path=ppt/slides/slide104.xml><?xml version="1.0" encoding="utf-8"?>
+<p:sld xmlns:a="http://schemas.openxmlformats.org/drawingml/2006/main" xmlns:r="http://schemas.openxmlformats.org/officeDocument/2006/relationships" xmlns:p="http://schemas.openxmlformats.org/presentationml/2006/main">
+  <p:cSld>
+    <p:spTree>
+      <p:nvGrpSpPr>
+        <p:cNvPr id="1" name=""/>
+        <p:cNvGrpSpPr/>
+        <p:nvPr/>
+      </p:nvGrpSpPr>
+      <p:grpSpPr>
+        <a:xfrm>
+          <a:off x="0" y="0"/>
+          <a:ext cx="0" cy="0"/>
+          <a:chOff x="0" y="0"/>
+          <a:chExt cx="0" cy="0"/>
+        </a:xfrm>
+      </p:grpSpPr>
+      <p:sp>
+        <p:nvSpPr>
+          <p:cNvPr id="2" name="Title 1"/>
+          <p:cNvSpPr>
+            <a:spLocks noGrp="1"/>
+          </p:cNvSpPr>
+          <p:nvPr>
+            <p:ph type="title"/>
+          </p:nvPr>
+        </p:nvSpPr>
+        <p:spPr/>
+        <p:txBody>
+          <a:bodyPr/>
+          <a:lstStyle/>
+          <a:p>
+            <a:r>
+              <a:rPr lang="en-US" dirty="0"/>
+              <a:t>Publish Events that Conform to .NET Framework Guidelines </a:t>
+            </a:r>
+          </a:p>
+        </p:txBody>
+      </p:sp>
+      <p:sp>
+        <p:nvSpPr>
+          <p:cNvPr id="4" name="Footer Placeholder 3"/>
+          <p:cNvSpPr>
+            <a:spLocks noGrp="1"/>
+          </p:cNvSpPr>
+          <p:nvPr>
+            <p:ph type="ftr" sz="quarter" idx="11"/>
+          </p:nvPr>
+        </p:nvSpPr>
+        <p:spPr/>
+        <p:txBody>
+          <a:bodyPr/>
+          <a:lstStyle/>
+          <a:p>
+            <a:r>
+              <a:rPr lang="en-PH" dirty="0"/>
+              <a:t>https://docs.microsoft.com/en-us/dotnet/csharp/programming-guide/delegates/</a:t>
+            </a:r>
+            <a:endParaRPr lang="en-PH" dirty="0"/>
+          </a:p>
+        </p:txBody>
+      </p:sp>
+      <p:sp>
+        <p:nvSpPr>
+          <p:cNvPr id="3" name="Content Placeholder 2"/>
+          <p:cNvSpPr>
+            <a:spLocks noGrp="1"/>
+          </p:cNvSpPr>
+          <p:nvPr>
+            <p:ph idx="1"/>
+          </p:nvPr>
+        </p:nvSpPr>
+        <p:spPr/>
+        <p:txBody>
+          <a:bodyPr/>
+          <a:lstStyle/>
+          <a:p>
+            <a:r>
+              <a:rPr lang="en-US" dirty="0">
+                <a:hlinkClick r:id="rId2"/>
+              </a:rPr>
+              <a:t>https</a:t>
+            </a:r>
+            <a:r>
+              <a:rPr lang="en-US">
+                <a:hlinkClick r:id="rId2"/>
+              </a:rPr>
+              <a:t>://</a:t>
+            </a:r>
+            <a:r>
+              <a:rPr lang="en-US" smtClean="0">
+                <a:hlinkClick r:id="rId2"/>
+              </a:rPr>
+              <a:t>docs.microsoft.com/en-us/dotnet/csharp/programming-guide/events/how-to-publish-events-that-conform-to-net-framework-guidelines</a:t>
+            </a:r>
+            <a:endParaRPr lang="en-US" smtClean="0"/>
+          </a:p>
+          <a:p>
+            <a:endParaRPr lang="en-US" dirty="0"/>
+          </a:p>
+        </p:txBody>
+      </p:sp>
+    </p:spTree>
+    <p:extLst>
+      <p:ext uri="{BB962C8B-B14F-4D97-AF65-F5344CB8AC3E}">
+        <p14:creationId xmlns:p14="http://schemas.microsoft.com/office/powerpoint/2010/main" val="3094533169"/>
+      </p:ext>
+    </p:extLst>
+  </p:cSld>
+  <p:clrMapOvr>
+    <a:masterClrMapping/>
+  </p:clrMapOvr>
 </p:sld>
 </file>
 
@@ -8183,7 +9040,6 @@
               <a:rPr lang="en-PH" dirty="0"/>
               <a:t>https://docs.microsoft.com/en-us/dotnet/csharp/programming-guide/concepts/object-oriented-programming</a:t>
             </a:r>
-            <a:endParaRPr lang="en-PH" dirty="0"/>
           </a:p>
         </p:txBody>
       </p:sp>
@@ -9532,7 +10388,6 @@
               <a:rPr lang="en-PH" dirty="0"/>
               <a:t>https://www.codeproject.com/Articles/22769/Introduction-to-Object-Oriented-Programming-Concep</a:t>
             </a:r>
-            <a:endParaRPr lang="en-PH" dirty="0"/>
           </a:p>
         </p:txBody>
       </p:sp>
@@ -10248,7 +11103,6 @@
               <a:rPr lang="en-PH" dirty="0"/>
               <a:t>https://docs.microsoft.com/en-us/dotnet/csharp/language-reference/keywords/static</a:t>
             </a:r>
-            <a:endParaRPr lang="en-PH" dirty="0"/>
           </a:p>
         </p:txBody>
       </p:sp>
@@ -11525,7 +12379,6 @@
               <a:rPr lang="en-PH" dirty="0"/>
               <a:t>https://www.reddit.com/r/explainlikeimfive/comments/1pyhng/eli5_objected_oriented_programming/</a:t>
             </a:r>
-            <a:endParaRPr lang="en-PH" dirty="0"/>
           </a:p>
         </p:txBody>
       </p:sp>
@@ -12209,7 +13062,6 @@
               <a:rPr lang="en-PH" dirty="0"/>
               <a:t>https://docs.microsoft.com/en-us/dotnet/csharp/language-reference/keywords/abstract</a:t>
             </a:r>
-            <a:endParaRPr lang="en-PH" dirty="0"/>
           </a:p>
         </p:txBody>
       </p:sp>
@@ -12368,7 +13220,6 @@
               <a:rPr lang="en-PH" dirty="0"/>
               <a:t>https://docs.microsoft.com/en-us/dotnet/csharp/language-reference/keywords/abstract</a:t>
             </a:r>
-            <a:endParaRPr lang="en-PH" dirty="0"/>
           </a:p>
         </p:txBody>
       </p:sp>
@@ -12497,7 +13348,6 @@
               <a:rPr lang="en-PH" dirty="0"/>
               <a:t>https://docs.microsoft.com/en-us/dotnet/csharp/language-reference/keywords/abstract</a:t>
             </a:r>
-            <a:endParaRPr lang="en-PH" dirty="0"/>
           </a:p>
         </p:txBody>
       </p:sp>
@@ -12887,7 +13737,6 @@
               <a:rPr lang="en-PH" dirty="0"/>
               <a:t>https://docs.microsoft.com/en-us/dotnet/csharp/programming-guide/classes-and-structs/polymorphism</a:t>
             </a:r>
-            <a:endParaRPr lang="en-PH" dirty="0"/>
           </a:p>
         </p:txBody>
       </p:sp>
@@ -13171,7 +14020,6 @@
               <a:rPr lang="en-PH" dirty="0"/>
               <a:t>https://docs.microsoft.com/en-us/dotnet/csharp/programming-guide/classes-and-structs/polymorphism</a:t>
             </a:r>
-            <a:endParaRPr lang="en-PH" dirty="0"/>
           </a:p>
         </p:txBody>
       </p:sp>
@@ -13294,7 +14142,6 @@
               <a:rPr lang="en-PH" dirty="0"/>
               <a:t>https://docs.microsoft.com/en-us/dotnet/csharp/programming-guide/classes-and-structs/polymorphism</a:t>
             </a:r>
-            <a:endParaRPr lang="en-PH" dirty="0"/>
           </a:p>
         </p:txBody>
       </p:sp>
@@ -13415,7 +14262,6 @@
               <a:rPr lang="en-PH" dirty="0"/>
               <a:t>https://docs.microsoft.com/en-us/dotnet/csharp/programming-guide/classes-and-structs/polymorphism</a:t>
             </a:r>
-            <a:endParaRPr lang="en-PH" dirty="0"/>
           </a:p>
         </p:txBody>
       </p:sp>
@@ -13490,7 +14336,6 @@
               <a:rPr lang="en-PH" dirty="0"/>
               <a:t>https://docs.microsoft.com/en-us/dotnet/csharp/programming-guide/classes-and-structs/polymorphism</a:t>
             </a:r>
-            <a:endParaRPr lang="en-PH" dirty="0"/>
           </a:p>
         </p:txBody>
       </p:sp>
@@ -13631,7 +14476,6 @@
               <a:rPr lang="en-PH" dirty="0"/>
               <a:t>https://docs.microsoft.com/en-us/dotnet/csharp/programming-guide/classes-and-structs/polymorphism</a:t>
             </a:r>
-            <a:endParaRPr lang="en-PH" dirty="0"/>
           </a:p>
         </p:txBody>
       </p:sp>
@@ -13819,7 +14663,6 @@
               <a:rPr lang="en-PH" dirty="0"/>
               <a:t>https://docs.microsoft.com/en-us/dotnet/csharp/programming-guide/classes-and-structs/polymorphism</a:t>
             </a:r>
-            <a:endParaRPr lang="en-PH" dirty="0"/>
           </a:p>
         </p:txBody>
       </p:sp>
@@ -13942,7 +14785,6 @@
               <a:rPr lang="en-PH" dirty="0"/>
               <a:t>https://docs.microsoft.com/en-us/dotnet/csharp/programming-guide/classes-and-structs/polymorphism</a:t>
             </a:r>
-            <a:endParaRPr lang="en-PH" dirty="0"/>
           </a:p>
         </p:txBody>
       </p:sp>
@@ -14088,7 +14930,6 @@
               <a:rPr lang="en-PH" dirty="0"/>
               <a:t>https://docs.microsoft.com/en-us/dotnet/csharp/programming-guide/classes-and-structs/polymorphism</a:t>
             </a:r>
-            <a:endParaRPr lang="en-PH" dirty="0"/>
           </a:p>
         </p:txBody>
       </p:sp>
@@ -14253,7 +15094,6 @@
               <a:rPr lang="en-PH" dirty="0"/>
               <a:t>https://docs.microsoft.com/en-us/dotnet/csharp/programming-guide/classes-and-structs/polymorphism</a:t>
             </a:r>
-            <a:endParaRPr lang="en-PH" dirty="0"/>
           </a:p>
         </p:txBody>
       </p:sp>
@@ -14361,7 +15201,6 @@
               <a:rPr lang="en-PH" dirty="0"/>
               <a:t>https://docs.microsoft.com/en-us/dotnet/csharp/programming-guide/classes-and-structs/polymorphism</a:t>
             </a:r>
-            <a:endParaRPr lang="en-PH" dirty="0"/>
           </a:p>
         </p:txBody>
       </p:sp>
@@ -14384,7 +15223,6 @@
               <a:rPr lang="en-US" dirty="0"/>
               <a:t>The following code provides an example: </a:t>
             </a:r>
-            <a:endParaRPr lang="en-US" dirty="0"/>
           </a:p>
         </p:txBody>
       </p:sp>
@@ -14685,7 +15523,6 @@
               <a:rPr lang="en-PH" dirty="0"/>
               <a:t>https://docs.microsoft.com/en-us/dotnet/csharp/programming-guide/classes-and-structs/polymorphism</a:t>
             </a:r>
-            <a:endParaRPr lang="en-PH" dirty="0"/>
           </a:p>
         </p:txBody>
       </p:sp>
@@ -14718,7 +15555,6 @@
               <a:rPr lang="en-US" dirty="0"/>
               <a:t>. This requires putting the sealed keyword before the override keyword in the class member declaration. The following code provides an example: </a:t>
             </a:r>
-            <a:endParaRPr lang="en-US" dirty="0"/>
           </a:p>
         </p:txBody>
       </p:sp>
@@ -14857,7 +15693,6 @@
               <a:rPr lang="en-PH" dirty="0"/>
               <a:t>https://docs.microsoft.com/en-us/dotnet/csharp/programming-guide/classes-and-structs/polymorphism</a:t>
             </a:r>
-            <a:endParaRPr lang="en-PH" dirty="0"/>
           </a:p>
         </p:txBody>
       </p:sp>
@@ -14888,7 +15723,6 @@
               <a:rPr lang="en-US" dirty="0"/>
               <a:t> is no longer virtual to any class derived from C. It is still virtual for instances of C, even if they are cast to type B or type A. Sealed methods can be replaced by derived classes by using the new keyword, as the following example shows: </a:t>
             </a:r>
-            <a:endParaRPr lang="en-US" dirty="0"/>
           </a:p>
         </p:txBody>
       </p:sp>
@@ -15029,7 +15863,6 @@
               <a:rPr lang="en-PH" dirty="0"/>
               <a:t>https://docs.microsoft.com/en-us/dotnet/csharp/programming-guide/classes-and-structs/polymorphism</a:t>
             </a:r>
-            <a:endParaRPr lang="en-PH" dirty="0"/>
           </a:p>
         </p:txBody>
       </p:sp>
@@ -15052,7 +15885,6 @@
               <a:rPr lang="en-US" dirty="0"/>
               <a:t>A derived class that has replaced or overridden a method or property can still access the method or property on the base class using the base keyword. The following code provides an example: </a:t>
             </a:r>
-            <a:endParaRPr lang="en-US" dirty="0"/>
           </a:p>
         </p:txBody>
       </p:sp>
@@ -15450,11 +16282,7 @@
             </a:pPr>
             <a:r>
               <a:rPr lang="en-US" dirty="0"/>
-              <a:t>S.O.L.I.D stands for</a:t>
-            </a:r>
-            <a:r>
-              <a:rPr lang="en-US" dirty="0"/>
-              <a:t>:</a:t>
+              <a:t>S.O.L.I.D stands for:</a:t>
             </a:r>
           </a:p>
           <a:p>
@@ -15481,7 +16309,6 @@
               <a:rPr lang="en-PH" dirty="0"/>
               <a:t>https://en.wikipedia.org/wiki/SOLID_(object-oriented_design)</a:t>
             </a:r>
-            <a:endParaRPr lang="en-PH" dirty="0"/>
           </a:p>
         </p:txBody>
       </p:sp>
@@ -15588,7 +16415,7 @@
           <p:nvPr>
             <p:extLst>
               <p:ext uri="{386F3935-93C4-4BCD-93E2-E3B085C9AB24}">
-                <p16:designElem xmlns:p16="http://schemas.microsoft.com/office/powerpoint/2015/main" xmlns="" val="1"/>
+                <p16:designElem xmlns="" xmlns:p16="http://schemas.microsoft.com/office/powerpoint/2015/main" val="1"/>
               </p:ext>
             </p:extLst>
           </p:nvPr>
@@ -15639,7 +16466,7 @@
           <p:nvPr>
             <p:extLst>
               <p:ext uri="{386F3935-93C4-4BCD-93E2-E3B085C9AB24}">
-                <p16:designElem xmlns:p16="http://schemas.microsoft.com/office/powerpoint/2015/main" xmlns="" val="1"/>
+                <p16:designElem xmlns="" xmlns:p16="http://schemas.microsoft.com/office/powerpoint/2015/main" val="1"/>
               </p:ext>
             </p:extLst>
           </p:nvPr>
@@ -15659,7 +16486,7 @@
             <p:nvPr>
               <p:extLst>
                 <p:ext uri="{386F3935-93C4-4BCD-93E2-E3B085C9AB24}">
-                  <p16:designElem xmlns:p16="http://schemas.microsoft.com/office/powerpoint/2015/main" xmlns="" val="1"/>
+                  <p16:designElem xmlns="" xmlns:p16="http://schemas.microsoft.com/office/powerpoint/2015/main" val="1"/>
                 </p:ext>
               </p:extLst>
             </p:nvPr>
@@ -15702,7 +16529,7 @@
             <p:nvPr>
               <p:extLst>
                 <p:ext uri="{386F3935-93C4-4BCD-93E2-E3B085C9AB24}">
-                  <p16:designElem xmlns:p16="http://schemas.microsoft.com/office/powerpoint/2015/main" xmlns="" val="1"/>
+                  <p16:designElem xmlns="" xmlns:p16="http://schemas.microsoft.com/office/powerpoint/2015/main" val="1"/>
                 </p:ext>
               </p:extLst>
             </p:nvPr>
@@ -15747,7 +16574,7 @@
             <p:nvPr>
               <p:extLst>
                 <p:ext uri="{386F3935-93C4-4BCD-93E2-E3B085C9AB24}">
-                  <p16:designElem xmlns:p16="http://schemas.microsoft.com/office/powerpoint/2015/main" xmlns="" val="1"/>
+                  <p16:designElem xmlns="" xmlns:p16="http://schemas.microsoft.com/office/powerpoint/2015/main" val="1"/>
                 </p:ext>
               </p:extLst>
             </p:nvPr>
@@ -15816,7 +16643,7 @@
             <p:nvPr>
               <p:extLst>
                 <p:ext uri="{386F3935-93C4-4BCD-93E2-E3B085C9AB24}">
-                  <p16:designElem xmlns:p16="http://schemas.microsoft.com/office/powerpoint/2015/main" xmlns="" val="1"/>
+                  <p16:designElem xmlns="" xmlns:p16="http://schemas.microsoft.com/office/powerpoint/2015/main" val="1"/>
                 </p:ext>
               </p:extLst>
             </p:nvPr>
@@ -15885,7 +16712,7 @@
             <p:nvPr>
               <p:extLst>
                 <p:ext uri="{386F3935-93C4-4BCD-93E2-E3B085C9AB24}">
-                  <p16:designElem xmlns:p16="http://schemas.microsoft.com/office/powerpoint/2015/main" xmlns="" val="1"/>
+                  <p16:designElem xmlns="" xmlns:p16="http://schemas.microsoft.com/office/powerpoint/2015/main" val="1"/>
                 </p:ext>
               </p:extLst>
             </p:nvPr>
@@ -15932,7 +16759,7 @@
             <p:nvPr>
               <p:extLst>
                 <p:ext uri="{386F3935-93C4-4BCD-93E2-E3B085C9AB24}">
-                  <p16:designElem xmlns:p16="http://schemas.microsoft.com/office/powerpoint/2015/main" xmlns="" val="1"/>
+                  <p16:designElem xmlns="" xmlns:p16="http://schemas.microsoft.com/office/powerpoint/2015/main" val="1"/>
                 </p:ext>
               </p:extLst>
             </p:nvPr>
@@ -16002,7 +16829,7 @@
             <p:nvPr>
               <p:extLst>
                 <p:ext uri="{386F3935-93C4-4BCD-93E2-E3B085C9AB24}">
-                  <p16:designElem xmlns:p16="http://schemas.microsoft.com/office/powerpoint/2015/main" xmlns="" val="1"/>
+                  <p16:designElem xmlns="" xmlns:p16="http://schemas.microsoft.com/office/powerpoint/2015/main" val="1"/>
                 </p:ext>
               </p:extLst>
             </p:nvPr>
@@ -16052,7 +16879,7 @@
           <p:nvPr>
             <p:extLst>
               <p:ext uri="{386F3935-93C4-4BCD-93E2-E3B085C9AB24}">
-                <p16:designElem xmlns:p16="http://schemas.microsoft.com/office/powerpoint/2015/main" xmlns="" val="1"/>
+                <p16:designElem xmlns="" xmlns:p16="http://schemas.microsoft.com/office/powerpoint/2015/main" val="1"/>
               </p:ext>
             </p:extLst>
           </p:nvPr>
@@ -16351,6 +17178,10 @@
           <a:bodyPr/>
           <a:lstStyle/>
           <a:p>
+            <a:r>
+              <a:rPr lang="en-PH" dirty="0" smtClean="0"/>
+              <a:t>Arrays</a:t>
+            </a:r>
             <a:endParaRPr lang="en-PH" dirty="0"/>
           </a:p>
         </p:txBody>
@@ -16371,6 +17202,61 @@
             <a:normAutofit/>
           </a:bodyPr>
           <a:lstStyle/>
+          <a:p>
+            <a:r>
+              <a:rPr lang="en-US" dirty="0"/>
+              <a:t>You can store multiple variables of the same type in an array data structure. You declare an array by specifying the type of its elements</a:t>
+            </a:r>
+            <a:r>
+              <a:rPr lang="en-US" dirty="0" smtClean="0"/>
+              <a:t>.</a:t>
+            </a:r>
+          </a:p>
+          <a:p>
+            <a:r>
+              <a:rPr lang="en-US" dirty="0"/>
+              <a:t>An array can be </a:t>
+            </a:r>
+            <a:r>
+              <a:rPr lang="en-US" dirty="0">
+                <a:hlinkClick r:id="rId3"/>
+              </a:rPr>
+              <a:t>Single-Dimensional</a:t>
+            </a:r>
+            <a:r>
+              <a:rPr lang="en-US" dirty="0"/>
+              <a:t>, </a:t>
+            </a:r>
+            <a:r>
+              <a:rPr lang="en-US" dirty="0">
+                <a:hlinkClick r:id="rId4"/>
+              </a:rPr>
+              <a:t>Multidimensional</a:t>
+            </a:r>
+            <a:r>
+              <a:rPr lang="en-US" dirty="0"/>
+              <a:t> or </a:t>
+            </a:r>
+            <a:r>
+              <a:rPr lang="en-US" dirty="0">
+                <a:hlinkClick r:id="rId5"/>
+              </a:rPr>
+              <a:t>Jagged</a:t>
+            </a:r>
+            <a:r>
+              <a:rPr lang="en-US" dirty="0"/>
+              <a:t>. </a:t>
+            </a:r>
+          </a:p>
+          <a:p>
+            <a:r>
+              <a:rPr lang="en-US" dirty="0"/>
+              <a:t>The number of dimensions and the length of each dimension are established when the array instance is created. These values can't be changed during the lifetime of the instance. </a:t>
+            </a:r>
+          </a:p>
+          <a:p>
+            <a:endParaRPr lang="en-US" dirty="0"/>
+          </a:p>
           <a:p>
             <a:endParaRPr lang="en-PH" dirty="0"/>
           </a:p>
@@ -16440,6 +17326,10 @@
           <a:bodyPr/>
           <a:lstStyle/>
           <a:p>
+            <a:r>
+              <a:rPr lang="en-PH" dirty="0"/>
+              <a:t>Arrays</a:t>
+            </a:r>
             <a:endParaRPr lang="en-PH" dirty="0"/>
           </a:p>
         </p:txBody>
@@ -16464,7 +17354,27 @@
           <a:bodyPr numCol="1"/>
           <a:lstStyle/>
           <a:p>
-            <a:pPr lvl="1"/>
+            <a:r>
+              <a:rPr lang="en-US" dirty="0"/>
+              <a:t>The default values of numeric array elements are set to zero, and reference elements are set to null. </a:t>
+            </a:r>
+          </a:p>
+          <a:p>
+            <a:r>
+              <a:rPr lang="en-US" dirty="0"/>
+              <a:t>A jagged array is an array of arrays, and therefore its elements are reference types and are initialized to null. </a:t>
+            </a:r>
+          </a:p>
+          <a:p>
+            <a:r>
+              <a:rPr lang="en-US" dirty="0"/>
+              <a:t>Arrays are zero indexed: an array with n elements is indexed from 0 to n-1. </a:t>
+            </a:r>
+          </a:p>
+          <a:p>
+            <a:pPr marL="457200" lvl="1" indent="0">
+              <a:buNone/>
+            </a:pPr>
             <a:endParaRPr lang="en-PH" dirty="0">
               <a:solidFill>
                 <a:schemeClr val="accent2">
@@ -16498,6 +17408,168 @@
     <p:extLst>
       <p:ext uri="{BB962C8B-B14F-4D97-AF65-F5344CB8AC3E}">
         <p14:creationId xmlns:p14="http://schemas.microsoft.com/office/powerpoint/2010/main" val="4272349272"/>
+      </p:ext>
+    </p:extLst>
+  </p:cSld>
+  <p:clrMapOvr>
+    <a:masterClrMapping/>
+  </p:clrMapOvr>
+</p:sld>
+</file>
+
+<file path=ppt/slides/slide59.xml><?xml version="1.0" encoding="utf-8"?>
+<p:sld xmlns:a="http://schemas.openxmlformats.org/drawingml/2006/main" xmlns:r="http://schemas.openxmlformats.org/officeDocument/2006/relationships" xmlns:p="http://schemas.openxmlformats.org/presentationml/2006/main">
+  <p:cSld>
+    <p:spTree>
+      <p:nvGrpSpPr>
+        <p:cNvPr id="1" name=""/>
+        <p:cNvGrpSpPr/>
+        <p:nvPr/>
+      </p:nvGrpSpPr>
+      <p:grpSpPr>
+        <a:xfrm>
+          <a:off x="0" y="0"/>
+          <a:ext cx="0" cy="0"/>
+          <a:chOff x="0" y="0"/>
+          <a:chExt cx="0" cy="0"/>
+        </a:xfrm>
+      </p:grpSpPr>
+      <p:sp>
+        <p:nvSpPr>
+          <p:cNvPr id="2" name="Title 1"/>
+          <p:cNvSpPr>
+            <a:spLocks noGrp="1"/>
+          </p:cNvSpPr>
+          <p:nvPr>
+            <p:ph type="title"/>
+          </p:nvPr>
+        </p:nvSpPr>
+        <p:spPr/>
+        <p:txBody>
+          <a:bodyPr/>
+          <a:lstStyle/>
+          <a:p>
+            <a:r>
+              <a:rPr lang="en-PH" dirty="0"/>
+              <a:t>Arrays</a:t>
+            </a:r>
+            <a:endParaRPr lang="en-PH" dirty="0"/>
+          </a:p>
+        </p:txBody>
+      </p:sp>
+      <p:sp>
+        <p:nvSpPr>
+          <p:cNvPr id="3" name="Content Placeholder 2"/>
+          <p:cNvSpPr>
+            <a:spLocks noGrp="1"/>
+          </p:cNvSpPr>
+          <p:nvPr>
+            <p:ph idx="1"/>
+          </p:nvPr>
+        </p:nvSpPr>
+        <p:spPr>
+          <a:xfrm>
+            <a:off x="610832" y="2193840"/>
+            <a:ext cx="8596668" cy="3880773"/>
+          </a:xfrm>
+        </p:spPr>
+        <p:txBody>
+          <a:bodyPr numCol="1"/>
+          <a:lstStyle/>
+          <a:p>
+            <a:r>
+              <a:rPr lang="en-US" dirty="0"/>
+              <a:t>Array elements can be of any type, including an array type. </a:t>
+            </a:r>
+          </a:p>
+          <a:p>
+            <a:r>
+              <a:rPr lang="en-US" dirty="0"/>
+              <a:t>Array types are </a:t>
+            </a:r>
+            <a:r>
+              <a:rPr lang="en-US" dirty="0">
+                <a:hlinkClick r:id="rId2"/>
+              </a:rPr>
+              <a:t>reference types</a:t>
+            </a:r>
+            <a:r>
+              <a:rPr lang="en-US" dirty="0"/>
+              <a:t> derived from the abstract base type </a:t>
+            </a:r>
+            <a:r>
+              <a:rPr lang="en-US" dirty="0">
+                <a:hlinkClick r:id="rId3"/>
+              </a:rPr>
+              <a:t>Array</a:t>
+            </a:r>
+            <a:r>
+              <a:rPr lang="en-US" dirty="0"/>
+              <a:t>. Since this type implements </a:t>
+            </a:r>
+            <a:r>
+              <a:rPr lang="en-US" dirty="0" err="1">
+                <a:hlinkClick r:id="rId4"/>
+              </a:rPr>
+              <a:t>IEnumerable</a:t>
+            </a:r>
+            <a:r>
+              <a:rPr lang="en-US" dirty="0"/>
+              <a:t> and </a:t>
+            </a:r>
+            <a:r>
+              <a:rPr lang="en-US" dirty="0" err="1">
+                <a:hlinkClick r:id="rId5"/>
+              </a:rPr>
+              <a:t>IEnumerable</a:t>
+            </a:r>
+            <a:r>
+              <a:rPr lang="en-US" dirty="0">
+                <a:hlinkClick r:id="rId5"/>
+              </a:rPr>
+              <a:t>&lt;T&gt;</a:t>
+            </a:r>
+            <a:r>
+              <a:rPr lang="en-US" dirty="0"/>
+              <a:t>, you can use </a:t>
+            </a:r>
+            <a:r>
+              <a:rPr lang="en-US" dirty="0" err="1">
+                <a:hlinkClick r:id="rId6"/>
+              </a:rPr>
+              <a:t>foreach</a:t>
+            </a:r>
+            <a:r>
+              <a:rPr lang="en-US" dirty="0"/>
+              <a:t> iteration on all arrays in C#. </a:t>
+            </a:r>
+            <a:endParaRPr lang="en-US" dirty="0"/>
+          </a:p>
+        </p:txBody>
+      </p:sp>
+      <p:sp>
+        <p:nvSpPr>
+          <p:cNvPr id="4" name="Footer Placeholder 3"/>
+          <p:cNvSpPr>
+            <a:spLocks noGrp="1"/>
+          </p:cNvSpPr>
+          <p:nvPr>
+            <p:ph type="ftr" sz="quarter" idx="11"/>
+          </p:nvPr>
+        </p:nvSpPr>
+        <p:spPr/>
+        <p:txBody>
+          <a:bodyPr/>
+          <a:lstStyle/>
+          <a:p>
+            <a:endParaRPr lang="en-PH"/>
+          </a:p>
+        </p:txBody>
+      </p:sp>
+    </p:spTree>
+    <p:extLst>
+      <p:ext uri="{BB962C8B-B14F-4D97-AF65-F5344CB8AC3E}">
+        <p14:creationId xmlns:p14="http://schemas.microsoft.com/office/powerpoint/2010/main" val="465042051"/>
       </p:ext>
     </p:extLst>
   </p:cSld>
@@ -16672,6 +17744,2203 @@
       </p:par>
     </p:tnLst>
   </p:timing>
+</p:sld>
+</file>
+
+<file path=ppt/slides/slide60.xml><?xml version="1.0" encoding="utf-8"?>
+<p:sld xmlns:a="http://schemas.openxmlformats.org/drawingml/2006/main" xmlns:r="http://schemas.openxmlformats.org/officeDocument/2006/relationships" xmlns:p="http://schemas.openxmlformats.org/presentationml/2006/main">
+  <p:cSld>
+    <p:spTree>
+      <p:nvGrpSpPr>
+        <p:cNvPr id="1" name=""/>
+        <p:cNvGrpSpPr/>
+        <p:nvPr/>
+      </p:nvGrpSpPr>
+      <p:grpSpPr>
+        <a:xfrm>
+          <a:off x="0" y="0"/>
+          <a:ext cx="0" cy="0"/>
+          <a:chOff x="0" y="0"/>
+          <a:chExt cx="0" cy="0"/>
+        </a:xfrm>
+      </p:grpSpPr>
+      <p:sp>
+        <p:nvSpPr>
+          <p:cNvPr id="2" name="Title 1"/>
+          <p:cNvSpPr>
+            <a:spLocks noGrp="1"/>
+          </p:cNvSpPr>
+          <p:nvPr>
+            <p:ph type="title"/>
+          </p:nvPr>
+        </p:nvSpPr>
+        <p:spPr/>
+        <p:txBody>
+          <a:bodyPr/>
+          <a:lstStyle/>
+          <a:p>
+            <a:r>
+              <a:rPr lang="en-US" dirty="0"/>
+              <a:t>Single-Dimensional </a:t>
+            </a:r>
+            <a:r>
+              <a:rPr lang="en-US" dirty="0" smtClean="0"/>
+              <a:t>Arrays</a:t>
+            </a:r>
+            <a:endParaRPr lang="en-PH" dirty="0"/>
+          </a:p>
+        </p:txBody>
+      </p:sp>
+      <p:sp>
+        <p:nvSpPr>
+          <p:cNvPr id="3" name="Content Placeholder 2"/>
+          <p:cNvSpPr>
+            <a:spLocks noGrp="1"/>
+          </p:cNvSpPr>
+          <p:nvPr>
+            <p:ph idx="1"/>
+          </p:nvPr>
+        </p:nvSpPr>
+        <p:spPr>
+          <a:xfrm>
+            <a:off x="610832" y="2193840"/>
+            <a:ext cx="8596668" cy="3880773"/>
+          </a:xfrm>
+        </p:spPr>
+        <p:txBody>
+          <a:bodyPr numCol="1"/>
+          <a:lstStyle/>
+          <a:p>
+            <a:r>
+              <a:rPr lang="en-US" dirty="0"/>
+              <a:t>You can declare a single-dimensional array of five integers as shown in the following example</a:t>
+            </a:r>
+            <a:r>
+              <a:rPr lang="en-US" dirty="0" smtClean="0"/>
+              <a:t>:</a:t>
+            </a:r>
+          </a:p>
+          <a:p>
+            <a:endParaRPr lang="en-US" dirty="0"/>
+          </a:p>
+          <a:p>
+            <a:endParaRPr lang="en-US" dirty="0" smtClean="0"/>
+          </a:p>
+          <a:p>
+            <a:r>
+              <a:rPr lang="en-US" dirty="0"/>
+              <a:t>Array </a:t>
+            </a:r>
+            <a:r>
+              <a:rPr lang="en-US" dirty="0" smtClean="0"/>
+              <a:t>Initialization: </a:t>
+            </a:r>
+            <a:endParaRPr lang="en-US" dirty="0"/>
+          </a:p>
+        </p:txBody>
+      </p:sp>
+      <p:sp>
+        <p:nvSpPr>
+          <p:cNvPr id="4" name="Footer Placeholder 3"/>
+          <p:cNvSpPr>
+            <a:spLocks noGrp="1"/>
+          </p:cNvSpPr>
+          <p:nvPr>
+            <p:ph type="ftr" sz="quarter" idx="11"/>
+          </p:nvPr>
+        </p:nvSpPr>
+        <p:spPr/>
+        <p:txBody>
+          <a:bodyPr/>
+          <a:lstStyle/>
+          <a:p>
+            <a:endParaRPr lang="en-PH"/>
+          </a:p>
+        </p:txBody>
+      </p:sp>
+      <p:pic>
+        <p:nvPicPr>
+          <p:cNvPr id="1026" name="Picture 2"/>
+          <p:cNvPicPr>
+            <a:picLocks noChangeAspect="1" noChangeArrowheads="1"/>
+          </p:cNvPicPr>
+          <p:nvPr/>
+        </p:nvPicPr>
+        <p:blipFill>
+          <a:blip r:embed="rId2">
+            <a:extLst>
+              <a:ext uri="{28A0092B-C50C-407E-A947-70E740481C1C}">
+                <a14:useLocalDpi xmlns:a14="http://schemas.microsoft.com/office/drawing/2010/main" val="0"/>
+              </a:ext>
+            </a:extLst>
+          </a:blip>
+          <a:srcRect/>
+          <a:stretch>
+            <a:fillRect/>
+          </a:stretch>
+        </p:blipFill>
+        <p:spPr bwMode="auto">
+          <a:xfrm>
+            <a:off x="1388532" y="2997729"/>
+            <a:ext cx="2276475" cy="371475"/>
+          </a:xfrm>
+          <a:prstGeom prst="rect">
+            <a:avLst/>
+          </a:prstGeom>
+          <a:noFill/>
+          <a:ln>
+            <a:noFill/>
+          </a:ln>
+          <a:effectLst/>
+          <a:extLst>
+            <a:ext uri="{909E8E84-426E-40DD-AFC4-6F175D3DCCD1}">
+              <a14:hiddenFill xmlns:a14="http://schemas.microsoft.com/office/drawing/2010/main">
+                <a:solidFill>
+                  <a:schemeClr val="accent1"/>
+                </a:solidFill>
+              </a14:hiddenFill>
+            </a:ext>
+            <a:ext uri="{91240B29-F687-4F45-9708-019B960494DF}">
+              <a14:hiddenLine xmlns:a14="http://schemas.microsoft.com/office/drawing/2010/main" w="9525">
+                <a:solidFill>
+                  <a:schemeClr val="tx1"/>
+                </a:solidFill>
+                <a:miter lim="800000"/>
+                <a:headEnd/>
+                <a:tailEnd/>
+              </a14:hiddenLine>
+            </a:ext>
+            <a:ext uri="{AF507438-7753-43E0-B8FC-AC1667EBCBE1}">
+              <a14:hiddenEffects xmlns:a14="http://schemas.microsoft.com/office/drawing/2010/main">
+                <a:effectLst>
+                  <a:outerShdw dist="35921" dir="2700000" algn="ctr" rotWithShape="0">
+                    <a:schemeClr val="bg2"/>
+                  </a:outerShdw>
+                </a:effectLst>
+              </a14:hiddenEffects>
+            </a:ext>
+          </a:extLst>
+        </p:spPr>
+      </p:pic>
+      <p:pic>
+        <p:nvPicPr>
+          <p:cNvPr id="1027" name="Picture 3"/>
+          <p:cNvPicPr>
+            <a:picLocks noChangeAspect="1" noChangeArrowheads="1"/>
+          </p:cNvPicPr>
+          <p:nvPr/>
+        </p:nvPicPr>
+        <p:blipFill>
+          <a:blip r:embed="rId3">
+            <a:extLst>
+              <a:ext uri="{28A0092B-C50C-407E-A947-70E740481C1C}">
+                <a14:useLocalDpi xmlns:a14="http://schemas.microsoft.com/office/drawing/2010/main" val="0"/>
+              </a:ext>
+            </a:extLst>
+          </a:blip>
+          <a:srcRect/>
+          <a:stretch>
+            <a:fillRect/>
+          </a:stretch>
+        </p:blipFill>
+        <p:spPr bwMode="auto">
+          <a:xfrm>
+            <a:off x="1388532" y="4123267"/>
+            <a:ext cx="3733800" cy="457200"/>
+          </a:xfrm>
+          <a:prstGeom prst="rect">
+            <a:avLst/>
+          </a:prstGeom>
+          <a:noFill/>
+          <a:ln>
+            <a:noFill/>
+          </a:ln>
+          <a:effectLst/>
+          <a:extLst>
+            <a:ext uri="{909E8E84-426E-40DD-AFC4-6F175D3DCCD1}">
+              <a14:hiddenFill xmlns:a14="http://schemas.microsoft.com/office/drawing/2010/main">
+                <a:solidFill>
+                  <a:schemeClr val="accent1"/>
+                </a:solidFill>
+              </a14:hiddenFill>
+            </a:ext>
+            <a:ext uri="{91240B29-F687-4F45-9708-019B960494DF}">
+              <a14:hiddenLine xmlns:a14="http://schemas.microsoft.com/office/drawing/2010/main" w="9525">
+                <a:solidFill>
+                  <a:schemeClr val="tx1"/>
+                </a:solidFill>
+                <a:miter lim="800000"/>
+                <a:headEnd/>
+                <a:tailEnd/>
+              </a14:hiddenLine>
+            </a:ext>
+            <a:ext uri="{AF507438-7753-43E0-B8FC-AC1667EBCBE1}">
+              <a14:hiddenEffects xmlns:a14="http://schemas.microsoft.com/office/drawing/2010/main">
+                <a:effectLst>
+                  <a:outerShdw dist="35921" dir="2700000" algn="ctr" rotWithShape="0">
+                    <a:schemeClr val="bg2"/>
+                  </a:outerShdw>
+                </a:effectLst>
+              </a14:hiddenEffects>
+            </a:ext>
+          </a:extLst>
+        </p:spPr>
+      </p:pic>
+      <p:pic>
+        <p:nvPicPr>
+          <p:cNvPr id="1028" name="Picture 4"/>
+          <p:cNvPicPr>
+            <a:picLocks noChangeAspect="1" noChangeArrowheads="1"/>
+          </p:cNvPicPr>
+          <p:nvPr/>
+        </p:nvPicPr>
+        <p:blipFill>
+          <a:blip r:embed="rId4">
+            <a:extLst>
+              <a:ext uri="{28A0092B-C50C-407E-A947-70E740481C1C}">
+                <a14:useLocalDpi xmlns:a14="http://schemas.microsoft.com/office/drawing/2010/main" val="0"/>
+              </a:ext>
+            </a:extLst>
+          </a:blip>
+          <a:srcRect/>
+          <a:stretch>
+            <a:fillRect/>
+          </a:stretch>
+        </p:blipFill>
+        <p:spPr bwMode="auto">
+          <a:xfrm>
+            <a:off x="1388532" y="4701116"/>
+            <a:ext cx="6202363" cy="419100"/>
+          </a:xfrm>
+          <a:prstGeom prst="rect">
+            <a:avLst/>
+          </a:prstGeom>
+          <a:noFill/>
+          <a:ln>
+            <a:noFill/>
+          </a:ln>
+          <a:effectLst/>
+          <a:extLst>
+            <a:ext uri="{909E8E84-426E-40DD-AFC4-6F175D3DCCD1}">
+              <a14:hiddenFill xmlns:a14="http://schemas.microsoft.com/office/drawing/2010/main">
+                <a:solidFill>
+                  <a:schemeClr val="accent1"/>
+                </a:solidFill>
+              </a14:hiddenFill>
+            </a:ext>
+            <a:ext uri="{91240B29-F687-4F45-9708-019B960494DF}">
+              <a14:hiddenLine xmlns:a14="http://schemas.microsoft.com/office/drawing/2010/main" w="9525">
+                <a:solidFill>
+                  <a:schemeClr val="tx1"/>
+                </a:solidFill>
+                <a:miter lim="800000"/>
+                <a:headEnd/>
+                <a:tailEnd/>
+              </a14:hiddenLine>
+            </a:ext>
+            <a:ext uri="{AF507438-7753-43E0-B8FC-AC1667EBCBE1}">
+              <a14:hiddenEffects xmlns:a14="http://schemas.microsoft.com/office/drawing/2010/main">
+                <a:effectLst>
+                  <a:outerShdw dist="35921" dir="2700000" algn="ctr" rotWithShape="0">
+                    <a:schemeClr val="bg2"/>
+                  </a:outerShdw>
+                </a:effectLst>
+              </a14:hiddenEffects>
+            </a:ext>
+          </a:extLst>
+        </p:spPr>
+      </p:pic>
+      <p:pic>
+        <p:nvPicPr>
+          <p:cNvPr id="1029" name="Picture 5"/>
+          <p:cNvPicPr>
+            <a:picLocks noChangeAspect="1" noChangeArrowheads="1"/>
+          </p:cNvPicPr>
+          <p:nvPr/>
+        </p:nvPicPr>
+        <p:blipFill>
+          <a:blip r:embed="rId5">
+            <a:extLst>
+              <a:ext uri="{28A0092B-C50C-407E-A947-70E740481C1C}">
+                <a14:useLocalDpi xmlns:a14="http://schemas.microsoft.com/office/drawing/2010/main" val="0"/>
+              </a:ext>
+            </a:extLst>
+          </a:blip>
+          <a:srcRect/>
+          <a:stretch>
+            <a:fillRect/>
+          </a:stretch>
+        </p:blipFill>
+        <p:spPr bwMode="auto">
+          <a:xfrm>
+            <a:off x="1388532" y="5233459"/>
+            <a:ext cx="4552950" cy="742950"/>
+          </a:xfrm>
+          <a:prstGeom prst="rect">
+            <a:avLst/>
+          </a:prstGeom>
+          <a:noFill/>
+          <a:ln>
+            <a:noFill/>
+          </a:ln>
+          <a:effectLst/>
+          <a:extLst>
+            <a:ext uri="{909E8E84-426E-40DD-AFC4-6F175D3DCCD1}">
+              <a14:hiddenFill xmlns:a14="http://schemas.microsoft.com/office/drawing/2010/main">
+                <a:solidFill>
+                  <a:schemeClr val="accent1"/>
+                </a:solidFill>
+              </a14:hiddenFill>
+            </a:ext>
+            <a:ext uri="{91240B29-F687-4F45-9708-019B960494DF}">
+              <a14:hiddenLine xmlns:a14="http://schemas.microsoft.com/office/drawing/2010/main" w="9525">
+                <a:solidFill>
+                  <a:schemeClr val="tx1"/>
+                </a:solidFill>
+                <a:miter lim="800000"/>
+                <a:headEnd/>
+                <a:tailEnd/>
+              </a14:hiddenLine>
+            </a:ext>
+            <a:ext uri="{AF507438-7753-43E0-B8FC-AC1667EBCBE1}">
+              <a14:hiddenEffects xmlns:a14="http://schemas.microsoft.com/office/drawing/2010/main">
+                <a:effectLst>
+                  <a:outerShdw dist="35921" dir="2700000" algn="ctr" rotWithShape="0">
+                    <a:schemeClr val="bg2"/>
+                  </a:outerShdw>
+                </a:effectLst>
+              </a14:hiddenEffects>
+            </a:ext>
+          </a:extLst>
+        </p:spPr>
+      </p:pic>
+    </p:spTree>
+    <p:extLst>
+      <p:ext uri="{BB962C8B-B14F-4D97-AF65-F5344CB8AC3E}">
+        <p14:creationId xmlns:p14="http://schemas.microsoft.com/office/powerpoint/2010/main" val="146531511"/>
+      </p:ext>
+    </p:extLst>
+  </p:cSld>
+  <p:clrMapOvr>
+    <a:masterClrMapping/>
+  </p:clrMapOvr>
+</p:sld>
+</file>
+
+<file path=ppt/slides/slide61.xml><?xml version="1.0" encoding="utf-8"?>
+<p:sld xmlns:a="http://schemas.openxmlformats.org/drawingml/2006/main" xmlns:r="http://schemas.openxmlformats.org/officeDocument/2006/relationships" xmlns:p="http://schemas.openxmlformats.org/presentationml/2006/main">
+  <p:cSld>
+    <p:spTree>
+      <p:nvGrpSpPr>
+        <p:cNvPr id="1" name=""/>
+        <p:cNvGrpSpPr/>
+        <p:nvPr/>
+      </p:nvGrpSpPr>
+      <p:grpSpPr>
+        <a:xfrm>
+          <a:off x="0" y="0"/>
+          <a:ext cx="0" cy="0"/>
+          <a:chOff x="0" y="0"/>
+          <a:chExt cx="0" cy="0"/>
+        </a:xfrm>
+      </p:grpSpPr>
+      <p:sp>
+        <p:nvSpPr>
+          <p:cNvPr id="2" name="Title 1"/>
+          <p:cNvSpPr>
+            <a:spLocks noGrp="1"/>
+          </p:cNvSpPr>
+          <p:nvPr>
+            <p:ph type="title"/>
+          </p:nvPr>
+        </p:nvSpPr>
+        <p:spPr/>
+        <p:txBody>
+          <a:bodyPr/>
+          <a:lstStyle/>
+          <a:p>
+            <a:r>
+              <a:rPr lang="en-US" dirty="0"/>
+              <a:t>Multidimensional Arrays </a:t>
+            </a:r>
+            <a:endParaRPr lang="en-PH" dirty="0"/>
+          </a:p>
+        </p:txBody>
+      </p:sp>
+      <p:sp>
+        <p:nvSpPr>
+          <p:cNvPr id="3" name="Content Placeholder 2"/>
+          <p:cNvSpPr>
+            <a:spLocks noGrp="1"/>
+          </p:cNvSpPr>
+          <p:nvPr>
+            <p:ph idx="1"/>
+          </p:nvPr>
+        </p:nvSpPr>
+        <p:spPr>
+          <a:xfrm>
+            <a:off x="610832" y="2193840"/>
+            <a:ext cx="8596668" cy="3880773"/>
+          </a:xfrm>
+        </p:spPr>
+        <p:txBody>
+          <a:bodyPr numCol="1"/>
+          <a:lstStyle/>
+          <a:p>
+            <a:r>
+              <a:rPr lang="en-US" dirty="0"/>
+              <a:t>Arrays can have more than one dimension. For example, the following declaration creates a two-dimensional array of four rows and two columns</a:t>
+            </a:r>
+            <a:r>
+              <a:rPr lang="en-US" dirty="0" smtClean="0"/>
+              <a:t>.</a:t>
+            </a:r>
+          </a:p>
+          <a:p>
+            <a:endParaRPr lang="en-US" dirty="0"/>
+          </a:p>
+          <a:p>
+            <a:endParaRPr lang="en-US" dirty="0" smtClean="0"/>
+          </a:p>
+        </p:txBody>
+      </p:sp>
+      <p:sp>
+        <p:nvSpPr>
+          <p:cNvPr id="4" name="Footer Placeholder 3"/>
+          <p:cNvSpPr>
+            <a:spLocks noGrp="1"/>
+          </p:cNvSpPr>
+          <p:nvPr>
+            <p:ph type="ftr" sz="quarter" idx="11"/>
+          </p:nvPr>
+        </p:nvSpPr>
+        <p:spPr/>
+        <p:txBody>
+          <a:bodyPr/>
+          <a:lstStyle/>
+          <a:p>
+            <a:endParaRPr lang="en-PH"/>
+          </a:p>
+        </p:txBody>
+      </p:sp>
+      <p:pic>
+        <p:nvPicPr>
+          <p:cNvPr id="1030" name="Picture 6"/>
+          <p:cNvPicPr>
+            <a:picLocks noChangeAspect="1" noChangeArrowheads="1"/>
+          </p:cNvPicPr>
+          <p:nvPr/>
+        </p:nvPicPr>
+        <p:blipFill>
+          <a:blip r:embed="rId2">
+            <a:extLst>
+              <a:ext uri="{28A0092B-C50C-407E-A947-70E740481C1C}">
+                <a14:useLocalDpi xmlns:a14="http://schemas.microsoft.com/office/drawing/2010/main" val="0"/>
+              </a:ext>
+            </a:extLst>
+          </a:blip>
+          <a:srcRect/>
+          <a:stretch>
+            <a:fillRect/>
+          </a:stretch>
+        </p:blipFill>
+        <p:spPr bwMode="auto">
+          <a:xfrm>
+            <a:off x="1277484" y="3120571"/>
+            <a:ext cx="2495550" cy="361950"/>
+          </a:xfrm>
+          <a:prstGeom prst="rect">
+            <a:avLst/>
+          </a:prstGeom>
+          <a:noFill/>
+          <a:ln>
+            <a:noFill/>
+          </a:ln>
+          <a:effectLst/>
+          <a:extLst>
+            <a:ext uri="{909E8E84-426E-40DD-AFC4-6F175D3DCCD1}">
+              <a14:hiddenFill xmlns:a14="http://schemas.microsoft.com/office/drawing/2010/main">
+                <a:solidFill>
+                  <a:schemeClr val="accent1"/>
+                </a:solidFill>
+              </a14:hiddenFill>
+            </a:ext>
+            <a:ext uri="{91240B29-F687-4F45-9708-019B960494DF}">
+              <a14:hiddenLine xmlns:a14="http://schemas.microsoft.com/office/drawing/2010/main" w="9525">
+                <a:solidFill>
+                  <a:schemeClr val="tx1"/>
+                </a:solidFill>
+                <a:miter lim="800000"/>
+                <a:headEnd/>
+                <a:tailEnd/>
+              </a14:hiddenLine>
+            </a:ext>
+            <a:ext uri="{AF507438-7753-43E0-B8FC-AC1667EBCBE1}">
+              <a14:hiddenEffects xmlns:a14="http://schemas.microsoft.com/office/drawing/2010/main">
+                <a:effectLst>
+                  <a:outerShdw dist="35921" dir="2700000" algn="ctr" rotWithShape="0">
+                    <a:schemeClr val="bg2"/>
+                  </a:outerShdw>
+                </a:effectLst>
+              </a14:hiddenEffects>
+            </a:ext>
+          </a:extLst>
+        </p:spPr>
+      </p:pic>
+      <p:pic>
+        <p:nvPicPr>
+          <p:cNvPr id="1031" name="Picture 7"/>
+          <p:cNvPicPr>
+            <a:picLocks noChangeAspect="1" noChangeArrowheads="1"/>
+          </p:cNvPicPr>
+          <p:nvPr/>
+        </p:nvPicPr>
+        <p:blipFill>
+          <a:blip r:embed="rId3">
+            <a:extLst>
+              <a:ext uri="{28A0092B-C50C-407E-A947-70E740481C1C}">
+                <a14:useLocalDpi xmlns:a14="http://schemas.microsoft.com/office/drawing/2010/main" val="0"/>
+              </a:ext>
+            </a:extLst>
+          </a:blip>
+          <a:srcRect/>
+          <a:stretch>
+            <a:fillRect/>
+          </a:stretch>
+        </p:blipFill>
+        <p:spPr bwMode="auto">
+          <a:xfrm>
+            <a:off x="1277483" y="3756932"/>
+            <a:ext cx="3114675" cy="390525"/>
+          </a:xfrm>
+          <a:prstGeom prst="rect">
+            <a:avLst/>
+          </a:prstGeom>
+          <a:noFill/>
+          <a:ln>
+            <a:noFill/>
+          </a:ln>
+          <a:effectLst/>
+          <a:extLst>
+            <a:ext uri="{909E8E84-426E-40DD-AFC4-6F175D3DCCD1}">
+              <a14:hiddenFill xmlns:a14="http://schemas.microsoft.com/office/drawing/2010/main">
+                <a:solidFill>
+                  <a:schemeClr val="accent1"/>
+                </a:solidFill>
+              </a14:hiddenFill>
+            </a:ext>
+            <a:ext uri="{91240B29-F687-4F45-9708-019B960494DF}">
+              <a14:hiddenLine xmlns:a14="http://schemas.microsoft.com/office/drawing/2010/main" w="9525">
+                <a:solidFill>
+                  <a:schemeClr val="tx1"/>
+                </a:solidFill>
+                <a:miter lim="800000"/>
+                <a:headEnd/>
+                <a:tailEnd/>
+              </a14:hiddenLine>
+            </a:ext>
+            <a:ext uri="{AF507438-7753-43E0-B8FC-AC1667EBCBE1}">
+              <a14:hiddenEffects xmlns:a14="http://schemas.microsoft.com/office/drawing/2010/main">
+                <a:effectLst>
+                  <a:outerShdw dist="35921" dir="2700000" algn="ctr" rotWithShape="0">
+                    <a:schemeClr val="bg2"/>
+                  </a:outerShdw>
+                </a:effectLst>
+              </a14:hiddenEffects>
+            </a:ext>
+          </a:extLst>
+        </p:spPr>
+      </p:pic>
+    </p:spTree>
+    <p:extLst>
+      <p:ext uri="{BB962C8B-B14F-4D97-AF65-F5344CB8AC3E}">
+        <p14:creationId xmlns:p14="http://schemas.microsoft.com/office/powerpoint/2010/main" val="732694559"/>
+      </p:ext>
+    </p:extLst>
+  </p:cSld>
+  <p:clrMapOvr>
+    <a:masterClrMapping/>
+  </p:clrMapOvr>
+</p:sld>
+</file>
+
+<file path=ppt/slides/slide62.xml><?xml version="1.0" encoding="utf-8"?>
+<p:sld xmlns:a="http://schemas.openxmlformats.org/drawingml/2006/main" xmlns:r="http://schemas.openxmlformats.org/officeDocument/2006/relationships" xmlns:p="http://schemas.openxmlformats.org/presentationml/2006/main">
+  <p:cSld>
+    <p:spTree>
+      <p:nvGrpSpPr>
+        <p:cNvPr id="1" name=""/>
+        <p:cNvGrpSpPr/>
+        <p:nvPr/>
+      </p:nvGrpSpPr>
+      <p:grpSpPr>
+        <a:xfrm>
+          <a:off x="0" y="0"/>
+          <a:ext cx="0" cy="0"/>
+          <a:chOff x="0" y="0"/>
+          <a:chExt cx="0" cy="0"/>
+        </a:xfrm>
+      </p:grpSpPr>
+      <p:sp>
+        <p:nvSpPr>
+          <p:cNvPr id="2" name="Title 1"/>
+          <p:cNvSpPr>
+            <a:spLocks noGrp="1"/>
+          </p:cNvSpPr>
+          <p:nvPr>
+            <p:ph type="title"/>
+          </p:nvPr>
+        </p:nvSpPr>
+        <p:spPr/>
+        <p:txBody>
+          <a:bodyPr/>
+          <a:lstStyle/>
+          <a:p>
+            <a:r>
+              <a:rPr lang="en-US" dirty="0"/>
+              <a:t>Multidimensional Arrays </a:t>
+            </a:r>
+            <a:endParaRPr lang="en-PH" dirty="0"/>
+          </a:p>
+        </p:txBody>
+      </p:sp>
+      <p:sp>
+        <p:nvSpPr>
+          <p:cNvPr id="3" name="Content Placeholder 2"/>
+          <p:cNvSpPr>
+            <a:spLocks noGrp="1"/>
+          </p:cNvSpPr>
+          <p:nvPr>
+            <p:ph idx="1"/>
+          </p:nvPr>
+        </p:nvSpPr>
+        <p:spPr>
+          <a:xfrm>
+            <a:off x="610832" y="1378858"/>
+            <a:ext cx="8596668" cy="4695756"/>
+          </a:xfrm>
+        </p:spPr>
+        <p:txBody>
+          <a:bodyPr numCol="1"/>
+          <a:lstStyle/>
+          <a:p>
+            <a:r>
+              <a:rPr lang="en-US" dirty="0"/>
+              <a:t>You can initialize the array upon declaration, as is shown in the following example. </a:t>
+            </a:r>
+            <a:endParaRPr lang="en-US" dirty="0" smtClean="0"/>
+          </a:p>
+        </p:txBody>
+      </p:sp>
+      <p:sp>
+        <p:nvSpPr>
+          <p:cNvPr id="4" name="Footer Placeholder 3"/>
+          <p:cNvSpPr>
+            <a:spLocks noGrp="1"/>
+          </p:cNvSpPr>
+          <p:nvPr>
+            <p:ph type="ftr" sz="quarter" idx="11"/>
+          </p:nvPr>
+        </p:nvSpPr>
+        <p:spPr/>
+        <p:txBody>
+          <a:bodyPr/>
+          <a:lstStyle/>
+          <a:p>
+            <a:r>
+              <a:rPr lang="en-PH" dirty="0"/>
+              <a:t>https://docs.microsoft.com/en-us/dotnet/csharp/programming-guide/arrays/multidimensional-arrays</a:t>
+            </a:r>
+            <a:endParaRPr lang="en-PH" dirty="0"/>
+          </a:p>
+        </p:txBody>
+      </p:sp>
+      <p:pic>
+        <p:nvPicPr>
+          <p:cNvPr id="2050" name="Picture 2"/>
+          <p:cNvPicPr>
+            <a:picLocks noChangeAspect="1" noChangeArrowheads="1"/>
+          </p:cNvPicPr>
+          <p:nvPr/>
+        </p:nvPicPr>
+        <p:blipFill>
+          <a:blip r:embed="rId2">
+            <a:extLst>
+              <a:ext uri="{28A0092B-C50C-407E-A947-70E740481C1C}">
+                <a14:useLocalDpi xmlns:a14="http://schemas.microsoft.com/office/drawing/2010/main" val="0"/>
+              </a:ext>
+            </a:extLst>
+          </a:blip>
+          <a:srcRect/>
+          <a:stretch>
+            <a:fillRect/>
+          </a:stretch>
+        </p:blipFill>
+        <p:spPr bwMode="auto">
+          <a:xfrm>
+            <a:off x="1843314" y="2052358"/>
+            <a:ext cx="5500689" cy="3858131"/>
+          </a:xfrm>
+          <a:prstGeom prst="rect">
+            <a:avLst/>
+          </a:prstGeom>
+          <a:noFill/>
+          <a:ln>
+            <a:noFill/>
+          </a:ln>
+          <a:effectLst/>
+          <a:extLst>
+            <a:ext uri="{909E8E84-426E-40DD-AFC4-6F175D3DCCD1}">
+              <a14:hiddenFill xmlns:a14="http://schemas.microsoft.com/office/drawing/2010/main">
+                <a:solidFill>
+                  <a:schemeClr val="accent1"/>
+                </a:solidFill>
+              </a14:hiddenFill>
+            </a:ext>
+            <a:ext uri="{91240B29-F687-4F45-9708-019B960494DF}">
+              <a14:hiddenLine xmlns:a14="http://schemas.microsoft.com/office/drawing/2010/main" w="9525">
+                <a:solidFill>
+                  <a:schemeClr val="tx1"/>
+                </a:solidFill>
+                <a:miter lim="800000"/>
+                <a:headEnd/>
+                <a:tailEnd/>
+              </a14:hiddenLine>
+            </a:ext>
+            <a:ext uri="{AF507438-7753-43E0-B8FC-AC1667EBCBE1}">
+              <a14:hiddenEffects xmlns:a14="http://schemas.microsoft.com/office/drawing/2010/main">
+                <a:effectLst>
+                  <a:outerShdw dist="35921" dir="2700000" algn="ctr" rotWithShape="0">
+                    <a:schemeClr val="bg2"/>
+                  </a:outerShdw>
+                </a:effectLst>
+              </a14:hiddenEffects>
+            </a:ext>
+          </a:extLst>
+        </p:spPr>
+      </p:pic>
+    </p:spTree>
+    <p:extLst>
+      <p:ext uri="{BB962C8B-B14F-4D97-AF65-F5344CB8AC3E}">
+        <p14:creationId xmlns:p14="http://schemas.microsoft.com/office/powerpoint/2010/main" val="3198433331"/>
+      </p:ext>
+    </p:extLst>
+  </p:cSld>
+  <p:clrMapOvr>
+    <a:masterClrMapping/>
+  </p:clrMapOvr>
+</p:sld>
+</file>
+
+<file path=ppt/slides/slide63.xml><?xml version="1.0" encoding="utf-8"?>
+<p:sld xmlns:a="http://schemas.openxmlformats.org/drawingml/2006/main" xmlns:r="http://schemas.openxmlformats.org/officeDocument/2006/relationships" xmlns:p="http://schemas.openxmlformats.org/presentationml/2006/main">
+  <p:cSld>
+    <p:spTree>
+      <p:nvGrpSpPr>
+        <p:cNvPr id="1" name=""/>
+        <p:cNvGrpSpPr/>
+        <p:nvPr/>
+      </p:nvGrpSpPr>
+      <p:grpSpPr>
+        <a:xfrm>
+          <a:off x="0" y="0"/>
+          <a:ext cx="0" cy="0"/>
+          <a:chOff x="0" y="0"/>
+          <a:chExt cx="0" cy="0"/>
+        </a:xfrm>
+      </p:grpSpPr>
+      <p:sp>
+        <p:nvSpPr>
+          <p:cNvPr id="2" name="Title 1"/>
+          <p:cNvSpPr>
+            <a:spLocks noGrp="1"/>
+          </p:cNvSpPr>
+          <p:nvPr>
+            <p:ph type="title"/>
+          </p:nvPr>
+        </p:nvSpPr>
+        <p:spPr/>
+        <p:txBody>
+          <a:bodyPr/>
+          <a:lstStyle/>
+          <a:p>
+            <a:r>
+              <a:rPr lang="en-US" dirty="0"/>
+              <a:t>Jagged Arrays </a:t>
+            </a:r>
+            <a:endParaRPr lang="en-PH" dirty="0"/>
+          </a:p>
+        </p:txBody>
+      </p:sp>
+      <p:sp>
+        <p:nvSpPr>
+          <p:cNvPr id="3" name="Content Placeholder 2"/>
+          <p:cNvSpPr>
+            <a:spLocks noGrp="1"/>
+          </p:cNvSpPr>
+          <p:nvPr>
+            <p:ph idx="1"/>
+          </p:nvPr>
+        </p:nvSpPr>
+        <p:spPr>
+          <a:xfrm>
+            <a:off x="610832" y="1378858"/>
+            <a:ext cx="8596668" cy="4695756"/>
+          </a:xfrm>
+        </p:spPr>
+        <p:txBody>
+          <a:bodyPr numCol="1"/>
+          <a:lstStyle/>
+          <a:p>
+            <a:r>
+              <a:rPr lang="en-US" dirty="0"/>
+              <a:t>A jagged array is an array whose elements are arrays. The elements of a jagged array can be of different dimensions and sizes. </a:t>
+            </a:r>
+            <a:endParaRPr lang="en-US" dirty="0" smtClean="0"/>
+          </a:p>
+          <a:p>
+            <a:r>
+              <a:rPr lang="en-US" dirty="0" smtClean="0"/>
+              <a:t>A </a:t>
+            </a:r>
+            <a:r>
+              <a:rPr lang="en-US" dirty="0"/>
+              <a:t>jagged array is sometimes called an "array of arrays</a:t>
+            </a:r>
+            <a:r>
+              <a:rPr lang="en-US" dirty="0" smtClean="0"/>
+              <a:t>.“</a:t>
+            </a:r>
+          </a:p>
+          <a:p>
+            <a:r>
+              <a:rPr lang="en-US" dirty="0"/>
+              <a:t>The following is a declaration of a single-dimensional array that has three elements, each of which is a single-dimensional array of integers: </a:t>
+            </a:r>
+            <a:endParaRPr lang="en-US" dirty="0" smtClean="0"/>
+          </a:p>
+        </p:txBody>
+      </p:sp>
+      <p:sp>
+        <p:nvSpPr>
+          <p:cNvPr id="4" name="Footer Placeholder 3"/>
+          <p:cNvSpPr>
+            <a:spLocks noGrp="1"/>
+          </p:cNvSpPr>
+          <p:nvPr>
+            <p:ph type="ftr" sz="quarter" idx="11"/>
+          </p:nvPr>
+        </p:nvSpPr>
+        <p:spPr/>
+        <p:txBody>
+          <a:bodyPr/>
+          <a:lstStyle/>
+          <a:p>
+            <a:r>
+              <a:rPr lang="en-PH" dirty="0"/>
+              <a:t>https://docs.microsoft.com/en-us/dotnet/csharp/programming-guide/arrays/multidimensional-arrays</a:t>
+            </a:r>
+            <a:endParaRPr lang="en-PH" dirty="0"/>
+          </a:p>
+        </p:txBody>
+      </p:sp>
+      <p:pic>
+        <p:nvPicPr>
+          <p:cNvPr id="3074" name="Picture 2"/>
+          <p:cNvPicPr>
+            <a:picLocks noChangeAspect="1" noChangeArrowheads="1"/>
+          </p:cNvPicPr>
+          <p:nvPr/>
+        </p:nvPicPr>
+        <p:blipFill>
+          <a:blip r:embed="rId2">
+            <a:extLst>
+              <a:ext uri="{28A0092B-C50C-407E-A947-70E740481C1C}">
+                <a14:useLocalDpi xmlns:a14="http://schemas.microsoft.com/office/drawing/2010/main" val="0"/>
+              </a:ext>
+            </a:extLst>
+          </a:blip>
+          <a:srcRect/>
+          <a:stretch>
+            <a:fillRect/>
+          </a:stretch>
+        </p:blipFill>
+        <p:spPr bwMode="auto">
+          <a:xfrm>
+            <a:off x="1705428" y="3432175"/>
+            <a:ext cx="3352800" cy="561975"/>
+          </a:xfrm>
+          <a:prstGeom prst="rect">
+            <a:avLst/>
+          </a:prstGeom>
+          <a:noFill/>
+          <a:ln>
+            <a:noFill/>
+          </a:ln>
+          <a:effectLst/>
+          <a:extLst>
+            <a:ext uri="{909E8E84-426E-40DD-AFC4-6F175D3DCCD1}">
+              <a14:hiddenFill xmlns:a14="http://schemas.microsoft.com/office/drawing/2010/main">
+                <a:solidFill>
+                  <a:schemeClr val="accent1"/>
+                </a:solidFill>
+              </a14:hiddenFill>
+            </a:ext>
+            <a:ext uri="{91240B29-F687-4F45-9708-019B960494DF}">
+              <a14:hiddenLine xmlns:a14="http://schemas.microsoft.com/office/drawing/2010/main" w="9525">
+                <a:solidFill>
+                  <a:schemeClr val="tx1"/>
+                </a:solidFill>
+                <a:miter lim="800000"/>
+                <a:headEnd/>
+                <a:tailEnd/>
+              </a14:hiddenLine>
+            </a:ext>
+            <a:ext uri="{AF507438-7753-43E0-B8FC-AC1667EBCBE1}">
+              <a14:hiddenEffects xmlns:a14="http://schemas.microsoft.com/office/drawing/2010/main">
+                <a:effectLst>
+                  <a:outerShdw dist="35921" dir="2700000" algn="ctr" rotWithShape="0">
+                    <a:schemeClr val="bg2"/>
+                  </a:outerShdw>
+                </a:effectLst>
+              </a14:hiddenEffects>
+            </a:ext>
+          </a:extLst>
+        </p:spPr>
+      </p:pic>
+    </p:spTree>
+    <p:extLst>
+      <p:ext uri="{BB962C8B-B14F-4D97-AF65-F5344CB8AC3E}">
+        <p14:creationId xmlns:p14="http://schemas.microsoft.com/office/powerpoint/2010/main" val="3778143774"/>
+      </p:ext>
+    </p:extLst>
+  </p:cSld>
+  <p:clrMapOvr>
+    <a:masterClrMapping/>
+  </p:clrMapOvr>
+</p:sld>
+</file>
+
+<file path=ppt/slides/slide64.xml><?xml version="1.0" encoding="utf-8"?>
+<p:sld xmlns:a="http://schemas.openxmlformats.org/drawingml/2006/main" xmlns:r="http://schemas.openxmlformats.org/officeDocument/2006/relationships" xmlns:p="http://schemas.openxmlformats.org/presentationml/2006/main">
+  <p:cSld>
+    <p:spTree>
+      <p:nvGrpSpPr>
+        <p:cNvPr id="1" name=""/>
+        <p:cNvGrpSpPr/>
+        <p:nvPr/>
+      </p:nvGrpSpPr>
+      <p:grpSpPr>
+        <a:xfrm>
+          <a:off x="0" y="0"/>
+          <a:ext cx="0" cy="0"/>
+          <a:chOff x="0" y="0"/>
+          <a:chExt cx="0" cy="0"/>
+        </a:xfrm>
+      </p:grpSpPr>
+      <p:sp>
+        <p:nvSpPr>
+          <p:cNvPr id="2" name="Title 1"/>
+          <p:cNvSpPr>
+            <a:spLocks noGrp="1"/>
+          </p:cNvSpPr>
+          <p:nvPr>
+            <p:ph type="title"/>
+          </p:nvPr>
+        </p:nvSpPr>
+        <p:spPr/>
+        <p:txBody>
+          <a:bodyPr/>
+          <a:lstStyle/>
+          <a:p>
+            <a:r>
+              <a:rPr lang="en-US" dirty="0"/>
+              <a:t>Jagged Arrays </a:t>
+            </a:r>
+            <a:endParaRPr lang="en-PH" dirty="0"/>
+          </a:p>
+        </p:txBody>
+      </p:sp>
+      <p:sp>
+        <p:nvSpPr>
+          <p:cNvPr id="3" name="Content Placeholder 2"/>
+          <p:cNvSpPr>
+            <a:spLocks noGrp="1"/>
+          </p:cNvSpPr>
+          <p:nvPr>
+            <p:ph idx="1"/>
+          </p:nvPr>
+        </p:nvSpPr>
+        <p:spPr>
+          <a:xfrm>
+            <a:off x="610832" y="1378858"/>
+            <a:ext cx="8596668" cy="4695756"/>
+          </a:xfrm>
+        </p:spPr>
+        <p:txBody>
+          <a:bodyPr numCol="1"/>
+          <a:lstStyle/>
+          <a:p>
+            <a:r>
+              <a:rPr lang="en-US" dirty="0"/>
+              <a:t>Before you can use </a:t>
+            </a:r>
+            <a:r>
+              <a:rPr lang="en-US" dirty="0" err="1"/>
+              <a:t>jaggedArray</a:t>
+            </a:r>
+            <a:r>
+              <a:rPr lang="en-US" dirty="0"/>
+              <a:t>, its elements must be initialized. You can initialize the elements like this: </a:t>
+            </a:r>
+            <a:endParaRPr lang="en-US" dirty="0" smtClean="0"/>
+          </a:p>
+        </p:txBody>
+      </p:sp>
+      <p:sp>
+        <p:nvSpPr>
+          <p:cNvPr id="4" name="Footer Placeholder 3"/>
+          <p:cNvSpPr>
+            <a:spLocks noGrp="1"/>
+          </p:cNvSpPr>
+          <p:nvPr>
+            <p:ph type="ftr" sz="quarter" idx="11"/>
+          </p:nvPr>
+        </p:nvSpPr>
+        <p:spPr/>
+        <p:txBody>
+          <a:bodyPr/>
+          <a:lstStyle/>
+          <a:p>
+            <a:r>
+              <a:rPr lang="en-PH" dirty="0"/>
+              <a:t>https://docs.microsoft.com/en-us/dotnet/csharp/programming-guide/arrays/multidimensional-arrays</a:t>
+            </a:r>
+            <a:endParaRPr lang="en-PH" dirty="0"/>
+          </a:p>
+        </p:txBody>
+      </p:sp>
+      <p:pic>
+        <p:nvPicPr>
+          <p:cNvPr id="4098" name="Picture 2"/>
+          <p:cNvPicPr>
+            <a:picLocks noChangeAspect="1" noChangeArrowheads="1"/>
+          </p:cNvPicPr>
+          <p:nvPr/>
+        </p:nvPicPr>
+        <p:blipFill>
+          <a:blip r:embed="rId2">
+            <a:extLst>
+              <a:ext uri="{28A0092B-C50C-407E-A947-70E740481C1C}">
+                <a14:useLocalDpi xmlns:a14="http://schemas.microsoft.com/office/drawing/2010/main" val="0"/>
+              </a:ext>
+            </a:extLst>
+          </a:blip>
+          <a:srcRect/>
+          <a:stretch>
+            <a:fillRect/>
+          </a:stretch>
+        </p:blipFill>
+        <p:spPr bwMode="auto">
+          <a:xfrm>
+            <a:off x="2124528" y="2311853"/>
+            <a:ext cx="2514600" cy="876300"/>
+          </a:xfrm>
+          <a:prstGeom prst="rect">
+            <a:avLst/>
+          </a:prstGeom>
+          <a:noFill/>
+          <a:ln>
+            <a:noFill/>
+          </a:ln>
+          <a:effectLst/>
+          <a:extLst>
+            <a:ext uri="{909E8E84-426E-40DD-AFC4-6F175D3DCCD1}">
+              <a14:hiddenFill xmlns:a14="http://schemas.microsoft.com/office/drawing/2010/main">
+                <a:solidFill>
+                  <a:schemeClr val="accent1"/>
+                </a:solidFill>
+              </a14:hiddenFill>
+            </a:ext>
+            <a:ext uri="{91240B29-F687-4F45-9708-019B960494DF}">
+              <a14:hiddenLine xmlns:a14="http://schemas.microsoft.com/office/drawing/2010/main" w="9525">
+                <a:solidFill>
+                  <a:schemeClr val="tx1"/>
+                </a:solidFill>
+                <a:miter lim="800000"/>
+                <a:headEnd/>
+                <a:tailEnd/>
+              </a14:hiddenLine>
+            </a:ext>
+            <a:ext uri="{AF507438-7753-43E0-B8FC-AC1667EBCBE1}">
+              <a14:hiddenEffects xmlns:a14="http://schemas.microsoft.com/office/drawing/2010/main">
+                <a:effectLst>
+                  <a:outerShdw dist="35921" dir="2700000" algn="ctr" rotWithShape="0">
+                    <a:schemeClr val="bg2"/>
+                  </a:outerShdw>
+                </a:effectLst>
+              </a14:hiddenEffects>
+            </a:ext>
+          </a:extLst>
+        </p:spPr>
+      </p:pic>
+      <p:pic>
+        <p:nvPicPr>
+          <p:cNvPr id="4099" name="Picture 3"/>
+          <p:cNvPicPr>
+            <a:picLocks noChangeAspect="1" noChangeArrowheads="1"/>
+          </p:cNvPicPr>
+          <p:nvPr/>
+        </p:nvPicPr>
+        <p:blipFill>
+          <a:blip r:embed="rId3">
+            <a:extLst>
+              <a:ext uri="{28A0092B-C50C-407E-A947-70E740481C1C}">
+                <a14:useLocalDpi xmlns:a14="http://schemas.microsoft.com/office/drawing/2010/main" val="0"/>
+              </a:ext>
+            </a:extLst>
+          </a:blip>
+          <a:srcRect/>
+          <a:stretch>
+            <a:fillRect/>
+          </a:stretch>
+        </p:blipFill>
+        <p:spPr bwMode="auto">
+          <a:xfrm>
+            <a:off x="2095500" y="3482521"/>
+            <a:ext cx="4000500" cy="838200"/>
+          </a:xfrm>
+          <a:prstGeom prst="rect">
+            <a:avLst/>
+          </a:prstGeom>
+          <a:noFill/>
+          <a:ln>
+            <a:noFill/>
+          </a:ln>
+          <a:effectLst/>
+          <a:extLst>
+            <a:ext uri="{909E8E84-426E-40DD-AFC4-6F175D3DCCD1}">
+              <a14:hiddenFill xmlns:a14="http://schemas.microsoft.com/office/drawing/2010/main">
+                <a:solidFill>
+                  <a:schemeClr val="accent1"/>
+                </a:solidFill>
+              </a14:hiddenFill>
+            </a:ext>
+            <a:ext uri="{91240B29-F687-4F45-9708-019B960494DF}">
+              <a14:hiddenLine xmlns:a14="http://schemas.microsoft.com/office/drawing/2010/main" w="9525">
+                <a:solidFill>
+                  <a:schemeClr val="tx1"/>
+                </a:solidFill>
+                <a:miter lim="800000"/>
+                <a:headEnd/>
+                <a:tailEnd/>
+              </a14:hiddenLine>
+            </a:ext>
+            <a:ext uri="{AF507438-7753-43E0-B8FC-AC1667EBCBE1}">
+              <a14:hiddenEffects xmlns:a14="http://schemas.microsoft.com/office/drawing/2010/main">
+                <a:effectLst>
+                  <a:outerShdw dist="35921" dir="2700000" algn="ctr" rotWithShape="0">
+                    <a:schemeClr val="bg2"/>
+                  </a:outerShdw>
+                </a:effectLst>
+              </a14:hiddenEffects>
+            </a:ext>
+          </a:extLst>
+        </p:spPr>
+      </p:pic>
+      <p:pic>
+        <p:nvPicPr>
+          <p:cNvPr id="4100" name="Picture 4"/>
+          <p:cNvPicPr>
+            <a:picLocks noChangeAspect="1" noChangeArrowheads="1"/>
+          </p:cNvPicPr>
+          <p:nvPr/>
+        </p:nvPicPr>
+        <p:blipFill>
+          <a:blip r:embed="rId4">
+            <a:extLst>
+              <a:ext uri="{28A0092B-C50C-407E-A947-70E740481C1C}">
+                <a14:useLocalDpi xmlns:a14="http://schemas.microsoft.com/office/drawing/2010/main" val="0"/>
+              </a:ext>
+            </a:extLst>
+          </a:blip>
+          <a:srcRect/>
+          <a:stretch>
+            <a:fillRect/>
+          </a:stretch>
+        </p:blipFill>
+        <p:spPr bwMode="auto">
+          <a:xfrm>
+            <a:off x="2095500" y="4584700"/>
+            <a:ext cx="2714625" cy="1352550"/>
+          </a:xfrm>
+          <a:prstGeom prst="rect">
+            <a:avLst/>
+          </a:prstGeom>
+          <a:noFill/>
+          <a:ln>
+            <a:noFill/>
+          </a:ln>
+          <a:effectLst/>
+          <a:extLst>
+            <a:ext uri="{909E8E84-426E-40DD-AFC4-6F175D3DCCD1}">
+              <a14:hiddenFill xmlns:a14="http://schemas.microsoft.com/office/drawing/2010/main">
+                <a:solidFill>
+                  <a:schemeClr val="accent1"/>
+                </a:solidFill>
+              </a14:hiddenFill>
+            </a:ext>
+            <a:ext uri="{91240B29-F687-4F45-9708-019B960494DF}">
+              <a14:hiddenLine xmlns:a14="http://schemas.microsoft.com/office/drawing/2010/main" w="9525">
+                <a:solidFill>
+                  <a:schemeClr val="tx1"/>
+                </a:solidFill>
+                <a:miter lim="800000"/>
+                <a:headEnd/>
+                <a:tailEnd/>
+              </a14:hiddenLine>
+            </a:ext>
+            <a:ext uri="{AF507438-7753-43E0-B8FC-AC1667EBCBE1}">
+              <a14:hiddenEffects xmlns:a14="http://schemas.microsoft.com/office/drawing/2010/main">
+                <a:effectLst>
+                  <a:outerShdw dist="35921" dir="2700000" algn="ctr" rotWithShape="0">
+                    <a:schemeClr val="bg2"/>
+                  </a:outerShdw>
+                </a:effectLst>
+              </a14:hiddenEffects>
+            </a:ext>
+          </a:extLst>
+        </p:spPr>
+      </p:pic>
+    </p:spTree>
+    <p:extLst>
+      <p:ext uri="{BB962C8B-B14F-4D97-AF65-F5344CB8AC3E}">
+        <p14:creationId xmlns:p14="http://schemas.microsoft.com/office/powerpoint/2010/main" val="1114427430"/>
+      </p:ext>
+    </p:extLst>
+  </p:cSld>
+  <p:clrMapOvr>
+    <a:masterClrMapping/>
+  </p:clrMapOvr>
+</p:sld>
+</file>
+
+<file path=ppt/slides/slide65.xml><?xml version="1.0" encoding="utf-8"?>
+<p:sld xmlns:a="http://schemas.openxmlformats.org/drawingml/2006/main" xmlns:r="http://schemas.openxmlformats.org/officeDocument/2006/relationships" xmlns:p="http://schemas.openxmlformats.org/presentationml/2006/main">
+  <p:cSld>
+    <p:spTree>
+      <p:nvGrpSpPr>
+        <p:cNvPr id="1" name=""/>
+        <p:cNvGrpSpPr/>
+        <p:nvPr/>
+      </p:nvGrpSpPr>
+      <p:grpSpPr>
+        <a:xfrm>
+          <a:off x="0" y="0"/>
+          <a:ext cx="0" cy="0"/>
+          <a:chOff x="0" y="0"/>
+          <a:chExt cx="0" cy="0"/>
+        </a:xfrm>
+      </p:grpSpPr>
+      <p:sp>
+        <p:nvSpPr>
+          <p:cNvPr id="2" name="Title 1"/>
+          <p:cNvSpPr>
+            <a:spLocks noGrp="1"/>
+          </p:cNvSpPr>
+          <p:nvPr>
+            <p:ph type="title"/>
+          </p:nvPr>
+        </p:nvSpPr>
+        <p:spPr/>
+        <p:txBody>
+          <a:bodyPr/>
+          <a:lstStyle/>
+          <a:p>
+            <a:r>
+              <a:rPr lang="en-US" dirty="0"/>
+              <a:t>Jagged Arrays </a:t>
+            </a:r>
+            <a:endParaRPr lang="en-PH" dirty="0"/>
+          </a:p>
+        </p:txBody>
+      </p:sp>
+      <p:sp>
+        <p:nvSpPr>
+          <p:cNvPr id="3" name="Content Placeholder 2"/>
+          <p:cNvSpPr>
+            <a:spLocks noGrp="1"/>
+          </p:cNvSpPr>
+          <p:nvPr>
+            <p:ph idx="1"/>
+          </p:nvPr>
+        </p:nvSpPr>
+        <p:spPr>
+          <a:xfrm>
+            <a:off x="610832" y="1378858"/>
+            <a:ext cx="8596668" cy="4695756"/>
+          </a:xfrm>
+        </p:spPr>
+        <p:txBody>
+          <a:bodyPr numCol="1"/>
+          <a:lstStyle/>
+          <a:p>
+            <a:r>
+              <a:rPr lang="en-US" dirty="0"/>
+              <a:t>Before you can use </a:t>
+            </a:r>
+            <a:r>
+              <a:rPr lang="en-US" dirty="0" err="1"/>
+              <a:t>jaggedArray</a:t>
+            </a:r>
+            <a:r>
+              <a:rPr lang="en-US" dirty="0"/>
+              <a:t>, its elements must be initialized. You can initialize the elements like this: </a:t>
+            </a:r>
+            <a:endParaRPr lang="en-US" dirty="0" smtClean="0"/>
+          </a:p>
+        </p:txBody>
+      </p:sp>
+      <p:sp>
+        <p:nvSpPr>
+          <p:cNvPr id="4" name="Footer Placeholder 3"/>
+          <p:cNvSpPr>
+            <a:spLocks noGrp="1"/>
+          </p:cNvSpPr>
+          <p:nvPr>
+            <p:ph type="ftr" sz="quarter" idx="11"/>
+          </p:nvPr>
+        </p:nvSpPr>
+        <p:spPr/>
+        <p:txBody>
+          <a:bodyPr/>
+          <a:lstStyle/>
+          <a:p>
+            <a:r>
+              <a:rPr lang="en-PH" dirty="0"/>
+              <a:t>https://docs.microsoft.com/en-us/dotnet/csharp/programming-guide/arrays/multidimensional-arrays</a:t>
+            </a:r>
+            <a:endParaRPr lang="en-PH" dirty="0"/>
+          </a:p>
+        </p:txBody>
+      </p:sp>
+      <p:pic>
+        <p:nvPicPr>
+          <p:cNvPr id="4098" name="Picture 2"/>
+          <p:cNvPicPr>
+            <a:picLocks noChangeAspect="1" noChangeArrowheads="1"/>
+          </p:cNvPicPr>
+          <p:nvPr/>
+        </p:nvPicPr>
+        <p:blipFill>
+          <a:blip r:embed="rId2">
+            <a:extLst>
+              <a:ext uri="{28A0092B-C50C-407E-A947-70E740481C1C}">
+                <a14:useLocalDpi xmlns:a14="http://schemas.microsoft.com/office/drawing/2010/main" val="0"/>
+              </a:ext>
+            </a:extLst>
+          </a:blip>
+          <a:srcRect/>
+          <a:stretch>
+            <a:fillRect/>
+          </a:stretch>
+        </p:blipFill>
+        <p:spPr bwMode="auto">
+          <a:xfrm>
+            <a:off x="2124528" y="2311853"/>
+            <a:ext cx="2514600" cy="876300"/>
+          </a:xfrm>
+          <a:prstGeom prst="rect">
+            <a:avLst/>
+          </a:prstGeom>
+          <a:noFill/>
+          <a:ln>
+            <a:noFill/>
+          </a:ln>
+          <a:effectLst/>
+          <a:extLst>
+            <a:ext uri="{909E8E84-426E-40DD-AFC4-6F175D3DCCD1}">
+              <a14:hiddenFill xmlns:a14="http://schemas.microsoft.com/office/drawing/2010/main">
+                <a:solidFill>
+                  <a:schemeClr val="accent1"/>
+                </a:solidFill>
+              </a14:hiddenFill>
+            </a:ext>
+            <a:ext uri="{91240B29-F687-4F45-9708-019B960494DF}">
+              <a14:hiddenLine xmlns:a14="http://schemas.microsoft.com/office/drawing/2010/main" w="9525">
+                <a:solidFill>
+                  <a:schemeClr val="tx1"/>
+                </a:solidFill>
+                <a:miter lim="800000"/>
+                <a:headEnd/>
+                <a:tailEnd/>
+              </a14:hiddenLine>
+            </a:ext>
+            <a:ext uri="{AF507438-7753-43E0-B8FC-AC1667EBCBE1}">
+              <a14:hiddenEffects xmlns:a14="http://schemas.microsoft.com/office/drawing/2010/main">
+                <a:effectLst>
+                  <a:outerShdw dist="35921" dir="2700000" algn="ctr" rotWithShape="0">
+                    <a:schemeClr val="bg2"/>
+                  </a:outerShdw>
+                </a:effectLst>
+              </a14:hiddenEffects>
+            </a:ext>
+          </a:extLst>
+        </p:spPr>
+      </p:pic>
+    </p:spTree>
+    <p:extLst>
+      <p:ext uri="{BB962C8B-B14F-4D97-AF65-F5344CB8AC3E}">
+        <p14:creationId xmlns:p14="http://schemas.microsoft.com/office/powerpoint/2010/main" val="3220574146"/>
+      </p:ext>
+    </p:extLst>
+  </p:cSld>
+  <p:clrMapOvr>
+    <a:masterClrMapping/>
+  </p:clrMapOvr>
+</p:sld>
+</file>
+
+<file path=ppt/slides/slide66.xml><?xml version="1.0" encoding="utf-8"?>
+<p:sld xmlns:a="http://schemas.openxmlformats.org/drawingml/2006/main" xmlns:r="http://schemas.openxmlformats.org/officeDocument/2006/relationships" xmlns:p="http://schemas.openxmlformats.org/presentationml/2006/main">
+  <p:cSld>
+    <p:spTree>
+      <p:nvGrpSpPr>
+        <p:cNvPr id="1" name=""/>
+        <p:cNvGrpSpPr/>
+        <p:nvPr/>
+      </p:nvGrpSpPr>
+      <p:grpSpPr>
+        <a:xfrm>
+          <a:off x="0" y="0"/>
+          <a:ext cx="0" cy="0"/>
+          <a:chOff x="0" y="0"/>
+          <a:chExt cx="0" cy="0"/>
+        </a:xfrm>
+      </p:grpSpPr>
+      <p:sp>
+        <p:nvSpPr>
+          <p:cNvPr id="2" name="Title 1"/>
+          <p:cNvSpPr>
+            <a:spLocks noGrp="1"/>
+          </p:cNvSpPr>
+          <p:nvPr>
+            <p:ph type="title"/>
+          </p:nvPr>
+        </p:nvSpPr>
+        <p:spPr/>
+        <p:txBody>
+          <a:bodyPr/>
+          <a:lstStyle/>
+          <a:p>
+            <a:r>
+              <a:rPr lang="en-US" dirty="0"/>
+              <a:t>Jagged Arrays </a:t>
+            </a:r>
+            <a:endParaRPr lang="en-PH" dirty="0"/>
+          </a:p>
+        </p:txBody>
+      </p:sp>
+      <p:sp>
+        <p:nvSpPr>
+          <p:cNvPr id="3" name="Content Placeholder 2"/>
+          <p:cNvSpPr>
+            <a:spLocks noGrp="1"/>
+          </p:cNvSpPr>
+          <p:nvPr>
+            <p:ph idx="1"/>
+          </p:nvPr>
+        </p:nvSpPr>
+        <p:spPr>
+          <a:xfrm>
+            <a:off x="610832" y="1378858"/>
+            <a:ext cx="8596668" cy="4695756"/>
+          </a:xfrm>
+        </p:spPr>
+        <p:txBody>
+          <a:bodyPr numCol="1"/>
+          <a:lstStyle/>
+          <a:p>
+            <a:r>
+              <a:rPr lang="en-US" dirty="0"/>
+              <a:t>A jagged array is an array of arrays, and therefore its elements are reference types and are initialized to null. + </a:t>
+            </a:r>
+          </a:p>
+          <a:p>
+            <a:r>
+              <a:rPr lang="en-US" dirty="0"/>
+              <a:t>You can access individual array elements like these examples</a:t>
+            </a:r>
+            <a:endParaRPr lang="en-US" dirty="0">
+              <a:effectLst/>
+            </a:endParaRPr>
+          </a:p>
+        </p:txBody>
+      </p:sp>
+      <p:sp>
+        <p:nvSpPr>
+          <p:cNvPr id="4" name="Footer Placeholder 3"/>
+          <p:cNvSpPr>
+            <a:spLocks noGrp="1"/>
+          </p:cNvSpPr>
+          <p:nvPr>
+            <p:ph type="ftr" sz="quarter" idx="11"/>
+          </p:nvPr>
+        </p:nvSpPr>
+        <p:spPr/>
+        <p:txBody>
+          <a:bodyPr/>
+          <a:lstStyle/>
+          <a:p>
+            <a:r>
+              <a:rPr lang="en-PH" dirty="0"/>
+              <a:t>https://docs.microsoft.com/en-us/dotnet/csharp/programming-guide/arrays/multidimensional-arrays</a:t>
+            </a:r>
+            <a:endParaRPr lang="en-PH" dirty="0"/>
+          </a:p>
+        </p:txBody>
+      </p:sp>
+      <p:pic>
+        <p:nvPicPr>
+          <p:cNvPr id="5122" name="Picture 2"/>
+          <p:cNvPicPr>
+            <a:picLocks noChangeAspect="1" noChangeArrowheads="1"/>
+          </p:cNvPicPr>
+          <p:nvPr/>
+        </p:nvPicPr>
+        <p:blipFill>
+          <a:blip r:embed="rId2">
+            <a:extLst>
+              <a:ext uri="{28A0092B-C50C-407E-A947-70E740481C1C}">
+                <a14:useLocalDpi xmlns:a14="http://schemas.microsoft.com/office/drawing/2010/main" val="0"/>
+              </a:ext>
+            </a:extLst>
+          </a:blip>
+          <a:srcRect/>
+          <a:stretch>
+            <a:fillRect/>
+          </a:stretch>
+        </p:blipFill>
+        <p:spPr bwMode="auto">
+          <a:xfrm>
+            <a:off x="1340982" y="2933247"/>
+            <a:ext cx="5591175" cy="1143000"/>
+          </a:xfrm>
+          <a:prstGeom prst="rect">
+            <a:avLst/>
+          </a:prstGeom>
+          <a:noFill/>
+          <a:ln>
+            <a:noFill/>
+          </a:ln>
+          <a:effectLst/>
+          <a:extLst>
+            <a:ext uri="{909E8E84-426E-40DD-AFC4-6F175D3DCCD1}">
+              <a14:hiddenFill xmlns:a14="http://schemas.microsoft.com/office/drawing/2010/main">
+                <a:solidFill>
+                  <a:schemeClr val="accent1"/>
+                </a:solidFill>
+              </a14:hiddenFill>
+            </a:ext>
+            <a:ext uri="{91240B29-F687-4F45-9708-019B960494DF}">
+              <a14:hiddenLine xmlns:a14="http://schemas.microsoft.com/office/drawing/2010/main" w="9525">
+                <a:solidFill>
+                  <a:schemeClr val="tx1"/>
+                </a:solidFill>
+                <a:miter lim="800000"/>
+                <a:headEnd/>
+                <a:tailEnd/>
+              </a14:hiddenLine>
+            </a:ext>
+            <a:ext uri="{AF507438-7753-43E0-B8FC-AC1667EBCBE1}">
+              <a14:hiddenEffects xmlns:a14="http://schemas.microsoft.com/office/drawing/2010/main">
+                <a:effectLst>
+                  <a:outerShdw dist="35921" dir="2700000" algn="ctr" rotWithShape="0">
+                    <a:schemeClr val="bg2"/>
+                  </a:outerShdw>
+                </a:effectLst>
+              </a14:hiddenEffects>
+            </a:ext>
+          </a:extLst>
+        </p:spPr>
+      </p:pic>
+    </p:spTree>
+    <p:extLst>
+      <p:ext uri="{BB962C8B-B14F-4D97-AF65-F5344CB8AC3E}">
+        <p14:creationId xmlns:p14="http://schemas.microsoft.com/office/powerpoint/2010/main" val="2012680051"/>
+      </p:ext>
+    </p:extLst>
+  </p:cSld>
+  <p:clrMapOvr>
+    <a:masterClrMapping/>
+  </p:clrMapOvr>
+</p:sld>
+</file>
+
+<file path=ppt/slides/slide67.xml><?xml version="1.0" encoding="utf-8"?>
+<p:sld xmlns:a="http://schemas.openxmlformats.org/drawingml/2006/main" xmlns:r="http://schemas.openxmlformats.org/officeDocument/2006/relationships" xmlns:p="http://schemas.openxmlformats.org/presentationml/2006/main">
+  <p:cSld>
+    <p:spTree>
+      <p:nvGrpSpPr>
+        <p:cNvPr id="1" name=""/>
+        <p:cNvGrpSpPr/>
+        <p:nvPr/>
+      </p:nvGrpSpPr>
+      <p:grpSpPr>
+        <a:xfrm>
+          <a:off x="0" y="0"/>
+          <a:ext cx="0" cy="0"/>
+          <a:chOff x="0" y="0"/>
+          <a:chExt cx="0" cy="0"/>
+        </a:xfrm>
+      </p:grpSpPr>
+      <p:sp>
+        <p:nvSpPr>
+          <p:cNvPr id="2" name="Title 1"/>
+          <p:cNvSpPr>
+            <a:spLocks noGrp="1"/>
+          </p:cNvSpPr>
+          <p:nvPr>
+            <p:ph type="title"/>
+          </p:nvPr>
+        </p:nvSpPr>
+        <p:spPr/>
+        <p:txBody>
+          <a:bodyPr/>
+          <a:lstStyle/>
+          <a:p>
+            <a:r>
+              <a:rPr lang="en-US" dirty="0" smtClean="0"/>
+              <a:t>Jagged and </a:t>
+            </a:r>
+            <a:r>
+              <a:rPr lang="en-US" dirty="0" err="1" smtClean="0"/>
+              <a:t>Multidimension</a:t>
+            </a:r>
+            <a:r>
+              <a:rPr lang="en-US" dirty="0" smtClean="0"/>
+              <a:t> </a:t>
+            </a:r>
+            <a:r>
+              <a:rPr lang="en-US" dirty="0"/>
+              <a:t>Arrays </a:t>
+            </a:r>
+            <a:endParaRPr lang="en-PH" dirty="0"/>
+          </a:p>
+        </p:txBody>
+      </p:sp>
+      <p:sp>
+        <p:nvSpPr>
+          <p:cNvPr id="3" name="Content Placeholder 2"/>
+          <p:cNvSpPr>
+            <a:spLocks noGrp="1"/>
+          </p:cNvSpPr>
+          <p:nvPr>
+            <p:ph idx="1"/>
+          </p:nvPr>
+        </p:nvSpPr>
+        <p:spPr>
+          <a:xfrm>
+            <a:off x="610832" y="1378858"/>
+            <a:ext cx="8596668" cy="4695756"/>
+          </a:xfrm>
+        </p:spPr>
+        <p:txBody>
+          <a:bodyPr numCol="1"/>
+          <a:lstStyle/>
+          <a:p>
+            <a:r>
+              <a:rPr lang="en-US" dirty="0"/>
+              <a:t>It is possible to mix jagged and multidimensional arrays. </a:t>
+            </a:r>
+            <a:endParaRPr lang="en-US" dirty="0" smtClean="0"/>
+          </a:p>
+          <a:p>
+            <a:r>
+              <a:rPr lang="en-US" dirty="0" smtClean="0"/>
+              <a:t>The </a:t>
+            </a:r>
+            <a:r>
+              <a:rPr lang="en-US" dirty="0"/>
+              <a:t>following is a declaration and initialization of a single-dimensional jagged array that contains three two-dimensional array elements of different sizes. </a:t>
+            </a:r>
+            <a:endParaRPr lang="en-US" dirty="0">
+              <a:effectLst/>
+            </a:endParaRPr>
+          </a:p>
+        </p:txBody>
+      </p:sp>
+      <p:sp>
+        <p:nvSpPr>
+          <p:cNvPr id="4" name="Footer Placeholder 3"/>
+          <p:cNvSpPr>
+            <a:spLocks noGrp="1"/>
+          </p:cNvSpPr>
+          <p:nvPr>
+            <p:ph type="ftr" sz="quarter" idx="11"/>
+          </p:nvPr>
+        </p:nvSpPr>
+        <p:spPr/>
+        <p:txBody>
+          <a:bodyPr/>
+          <a:lstStyle/>
+          <a:p>
+            <a:r>
+              <a:rPr lang="en-PH" dirty="0"/>
+              <a:t>https://docs.microsoft.com/en-us/dotnet/csharp/programming-guide/arrays/multidimensional-arrays</a:t>
+            </a:r>
+            <a:endParaRPr lang="en-PH" dirty="0"/>
+          </a:p>
+        </p:txBody>
+      </p:sp>
+      <p:pic>
+        <p:nvPicPr>
+          <p:cNvPr id="6146" name="Picture 2"/>
+          <p:cNvPicPr>
+            <a:picLocks noChangeAspect="1" noChangeArrowheads="1"/>
+          </p:cNvPicPr>
+          <p:nvPr/>
+        </p:nvPicPr>
+        <p:blipFill>
+          <a:blip r:embed="rId2">
+            <a:extLst>
+              <a:ext uri="{28A0092B-C50C-407E-A947-70E740481C1C}">
+                <a14:useLocalDpi xmlns:a14="http://schemas.microsoft.com/office/drawing/2010/main" val="0"/>
+              </a:ext>
+            </a:extLst>
+          </a:blip>
+          <a:srcRect/>
+          <a:stretch>
+            <a:fillRect/>
+          </a:stretch>
+        </p:blipFill>
+        <p:spPr bwMode="auto">
+          <a:xfrm>
+            <a:off x="1718355" y="2632075"/>
+            <a:ext cx="3762375" cy="1352550"/>
+          </a:xfrm>
+          <a:prstGeom prst="rect">
+            <a:avLst/>
+          </a:prstGeom>
+          <a:noFill/>
+          <a:ln>
+            <a:noFill/>
+          </a:ln>
+          <a:effectLst/>
+          <a:extLst>
+            <a:ext uri="{909E8E84-426E-40DD-AFC4-6F175D3DCCD1}">
+              <a14:hiddenFill xmlns:a14="http://schemas.microsoft.com/office/drawing/2010/main">
+                <a:solidFill>
+                  <a:schemeClr val="accent1"/>
+                </a:solidFill>
+              </a14:hiddenFill>
+            </a:ext>
+            <a:ext uri="{91240B29-F687-4F45-9708-019B960494DF}">
+              <a14:hiddenLine xmlns:a14="http://schemas.microsoft.com/office/drawing/2010/main" w="9525">
+                <a:solidFill>
+                  <a:schemeClr val="tx1"/>
+                </a:solidFill>
+                <a:miter lim="800000"/>
+                <a:headEnd/>
+                <a:tailEnd/>
+              </a14:hiddenLine>
+            </a:ext>
+            <a:ext uri="{AF507438-7753-43E0-B8FC-AC1667EBCBE1}">
+              <a14:hiddenEffects xmlns:a14="http://schemas.microsoft.com/office/drawing/2010/main">
+                <a:effectLst>
+                  <a:outerShdw dist="35921" dir="2700000" algn="ctr" rotWithShape="0">
+                    <a:schemeClr val="bg2"/>
+                  </a:outerShdw>
+                </a:effectLst>
+              </a14:hiddenEffects>
+            </a:ext>
+          </a:extLst>
+        </p:spPr>
+      </p:pic>
+      <p:pic>
+        <p:nvPicPr>
+          <p:cNvPr id="6147" name="Picture 3"/>
+          <p:cNvPicPr>
+            <a:picLocks noChangeAspect="1" noChangeArrowheads="1"/>
+          </p:cNvPicPr>
+          <p:nvPr/>
+        </p:nvPicPr>
+        <p:blipFill>
+          <a:blip r:embed="rId3">
+            <a:extLst>
+              <a:ext uri="{28A0092B-C50C-407E-A947-70E740481C1C}">
+                <a14:useLocalDpi xmlns:a14="http://schemas.microsoft.com/office/drawing/2010/main" val="0"/>
+              </a:ext>
+            </a:extLst>
+          </a:blip>
+          <a:srcRect/>
+          <a:stretch>
+            <a:fillRect/>
+          </a:stretch>
+        </p:blipFill>
+        <p:spPr bwMode="auto">
+          <a:xfrm>
+            <a:off x="1718354" y="4605111"/>
+            <a:ext cx="4448175" cy="438150"/>
+          </a:xfrm>
+          <a:prstGeom prst="rect">
+            <a:avLst/>
+          </a:prstGeom>
+          <a:noFill/>
+          <a:ln>
+            <a:noFill/>
+          </a:ln>
+          <a:effectLst/>
+          <a:extLst>
+            <a:ext uri="{909E8E84-426E-40DD-AFC4-6F175D3DCCD1}">
+              <a14:hiddenFill xmlns:a14="http://schemas.microsoft.com/office/drawing/2010/main">
+                <a:solidFill>
+                  <a:schemeClr val="accent1"/>
+                </a:solidFill>
+              </a14:hiddenFill>
+            </a:ext>
+            <a:ext uri="{91240B29-F687-4F45-9708-019B960494DF}">
+              <a14:hiddenLine xmlns:a14="http://schemas.microsoft.com/office/drawing/2010/main" w="9525">
+                <a:solidFill>
+                  <a:schemeClr val="tx1"/>
+                </a:solidFill>
+                <a:miter lim="800000"/>
+                <a:headEnd/>
+                <a:tailEnd/>
+              </a14:hiddenLine>
+            </a:ext>
+            <a:ext uri="{AF507438-7753-43E0-B8FC-AC1667EBCBE1}">
+              <a14:hiddenEffects xmlns:a14="http://schemas.microsoft.com/office/drawing/2010/main">
+                <a:effectLst>
+                  <a:outerShdw dist="35921" dir="2700000" algn="ctr" rotWithShape="0">
+                    <a:schemeClr val="bg2"/>
+                  </a:outerShdw>
+                </a:effectLst>
+              </a14:hiddenEffects>
+            </a:ext>
+          </a:extLst>
+        </p:spPr>
+      </p:pic>
+    </p:spTree>
+    <p:extLst>
+      <p:ext uri="{BB962C8B-B14F-4D97-AF65-F5344CB8AC3E}">
+        <p14:creationId xmlns:p14="http://schemas.microsoft.com/office/powerpoint/2010/main" val="3865643777"/>
+      </p:ext>
+    </p:extLst>
+  </p:cSld>
+  <p:clrMapOvr>
+    <a:masterClrMapping/>
+  </p:clrMapOvr>
+</p:sld>
+</file>
+
+<file path=ppt/slides/slide68.xml><?xml version="1.0" encoding="utf-8"?>
+<p:sld xmlns:a="http://schemas.openxmlformats.org/drawingml/2006/main" xmlns:r="http://schemas.openxmlformats.org/officeDocument/2006/relationships" xmlns:p="http://schemas.openxmlformats.org/presentationml/2006/main">
+  <p:cSld>
+    <p:spTree>
+      <p:nvGrpSpPr>
+        <p:cNvPr id="1" name=""/>
+        <p:cNvGrpSpPr/>
+        <p:nvPr/>
+      </p:nvGrpSpPr>
+      <p:grpSpPr>
+        <a:xfrm>
+          <a:off x="0" y="0"/>
+          <a:ext cx="0" cy="0"/>
+          <a:chOff x="0" y="0"/>
+          <a:chExt cx="0" cy="0"/>
+        </a:xfrm>
+      </p:grpSpPr>
+      <p:sp>
+        <p:nvSpPr>
+          <p:cNvPr id="2" name="Title 1"/>
+          <p:cNvSpPr>
+            <a:spLocks noGrp="1"/>
+          </p:cNvSpPr>
+          <p:nvPr>
+            <p:ph type="title"/>
+          </p:nvPr>
+        </p:nvSpPr>
+        <p:spPr/>
+        <p:txBody>
+          <a:bodyPr/>
+          <a:lstStyle/>
+          <a:p>
+            <a:r>
+              <a:rPr lang="en-US" dirty="0"/>
+              <a:t>Collections </a:t>
+            </a:r>
+          </a:p>
+        </p:txBody>
+      </p:sp>
+      <p:sp>
+        <p:nvSpPr>
+          <p:cNvPr id="3" name="Content Placeholder 2"/>
+          <p:cNvSpPr>
+            <a:spLocks noGrp="1"/>
+          </p:cNvSpPr>
+          <p:nvPr>
+            <p:ph idx="1"/>
+          </p:nvPr>
+        </p:nvSpPr>
+        <p:spPr/>
+        <p:txBody>
+          <a:bodyPr/>
+          <a:lstStyle/>
+          <a:p>
+            <a:r>
+              <a:rPr lang="en-US" dirty="0"/>
+              <a:t>Collections provide a more flexible way to work with groups of objects. Unlike arrays, the group of objects you work with can grow and shrink dynamically as the needs of the application change</a:t>
+            </a:r>
+            <a:r>
+              <a:rPr lang="en-US" dirty="0" smtClean="0"/>
+              <a:t>.</a:t>
+            </a:r>
+          </a:p>
+          <a:p>
+            <a:r>
+              <a:rPr lang="en-US" dirty="0" smtClean="0"/>
+              <a:t>For </a:t>
+            </a:r>
+            <a:r>
+              <a:rPr lang="en-US" dirty="0"/>
+              <a:t>some collections, you can assign a key to any object that you put into the collection so that you can quickly retrieve the object by using the key. </a:t>
+            </a:r>
+            <a:endParaRPr lang="en-US" dirty="0" smtClean="0"/>
+          </a:p>
+          <a:p>
+            <a:r>
+              <a:rPr lang="en-US" dirty="0"/>
+              <a:t>A collection is a class, so you must declare an instance of the class before you can add elements to that collection. </a:t>
+            </a:r>
+          </a:p>
+        </p:txBody>
+      </p:sp>
+      <p:sp>
+        <p:nvSpPr>
+          <p:cNvPr id="4" name="Footer Placeholder 3"/>
+          <p:cNvSpPr>
+            <a:spLocks noGrp="1"/>
+          </p:cNvSpPr>
+          <p:nvPr>
+            <p:ph type="ftr" sz="quarter" idx="11"/>
+          </p:nvPr>
+        </p:nvSpPr>
+        <p:spPr/>
+        <p:txBody>
+          <a:bodyPr/>
+          <a:lstStyle/>
+          <a:p>
+            <a:r>
+              <a:rPr lang="en-PH" dirty="0"/>
+              <a:t>https://docs.microsoft.com/en-us/dotnet/csharp/programming-guide/concepts/collections</a:t>
+            </a:r>
+            <a:endParaRPr lang="en-PH" dirty="0"/>
+          </a:p>
+        </p:txBody>
+      </p:sp>
+    </p:spTree>
+    <p:extLst>
+      <p:ext uri="{BB962C8B-B14F-4D97-AF65-F5344CB8AC3E}">
+        <p14:creationId xmlns:p14="http://schemas.microsoft.com/office/powerpoint/2010/main" val="3162984101"/>
+      </p:ext>
+    </p:extLst>
+  </p:cSld>
+  <p:clrMapOvr>
+    <a:masterClrMapping/>
+  </p:clrMapOvr>
+</p:sld>
+</file>
+
+<file path=ppt/slides/slide69.xml><?xml version="1.0" encoding="utf-8"?>
+<p:sld xmlns:a="http://schemas.openxmlformats.org/drawingml/2006/main" xmlns:r="http://schemas.openxmlformats.org/officeDocument/2006/relationships" xmlns:p="http://schemas.openxmlformats.org/presentationml/2006/main">
+  <p:cSld>
+    <p:spTree>
+      <p:nvGrpSpPr>
+        <p:cNvPr id="1" name=""/>
+        <p:cNvGrpSpPr/>
+        <p:nvPr/>
+      </p:nvGrpSpPr>
+      <p:grpSpPr>
+        <a:xfrm>
+          <a:off x="0" y="0"/>
+          <a:ext cx="0" cy="0"/>
+          <a:chOff x="0" y="0"/>
+          <a:chExt cx="0" cy="0"/>
+        </a:xfrm>
+      </p:grpSpPr>
+      <p:sp>
+        <p:nvSpPr>
+          <p:cNvPr id="2" name="Title 1"/>
+          <p:cNvSpPr>
+            <a:spLocks noGrp="1"/>
+          </p:cNvSpPr>
+          <p:nvPr>
+            <p:ph type="title"/>
+          </p:nvPr>
+        </p:nvSpPr>
+        <p:spPr/>
+        <p:txBody>
+          <a:bodyPr/>
+          <a:lstStyle/>
+          <a:p>
+            <a:r>
+              <a:rPr lang="en-US" dirty="0"/>
+              <a:t>Using a Simple Collection</a:t>
+            </a:r>
+          </a:p>
+        </p:txBody>
+      </p:sp>
+      <p:sp>
+        <p:nvSpPr>
+          <p:cNvPr id="3" name="Content Placeholder 2"/>
+          <p:cNvSpPr>
+            <a:spLocks noGrp="1"/>
+          </p:cNvSpPr>
+          <p:nvPr>
+            <p:ph idx="1"/>
+          </p:nvPr>
+        </p:nvSpPr>
+        <p:spPr>
+          <a:xfrm>
+            <a:off x="677334" y="1422401"/>
+            <a:ext cx="8596668" cy="4618962"/>
+          </a:xfrm>
+        </p:spPr>
+        <p:txBody>
+          <a:bodyPr/>
+          <a:lstStyle/>
+          <a:p>
+            <a:r>
+              <a:rPr lang="en-US" dirty="0"/>
+              <a:t>The examples in this section use the generic </a:t>
+            </a:r>
+            <a:r>
+              <a:rPr lang="en-US" dirty="0">
+                <a:hlinkClick r:id="rId2"/>
+              </a:rPr>
+              <a:t>List&lt;T&gt;</a:t>
+            </a:r>
+            <a:r>
+              <a:rPr lang="en-US" dirty="0"/>
+              <a:t> class, which enables you to work with a strongly typed list of objects. + </a:t>
+            </a:r>
+          </a:p>
+          <a:p>
+            <a:r>
+              <a:rPr lang="en-US" dirty="0"/>
+              <a:t>The following example creates a list of strings and then iterates through the strings by using a or </a:t>
+            </a:r>
+            <a:r>
+              <a:rPr lang="en-US" dirty="0" err="1">
+                <a:hlinkClick r:id="rId3"/>
+              </a:rPr>
+              <a:t>foreach</a:t>
+            </a:r>
+            <a:r>
+              <a:rPr lang="en-US" dirty="0"/>
+              <a:t> statement. </a:t>
+            </a:r>
+          </a:p>
+        </p:txBody>
+      </p:sp>
+      <p:sp>
+        <p:nvSpPr>
+          <p:cNvPr id="4" name="Footer Placeholder 3"/>
+          <p:cNvSpPr>
+            <a:spLocks noGrp="1"/>
+          </p:cNvSpPr>
+          <p:nvPr>
+            <p:ph type="ftr" sz="quarter" idx="11"/>
+          </p:nvPr>
+        </p:nvSpPr>
+        <p:spPr/>
+        <p:txBody>
+          <a:bodyPr/>
+          <a:lstStyle/>
+          <a:p>
+            <a:r>
+              <a:rPr lang="en-PH" dirty="0"/>
+              <a:t>https://docs.microsoft.com/en-us/dotnet/csharp/programming-guide/concepts/collections</a:t>
+            </a:r>
+            <a:endParaRPr lang="en-PH" dirty="0"/>
+          </a:p>
+        </p:txBody>
+      </p:sp>
+      <p:pic>
+        <p:nvPicPr>
+          <p:cNvPr id="7170" name="Picture 2"/>
+          <p:cNvPicPr>
+            <a:picLocks noChangeAspect="1" noChangeArrowheads="1"/>
+          </p:cNvPicPr>
+          <p:nvPr/>
+        </p:nvPicPr>
+        <p:blipFill>
+          <a:blip r:embed="rId4">
+            <a:extLst>
+              <a:ext uri="{28A0092B-C50C-407E-A947-70E740481C1C}">
+                <a14:useLocalDpi xmlns:a14="http://schemas.microsoft.com/office/drawing/2010/main" val="0"/>
+              </a:ext>
+            </a:extLst>
+          </a:blip>
+          <a:srcRect/>
+          <a:stretch>
+            <a:fillRect/>
+          </a:stretch>
+        </p:blipFill>
+        <p:spPr bwMode="auto">
+          <a:xfrm>
+            <a:off x="1889579" y="2920999"/>
+            <a:ext cx="3390900" cy="2647950"/>
+          </a:xfrm>
+          <a:prstGeom prst="rect">
+            <a:avLst/>
+          </a:prstGeom>
+          <a:noFill/>
+          <a:ln>
+            <a:noFill/>
+          </a:ln>
+          <a:effectLst/>
+          <a:extLst>
+            <a:ext uri="{909E8E84-426E-40DD-AFC4-6F175D3DCCD1}">
+              <a14:hiddenFill xmlns:a14="http://schemas.microsoft.com/office/drawing/2010/main">
+                <a:solidFill>
+                  <a:schemeClr val="accent1"/>
+                </a:solidFill>
+              </a14:hiddenFill>
+            </a:ext>
+            <a:ext uri="{91240B29-F687-4F45-9708-019B960494DF}">
+              <a14:hiddenLine xmlns:a14="http://schemas.microsoft.com/office/drawing/2010/main" w="9525">
+                <a:solidFill>
+                  <a:schemeClr val="tx1"/>
+                </a:solidFill>
+                <a:miter lim="800000"/>
+                <a:headEnd/>
+                <a:tailEnd/>
+              </a14:hiddenLine>
+            </a:ext>
+            <a:ext uri="{AF507438-7753-43E0-B8FC-AC1667EBCBE1}">
+              <a14:hiddenEffects xmlns:a14="http://schemas.microsoft.com/office/drawing/2010/main">
+                <a:effectLst>
+                  <a:outerShdw dist="35921" dir="2700000" algn="ctr" rotWithShape="0">
+                    <a:schemeClr val="bg2"/>
+                  </a:outerShdw>
+                </a:effectLst>
+              </a14:hiddenEffects>
+            </a:ext>
+          </a:extLst>
+        </p:spPr>
+      </p:pic>
+    </p:spTree>
+    <p:extLst>
+      <p:ext uri="{BB962C8B-B14F-4D97-AF65-F5344CB8AC3E}">
+        <p14:creationId xmlns:p14="http://schemas.microsoft.com/office/powerpoint/2010/main" val="2002865544"/>
+      </p:ext>
+    </p:extLst>
+  </p:cSld>
+  <p:clrMapOvr>
+    <a:masterClrMapping/>
+  </p:clrMapOvr>
 </p:sld>
 </file>
 
@@ -16883,6 +20152,1675 @@
 </p:sld>
 </file>
 
+<file path=ppt/slides/slide70.xml><?xml version="1.0" encoding="utf-8"?>
+<p:sld xmlns:a="http://schemas.openxmlformats.org/drawingml/2006/main" xmlns:r="http://schemas.openxmlformats.org/officeDocument/2006/relationships" xmlns:p="http://schemas.openxmlformats.org/presentationml/2006/main">
+  <p:cSld>
+    <p:spTree>
+      <p:nvGrpSpPr>
+        <p:cNvPr id="1" name=""/>
+        <p:cNvGrpSpPr/>
+        <p:nvPr/>
+      </p:nvGrpSpPr>
+      <p:grpSpPr>
+        <a:xfrm>
+          <a:off x="0" y="0"/>
+          <a:ext cx="0" cy="0"/>
+          <a:chOff x="0" y="0"/>
+          <a:chExt cx="0" cy="0"/>
+        </a:xfrm>
+      </p:grpSpPr>
+      <p:sp>
+        <p:nvSpPr>
+          <p:cNvPr id="2" name="Title 1"/>
+          <p:cNvSpPr>
+            <a:spLocks noGrp="1"/>
+          </p:cNvSpPr>
+          <p:nvPr>
+            <p:ph type="title"/>
+          </p:nvPr>
+        </p:nvSpPr>
+        <p:spPr/>
+        <p:txBody>
+          <a:bodyPr/>
+          <a:lstStyle/>
+          <a:p>
+            <a:r>
+              <a:rPr lang="en-US" dirty="0"/>
+              <a:t>Using a Simple Collection</a:t>
+            </a:r>
+          </a:p>
+        </p:txBody>
+      </p:sp>
+      <p:sp>
+        <p:nvSpPr>
+          <p:cNvPr id="3" name="Content Placeholder 2"/>
+          <p:cNvSpPr>
+            <a:spLocks noGrp="1"/>
+          </p:cNvSpPr>
+          <p:nvPr>
+            <p:ph idx="1"/>
+          </p:nvPr>
+        </p:nvSpPr>
+        <p:spPr>
+          <a:xfrm>
+            <a:off x="677334" y="1422401"/>
+            <a:ext cx="8596668" cy="4618962"/>
+          </a:xfrm>
+        </p:spPr>
+        <p:txBody>
+          <a:bodyPr/>
+          <a:lstStyle/>
+          <a:p>
+            <a:r>
+              <a:rPr lang="en-US" dirty="0"/>
+              <a:t>If the contents of a collection are known in advance, you can use a </a:t>
+            </a:r>
+            <a:r>
+              <a:rPr lang="en-US" i="1" dirty="0"/>
+              <a:t>collection initializer</a:t>
+            </a:r>
+            <a:r>
+              <a:rPr lang="en-US" dirty="0"/>
+              <a:t> to initialize the collection. For more information, see </a:t>
+            </a:r>
+            <a:r>
+              <a:rPr lang="en-US" dirty="0">
+                <a:hlinkClick r:id="rId2"/>
+              </a:rPr>
+              <a:t>Object and Collection Initializers</a:t>
+            </a:r>
+            <a:r>
+              <a:rPr lang="en-US" dirty="0"/>
+              <a:t>. </a:t>
+            </a:r>
+          </a:p>
+          <a:p>
+            <a:r>
+              <a:rPr lang="en-US" dirty="0"/>
+              <a:t>The following example is the same as the previous example, except a collection initializer is used to add elements to the collection. </a:t>
+            </a:r>
+          </a:p>
+          <a:p>
+            <a:endParaRPr lang="en-US" dirty="0"/>
+          </a:p>
+        </p:txBody>
+      </p:sp>
+      <p:sp>
+        <p:nvSpPr>
+          <p:cNvPr id="4" name="Footer Placeholder 3"/>
+          <p:cNvSpPr>
+            <a:spLocks noGrp="1"/>
+          </p:cNvSpPr>
+          <p:nvPr>
+            <p:ph type="ftr" sz="quarter" idx="11"/>
+          </p:nvPr>
+        </p:nvSpPr>
+        <p:spPr/>
+        <p:txBody>
+          <a:bodyPr/>
+          <a:lstStyle/>
+          <a:p>
+            <a:endParaRPr lang="en-PH"/>
+          </a:p>
+        </p:txBody>
+      </p:sp>
+      <p:pic>
+        <p:nvPicPr>
+          <p:cNvPr id="8194" name="Picture 2"/>
+          <p:cNvPicPr>
+            <a:picLocks noChangeAspect="1" noChangeArrowheads="1"/>
+          </p:cNvPicPr>
+          <p:nvPr/>
+        </p:nvPicPr>
+        <p:blipFill>
+          <a:blip r:embed="rId3">
+            <a:extLst>
+              <a:ext uri="{28A0092B-C50C-407E-A947-70E740481C1C}">
+                <a14:useLocalDpi xmlns:a14="http://schemas.microsoft.com/office/drawing/2010/main" val="0"/>
+              </a:ext>
+            </a:extLst>
+          </a:blip>
+          <a:srcRect/>
+          <a:stretch>
+            <a:fillRect/>
+          </a:stretch>
+        </p:blipFill>
+        <p:spPr bwMode="auto">
+          <a:xfrm>
+            <a:off x="1375229" y="3265034"/>
+            <a:ext cx="6450013" cy="2105025"/>
+          </a:xfrm>
+          <a:prstGeom prst="rect">
+            <a:avLst/>
+          </a:prstGeom>
+          <a:noFill/>
+          <a:ln>
+            <a:noFill/>
+          </a:ln>
+          <a:effectLst/>
+          <a:extLst>
+            <a:ext uri="{909E8E84-426E-40DD-AFC4-6F175D3DCCD1}">
+              <a14:hiddenFill xmlns:a14="http://schemas.microsoft.com/office/drawing/2010/main">
+                <a:solidFill>
+                  <a:schemeClr val="accent1"/>
+                </a:solidFill>
+              </a14:hiddenFill>
+            </a:ext>
+            <a:ext uri="{91240B29-F687-4F45-9708-019B960494DF}">
+              <a14:hiddenLine xmlns:a14="http://schemas.microsoft.com/office/drawing/2010/main" w="9525">
+                <a:solidFill>
+                  <a:schemeClr val="tx1"/>
+                </a:solidFill>
+                <a:miter lim="800000"/>
+                <a:headEnd/>
+                <a:tailEnd/>
+              </a14:hiddenLine>
+            </a:ext>
+            <a:ext uri="{AF507438-7753-43E0-B8FC-AC1667EBCBE1}">
+              <a14:hiddenEffects xmlns:a14="http://schemas.microsoft.com/office/drawing/2010/main">
+                <a:effectLst>
+                  <a:outerShdw dist="35921" dir="2700000" algn="ctr" rotWithShape="0">
+                    <a:schemeClr val="bg2"/>
+                  </a:outerShdw>
+                </a:effectLst>
+              </a14:hiddenEffects>
+            </a:ext>
+          </a:extLst>
+        </p:spPr>
+      </p:pic>
+    </p:spTree>
+    <p:extLst>
+      <p:ext uri="{BB962C8B-B14F-4D97-AF65-F5344CB8AC3E}">
+        <p14:creationId xmlns:p14="http://schemas.microsoft.com/office/powerpoint/2010/main" val="4232357023"/>
+      </p:ext>
+    </p:extLst>
+  </p:cSld>
+  <p:clrMapOvr>
+    <a:masterClrMapping/>
+  </p:clrMapOvr>
+</p:sld>
+</file>
+
+<file path=ppt/slides/slide71.xml><?xml version="1.0" encoding="utf-8"?>
+<p:sld xmlns:a="http://schemas.openxmlformats.org/drawingml/2006/main" xmlns:r="http://schemas.openxmlformats.org/officeDocument/2006/relationships" xmlns:p="http://schemas.openxmlformats.org/presentationml/2006/main">
+  <p:cSld>
+    <p:spTree>
+      <p:nvGrpSpPr>
+        <p:cNvPr id="1" name=""/>
+        <p:cNvGrpSpPr/>
+        <p:nvPr/>
+      </p:nvGrpSpPr>
+      <p:grpSpPr>
+        <a:xfrm>
+          <a:off x="0" y="0"/>
+          <a:ext cx="0" cy="0"/>
+          <a:chOff x="0" y="0"/>
+          <a:chExt cx="0" cy="0"/>
+        </a:xfrm>
+      </p:grpSpPr>
+      <p:sp>
+        <p:nvSpPr>
+          <p:cNvPr id="2" name="Title 1"/>
+          <p:cNvSpPr>
+            <a:spLocks noGrp="1"/>
+          </p:cNvSpPr>
+          <p:nvPr>
+            <p:ph type="title"/>
+          </p:nvPr>
+        </p:nvSpPr>
+        <p:spPr/>
+        <p:txBody>
+          <a:bodyPr/>
+          <a:lstStyle/>
+          <a:p>
+            <a:r>
+              <a:rPr lang="en-US" dirty="0"/>
+              <a:t>Using a Simple Collection</a:t>
+            </a:r>
+          </a:p>
+        </p:txBody>
+      </p:sp>
+      <p:sp>
+        <p:nvSpPr>
+          <p:cNvPr id="3" name="Content Placeholder 2"/>
+          <p:cNvSpPr>
+            <a:spLocks noGrp="1"/>
+          </p:cNvSpPr>
+          <p:nvPr>
+            <p:ph idx="1"/>
+          </p:nvPr>
+        </p:nvSpPr>
+        <p:spPr>
+          <a:xfrm>
+            <a:off x="677334" y="1422401"/>
+            <a:ext cx="8596668" cy="4618962"/>
+          </a:xfrm>
+        </p:spPr>
+        <p:txBody>
+          <a:bodyPr/>
+          <a:lstStyle/>
+          <a:p>
+            <a:r>
+              <a:rPr lang="en-US" dirty="0"/>
+              <a:t>You can use a </a:t>
+            </a:r>
+            <a:r>
+              <a:rPr lang="en-US" dirty="0">
+                <a:hlinkClick r:id="rId2"/>
+              </a:rPr>
+              <a:t>for</a:t>
+            </a:r>
+            <a:r>
+              <a:rPr lang="en-US" dirty="0"/>
+              <a:t> statement instead of a </a:t>
+            </a:r>
+            <a:r>
+              <a:rPr lang="en-US" dirty="0" err="1"/>
+              <a:t>foreach</a:t>
+            </a:r>
+            <a:r>
+              <a:rPr lang="en-US" dirty="0"/>
+              <a:t> statement to iterate through a collection. </a:t>
+            </a:r>
+            <a:endParaRPr lang="en-US" dirty="0" smtClean="0"/>
+          </a:p>
+          <a:p>
+            <a:r>
+              <a:rPr lang="en-US" dirty="0" smtClean="0"/>
+              <a:t>You </a:t>
+            </a:r>
+            <a:r>
+              <a:rPr lang="en-US" dirty="0"/>
+              <a:t>accomplish this by accessing the collection elements by the index position. The index of the elements starts at 0 and ends at the element count minus 1. </a:t>
+            </a:r>
+          </a:p>
+        </p:txBody>
+      </p:sp>
+      <p:sp>
+        <p:nvSpPr>
+          <p:cNvPr id="4" name="Footer Placeholder 3"/>
+          <p:cNvSpPr>
+            <a:spLocks noGrp="1"/>
+          </p:cNvSpPr>
+          <p:nvPr>
+            <p:ph type="ftr" sz="quarter" idx="11"/>
+          </p:nvPr>
+        </p:nvSpPr>
+        <p:spPr/>
+        <p:txBody>
+          <a:bodyPr/>
+          <a:lstStyle/>
+          <a:p>
+            <a:endParaRPr lang="en-PH"/>
+          </a:p>
+        </p:txBody>
+      </p:sp>
+      <p:pic>
+        <p:nvPicPr>
+          <p:cNvPr id="9218" name="Picture 2"/>
+          <p:cNvPicPr>
+            <a:picLocks noChangeAspect="1" noChangeArrowheads="1"/>
+          </p:cNvPicPr>
+          <p:nvPr/>
+        </p:nvPicPr>
+        <p:blipFill>
+          <a:blip r:embed="rId3">
+            <a:extLst>
+              <a:ext uri="{28A0092B-C50C-407E-A947-70E740481C1C}">
+                <a14:useLocalDpi xmlns:a14="http://schemas.microsoft.com/office/drawing/2010/main" val="0"/>
+              </a:ext>
+            </a:extLst>
+          </a:blip>
+          <a:srcRect/>
+          <a:stretch>
+            <a:fillRect/>
+          </a:stretch>
+        </p:blipFill>
+        <p:spPr bwMode="auto">
+          <a:xfrm>
+            <a:off x="1533299" y="3297238"/>
+            <a:ext cx="6249987" cy="1895475"/>
+          </a:xfrm>
+          <a:prstGeom prst="rect">
+            <a:avLst/>
+          </a:prstGeom>
+          <a:noFill/>
+          <a:ln>
+            <a:noFill/>
+          </a:ln>
+          <a:effectLst/>
+          <a:extLst>
+            <a:ext uri="{909E8E84-426E-40DD-AFC4-6F175D3DCCD1}">
+              <a14:hiddenFill xmlns:a14="http://schemas.microsoft.com/office/drawing/2010/main">
+                <a:solidFill>
+                  <a:schemeClr val="accent1"/>
+                </a:solidFill>
+              </a14:hiddenFill>
+            </a:ext>
+            <a:ext uri="{91240B29-F687-4F45-9708-019B960494DF}">
+              <a14:hiddenLine xmlns:a14="http://schemas.microsoft.com/office/drawing/2010/main" w="9525">
+                <a:solidFill>
+                  <a:schemeClr val="tx1"/>
+                </a:solidFill>
+                <a:miter lim="800000"/>
+                <a:headEnd/>
+                <a:tailEnd/>
+              </a14:hiddenLine>
+            </a:ext>
+            <a:ext uri="{AF507438-7753-43E0-B8FC-AC1667EBCBE1}">
+              <a14:hiddenEffects xmlns:a14="http://schemas.microsoft.com/office/drawing/2010/main">
+                <a:effectLst>
+                  <a:outerShdw dist="35921" dir="2700000" algn="ctr" rotWithShape="0">
+                    <a:schemeClr val="bg2"/>
+                  </a:outerShdw>
+                </a:effectLst>
+              </a14:hiddenEffects>
+            </a:ext>
+          </a:extLst>
+        </p:spPr>
+      </p:pic>
+    </p:spTree>
+    <p:extLst>
+      <p:ext uri="{BB962C8B-B14F-4D97-AF65-F5344CB8AC3E}">
+        <p14:creationId xmlns:p14="http://schemas.microsoft.com/office/powerpoint/2010/main" val="1056439622"/>
+      </p:ext>
+    </p:extLst>
+  </p:cSld>
+  <p:clrMapOvr>
+    <a:masterClrMapping/>
+  </p:clrMapOvr>
+</p:sld>
+</file>
+
+<file path=ppt/slides/slide72.xml><?xml version="1.0" encoding="utf-8"?>
+<p:sld xmlns:a="http://schemas.openxmlformats.org/drawingml/2006/main" xmlns:r="http://schemas.openxmlformats.org/officeDocument/2006/relationships" xmlns:p="http://schemas.openxmlformats.org/presentationml/2006/main">
+  <p:cSld>
+    <p:spTree>
+      <p:nvGrpSpPr>
+        <p:cNvPr id="1" name=""/>
+        <p:cNvGrpSpPr/>
+        <p:nvPr/>
+      </p:nvGrpSpPr>
+      <p:grpSpPr>
+        <a:xfrm>
+          <a:off x="0" y="0"/>
+          <a:ext cx="0" cy="0"/>
+          <a:chOff x="0" y="0"/>
+          <a:chExt cx="0" cy="0"/>
+        </a:xfrm>
+      </p:grpSpPr>
+      <p:sp>
+        <p:nvSpPr>
+          <p:cNvPr id="2" name="Title 1"/>
+          <p:cNvSpPr>
+            <a:spLocks noGrp="1"/>
+          </p:cNvSpPr>
+          <p:nvPr>
+            <p:ph type="title"/>
+          </p:nvPr>
+        </p:nvSpPr>
+        <p:spPr/>
+        <p:txBody>
+          <a:bodyPr/>
+          <a:lstStyle/>
+          <a:p>
+            <a:r>
+              <a:rPr lang="en-US" dirty="0"/>
+              <a:t>Using a Simple Collection</a:t>
+            </a:r>
+          </a:p>
+        </p:txBody>
+      </p:sp>
+      <p:sp>
+        <p:nvSpPr>
+          <p:cNvPr id="3" name="Content Placeholder 2"/>
+          <p:cNvSpPr>
+            <a:spLocks noGrp="1"/>
+          </p:cNvSpPr>
+          <p:nvPr>
+            <p:ph idx="1"/>
+          </p:nvPr>
+        </p:nvSpPr>
+        <p:spPr>
+          <a:xfrm>
+            <a:off x="677334" y="1422401"/>
+            <a:ext cx="8596668" cy="4618962"/>
+          </a:xfrm>
+        </p:spPr>
+        <p:txBody>
+          <a:bodyPr/>
+          <a:lstStyle/>
+          <a:p>
+            <a:r>
+              <a:rPr lang="en-US" dirty="0"/>
+              <a:t>The following example removes an element from the collection by specifying the object to remove. </a:t>
+            </a:r>
+          </a:p>
+        </p:txBody>
+      </p:sp>
+      <p:sp>
+        <p:nvSpPr>
+          <p:cNvPr id="4" name="Footer Placeholder 3"/>
+          <p:cNvSpPr>
+            <a:spLocks noGrp="1"/>
+          </p:cNvSpPr>
+          <p:nvPr>
+            <p:ph type="ftr" sz="quarter" idx="11"/>
+          </p:nvPr>
+        </p:nvSpPr>
+        <p:spPr/>
+        <p:txBody>
+          <a:bodyPr/>
+          <a:lstStyle/>
+          <a:p>
+            <a:endParaRPr lang="en-PH"/>
+          </a:p>
+        </p:txBody>
+      </p:sp>
+      <p:pic>
+        <p:nvPicPr>
+          <p:cNvPr id="10242" name="Picture 2"/>
+          <p:cNvPicPr>
+            <a:picLocks noChangeAspect="1" noChangeArrowheads="1"/>
+          </p:cNvPicPr>
+          <p:nvPr/>
+        </p:nvPicPr>
+        <p:blipFill>
+          <a:blip r:embed="rId2">
+            <a:extLst>
+              <a:ext uri="{28A0092B-C50C-407E-A947-70E740481C1C}">
+                <a14:useLocalDpi xmlns:a14="http://schemas.microsoft.com/office/drawing/2010/main" val="0"/>
+              </a:ext>
+            </a:extLst>
+          </a:blip>
+          <a:srcRect/>
+          <a:stretch>
+            <a:fillRect/>
+          </a:stretch>
+        </p:blipFill>
+        <p:spPr bwMode="auto">
+          <a:xfrm>
+            <a:off x="1601108" y="2405063"/>
+            <a:ext cx="6259513" cy="2867025"/>
+          </a:xfrm>
+          <a:prstGeom prst="rect">
+            <a:avLst/>
+          </a:prstGeom>
+          <a:noFill/>
+          <a:ln>
+            <a:noFill/>
+          </a:ln>
+          <a:effectLst/>
+          <a:extLst>
+            <a:ext uri="{909E8E84-426E-40DD-AFC4-6F175D3DCCD1}">
+              <a14:hiddenFill xmlns:a14="http://schemas.microsoft.com/office/drawing/2010/main">
+                <a:solidFill>
+                  <a:schemeClr val="accent1"/>
+                </a:solidFill>
+              </a14:hiddenFill>
+            </a:ext>
+            <a:ext uri="{91240B29-F687-4F45-9708-019B960494DF}">
+              <a14:hiddenLine xmlns:a14="http://schemas.microsoft.com/office/drawing/2010/main" w="9525">
+                <a:solidFill>
+                  <a:schemeClr val="tx1"/>
+                </a:solidFill>
+                <a:miter lim="800000"/>
+                <a:headEnd/>
+                <a:tailEnd/>
+              </a14:hiddenLine>
+            </a:ext>
+            <a:ext uri="{AF507438-7753-43E0-B8FC-AC1667EBCBE1}">
+              <a14:hiddenEffects xmlns:a14="http://schemas.microsoft.com/office/drawing/2010/main">
+                <a:effectLst>
+                  <a:outerShdw dist="35921" dir="2700000" algn="ctr" rotWithShape="0">
+                    <a:schemeClr val="bg2"/>
+                  </a:outerShdw>
+                </a:effectLst>
+              </a14:hiddenEffects>
+            </a:ext>
+          </a:extLst>
+        </p:spPr>
+      </p:pic>
+    </p:spTree>
+    <p:extLst>
+      <p:ext uri="{BB962C8B-B14F-4D97-AF65-F5344CB8AC3E}">
+        <p14:creationId xmlns:p14="http://schemas.microsoft.com/office/powerpoint/2010/main" val="992863245"/>
+      </p:ext>
+    </p:extLst>
+  </p:cSld>
+  <p:clrMapOvr>
+    <a:masterClrMapping/>
+  </p:clrMapOvr>
+</p:sld>
+</file>
+
+<file path=ppt/slides/slide73.xml><?xml version="1.0" encoding="utf-8"?>
+<p:sld xmlns:a="http://schemas.openxmlformats.org/drawingml/2006/main" xmlns:r="http://schemas.openxmlformats.org/officeDocument/2006/relationships" xmlns:p="http://schemas.openxmlformats.org/presentationml/2006/main">
+  <p:cSld>
+    <p:spTree>
+      <p:nvGrpSpPr>
+        <p:cNvPr id="1" name=""/>
+        <p:cNvGrpSpPr/>
+        <p:nvPr/>
+      </p:nvGrpSpPr>
+      <p:grpSpPr>
+        <a:xfrm>
+          <a:off x="0" y="0"/>
+          <a:ext cx="0" cy="0"/>
+          <a:chOff x="0" y="0"/>
+          <a:chExt cx="0" cy="0"/>
+        </a:xfrm>
+      </p:grpSpPr>
+      <p:sp>
+        <p:nvSpPr>
+          <p:cNvPr id="2" name="Title 1"/>
+          <p:cNvSpPr>
+            <a:spLocks noGrp="1"/>
+          </p:cNvSpPr>
+          <p:nvPr>
+            <p:ph type="title"/>
+          </p:nvPr>
+        </p:nvSpPr>
+        <p:spPr/>
+        <p:txBody>
+          <a:bodyPr/>
+          <a:lstStyle/>
+          <a:p>
+            <a:r>
+              <a:rPr lang="en-US" dirty="0"/>
+              <a:t>Using a Simple Collection</a:t>
+            </a:r>
+          </a:p>
+        </p:txBody>
+      </p:sp>
+      <p:sp>
+        <p:nvSpPr>
+          <p:cNvPr id="3" name="Content Placeholder 2"/>
+          <p:cNvSpPr>
+            <a:spLocks noGrp="1"/>
+          </p:cNvSpPr>
+          <p:nvPr>
+            <p:ph idx="1"/>
+          </p:nvPr>
+        </p:nvSpPr>
+        <p:spPr>
+          <a:xfrm>
+            <a:off x="677334" y="1422401"/>
+            <a:ext cx="8596668" cy="4618962"/>
+          </a:xfrm>
+        </p:spPr>
+        <p:txBody>
+          <a:bodyPr/>
+          <a:lstStyle/>
+          <a:p>
+            <a:r>
+              <a:rPr lang="en-US" dirty="0"/>
+              <a:t>For the type of elements in the </a:t>
+            </a:r>
+            <a:r>
+              <a:rPr lang="en-US" dirty="0">
+                <a:hlinkClick r:id="rId2"/>
+              </a:rPr>
+              <a:t>List&lt;T&gt;</a:t>
+            </a:r>
+            <a:r>
+              <a:rPr lang="en-US" dirty="0"/>
+              <a:t>, you can also define your own class. In the following example, the Galaxy class that is used by the </a:t>
+            </a:r>
+            <a:r>
+              <a:rPr lang="en-US" dirty="0">
+                <a:hlinkClick r:id="rId2"/>
+              </a:rPr>
+              <a:t>List&lt;T&gt;</a:t>
+            </a:r>
+            <a:r>
+              <a:rPr lang="en-US" dirty="0"/>
+              <a:t> is defined in the code. </a:t>
+            </a:r>
+          </a:p>
+        </p:txBody>
+      </p:sp>
+      <p:sp>
+        <p:nvSpPr>
+          <p:cNvPr id="4" name="Footer Placeholder 3"/>
+          <p:cNvSpPr>
+            <a:spLocks noGrp="1"/>
+          </p:cNvSpPr>
+          <p:nvPr>
+            <p:ph type="ftr" sz="quarter" idx="11"/>
+          </p:nvPr>
+        </p:nvSpPr>
+        <p:spPr/>
+        <p:txBody>
+          <a:bodyPr/>
+          <a:lstStyle/>
+          <a:p>
+            <a:endParaRPr lang="en-PH"/>
+          </a:p>
+        </p:txBody>
+      </p:sp>
+      <p:pic>
+        <p:nvPicPr>
+          <p:cNvPr id="11266" name="Picture 2"/>
+          <p:cNvPicPr>
+            <a:picLocks noChangeAspect="1" noChangeArrowheads="1"/>
+          </p:cNvPicPr>
+          <p:nvPr/>
+        </p:nvPicPr>
+        <p:blipFill>
+          <a:blip r:embed="rId3">
+            <a:extLst>
+              <a:ext uri="{28A0092B-C50C-407E-A947-70E740481C1C}">
+                <a14:useLocalDpi xmlns:a14="http://schemas.microsoft.com/office/drawing/2010/main" val="0"/>
+              </a:ext>
+            </a:extLst>
+          </a:blip>
+          <a:srcRect/>
+          <a:stretch>
+            <a:fillRect/>
+          </a:stretch>
+        </p:blipFill>
+        <p:spPr bwMode="auto">
+          <a:xfrm>
+            <a:off x="2381031" y="2322284"/>
+            <a:ext cx="5065025" cy="4066949"/>
+          </a:xfrm>
+          <a:prstGeom prst="rect">
+            <a:avLst/>
+          </a:prstGeom>
+          <a:noFill/>
+          <a:ln>
+            <a:noFill/>
+          </a:ln>
+          <a:effectLst/>
+          <a:extLst>
+            <a:ext uri="{909E8E84-426E-40DD-AFC4-6F175D3DCCD1}">
+              <a14:hiddenFill xmlns:a14="http://schemas.microsoft.com/office/drawing/2010/main">
+                <a:solidFill>
+                  <a:schemeClr val="accent1"/>
+                </a:solidFill>
+              </a14:hiddenFill>
+            </a:ext>
+            <a:ext uri="{91240B29-F687-4F45-9708-019B960494DF}">
+              <a14:hiddenLine xmlns:a14="http://schemas.microsoft.com/office/drawing/2010/main" w="9525">
+                <a:solidFill>
+                  <a:schemeClr val="tx1"/>
+                </a:solidFill>
+                <a:miter lim="800000"/>
+                <a:headEnd/>
+                <a:tailEnd/>
+              </a14:hiddenLine>
+            </a:ext>
+            <a:ext uri="{AF507438-7753-43E0-B8FC-AC1667EBCBE1}">
+              <a14:hiddenEffects xmlns:a14="http://schemas.microsoft.com/office/drawing/2010/main">
+                <a:effectLst>
+                  <a:outerShdw dist="35921" dir="2700000" algn="ctr" rotWithShape="0">
+                    <a:schemeClr val="bg2"/>
+                  </a:outerShdw>
+                </a:effectLst>
+              </a14:hiddenEffects>
+            </a:ext>
+          </a:extLst>
+        </p:spPr>
+      </p:pic>
+    </p:spTree>
+    <p:extLst>
+      <p:ext uri="{BB962C8B-B14F-4D97-AF65-F5344CB8AC3E}">
+        <p14:creationId xmlns:p14="http://schemas.microsoft.com/office/powerpoint/2010/main" val="937096113"/>
+      </p:ext>
+    </p:extLst>
+  </p:cSld>
+  <p:clrMapOvr>
+    <a:masterClrMapping/>
+  </p:clrMapOvr>
+</p:sld>
+</file>
+
+<file path=ppt/slides/slide74.xml><?xml version="1.0" encoding="utf-8"?>
+<p:sld xmlns:a="http://schemas.openxmlformats.org/drawingml/2006/main" xmlns:r="http://schemas.openxmlformats.org/officeDocument/2006/relationships" xmlns:p="http://schemas.openxmlformats.org/presentationml/2006/main">
+  <p:cSld>
+    <p:spTree>
+      <p:nvGrpSpPr>
+        <p:cNvPr id="1" name=""/>
+        <p:cNvGrpSpPr/>
+        <p:nvPr/>
+      </p:nvGrpSpPr>
+      <p:grpSpPr>
+        <a:xfrm>
+          <a:off x="0" y="0"/>
+          <a:ext cx="0" cy="0"/>
+          <a:chOff x="0" y="0"/>
+          <a:chExt cx="0" cy="0"/>
+        </a:xfrm>
+      </p:grpSpPr>
+      <p:sp>
+        <p:nvSpPr>
+          <p:cNvPr id="2" name="Title 1"/>
+          <p:cNvSpPr>
+            <a:spLocks noGrp="1"/>
+          </p:cNvSpPr>
+          <p:nvPr>
+            <p:ph type="title"/>
+          </p:nvPr>
+        </p:nvSpPr>
+        <p:spPr/>
+        <p:txBody>
+          <a:bodyPr/>
+          <a:lstStyle/>
+          <a:p>
+            <a:r>
+              <a:rPr lang="en-US" dirty="0"/>
+              <a:t>Kinds of Collections</a:t>
+            </a:r>
+          </a:p>
+        </p:txBody>
+      </p:sp>
+      <p:sp>
+        <p:nvSpPr>
+          <p:cNvPr id="3" name="Content Placeholder 2"/>
+          <p:cNvSpPr>
+            <a:spLocks noGrp="1"/>
+          </p:cNvSpPr>
+          <p:nvPr>
+            <p:ph idx="1"/>
+          </p:nvPr>
+        </p:nvSpPr>
+        <p:spPr/>
+        <p:txBody>
+          <a:bodyPr/>
+          <a:lstStyle/>
+          <a:p>
+            <a:r>
+              <a:rPr lang="en-US" dirty="0"/>
+              <a:t>Many common collections are provided by the .NET Framework. Each type of collection is designed for a specific purpose. + </a:t>
+            </a:r>
+          </a:p>
+          <a:p>
+            <a:r>
+              <a:rPr lang="en-US" dirty="0"/>
+              <a:t>Some of the common collection classes are described in this section: + </a:t>
+            </a:r>
+          </a:p>
+          <a:p>
+            <a:pPr lvl="1"/>
+            <a:r>
+              <a:rPr lang="en-US" dirty="0" err="1">
+                <a:hlinkClick r:id="rId2"/>
+              </a:rPr>
+              <a:t>System.Collections.Generic</a:t>
+            </a:r>
+            <a:r>
+              <a:rPr lang="en-US" dirty="0"/>
+              <a:t> classes </a:t>
+            </a:r>
+          </a:p>
+          <a:p>
+            <a:pPr lvl="1"/>
+            <a:r>
+              <a:rPr lang="en-US" dirty="0" err="1">
+                <a:hlinkClick r:id="rId3"/>
+              </a:rPr>
+              <a:t>System.Collections.Concurrent</a:t>
+            </a:r>
+            <a:r>
+              <a:rPr lang="en-US" dirty="0"/>
+              <a:t> classes </a:t>
+            </a:r>
+          </a:p>
+          <a:p>
+            <a:pPr lvl="1"/>
+            <a:r>
+              <a:rPr lang="en-US" dirty="0" err="1">
+                <a:hlinkClick r:id="rId4"/>
+              </a:rPr>
+              <a:t>System.Collections</a:t>
+            </a:r>
+            <a:r>
+              <a:rPr lang="en-US" dirty="0"/>
+              <a:t> classes </a:t>
+            </a:r>
+          </a:p>
+          <a:p>
+            <a:endParaRPr lang="en-US" dirty="0"/>
+          </a:p>
+        </p:txBody>
+      </p:sp>
+      <p:sp>
+        <p:nvSpPr>
+          <p:cNvPr id="4" name="Footer Placeholder 3"/>
+          <p:cNvSpPr>
+            <a:spLocks noGrp="1"/>
+          </p:cNvSpPr>
+          <p:nvPr>
+            <p:ph type="ftr" sz="quarter" idx="11"/>
+          </p:nvPr>
+        </p:nvSpPr>
+        <p:spPr/>
+        <p:txBody>
+          <a:bodyPr/>
+          <a:lstStyle/>
+          <a:p>
+            <a:endParaRPr lang="en-PH"/>
+          </a:p>
+        </p:txBody>
+      </p:sp>
+    </p:spTree>
+    <p:extLst>
+      <p:ext uri="{BB962C8B-B14F-4D97-AF65-F5344CB8AC3E}">
+        <p14:creationId xmlns:p14="http://schemas.microsoft.com/office/powerpoint/2010/main" val="1053961342"/>
+      </p:ext>
+    </p:extLst>
+  </p:cSld>
+  <p:clrMapOvr>
+    <a:masterClrMapping/>
+  </p:clrMapOvr>
+</p:sld>
+</file>
+
+<file path=ppt/slides/slide75.xml><?xml version="1.0" encoding="utf-8"?>
+<p:sld xmlns:a="http://schemas.openxmlformats.org/drawingml/2006/main" xmlns:r="http://schemas.openxmlformats.org/officeDocument/2006/relationships" xmlns:p="http://schemas.openxmlformats.org/presentationml/2006/main">
+  <p:cSld>
+    <p:spTree>
+      <p:nvGrpSpPr>
+        <p:cNvPr id="1" name=""/>
+        <p:cNvGrpSpPr/>
+        <p:nvPr/>
+      </p:nvGrpSpPr>
+      <p:grpSpPr>
+        <a:xfrm>
+          <a:off x="0" y="0"/>
+          <a:ext cx="0" cy="0"/>
+          <a:chOff x="0" y="0"/>
+          <a:chExt cx="0" cy="0"/>
+        </a:xfrm>
+      </p:grpSpPr>
+      <p:sp>
+        <p:nvSpPr>
+          <p:cNvPr id="2" name="Title 1"/>
+          <p:cNvSpPr>
+            <a:spLocks noGrp="1"/>
+          </p:cNvSpPr>
+          <p:nvPr>
+            <p:ph type="title"/>
+          </p:nvPr>
+        </p:nvSpPr>
+        <p:spPr/>
+        <p:txBody>
+          <a:bodyPr/>
+          <a:lstStyle/>
+          <a:p>
+            <a:r>
+              <a:rPr lang="en-US" dirty="0" err="1"/>
+              <a:t>System.Collections.Generic</a:t>
+            </a:r>
+            <a:r>
+              <a:rPr lang="en-US" dirty="0"/>
+              <a:t> Classes</a:t>
+            </a:r>
+          </a:p>
+        </p:txBody>
+      </p:sp>
+      <p:sp>
+        <p:nvSpPr>
+          <p:cNvPr id="3" name="Content Placeholder 2"/>
+          <p:cNvSpPr>
+            <a:spLocks noGrp="1"/>
+          </p:cNvSpPr>
+          <p:nvPr>
+            <p:ph idx="1"/>
+          </p:nvPr>
+        </p:nvSpPr>
+        <p:spPr>
+          <a:xfrm>
+            <a:off x="677334" y="1582057"/>
+            <a:ext cx="8596668" cy="4459305"/>
+          </a:xfrm>
+        </p:spPr>
+        <p:txBody>
+          <a:bodyPr/>
+          <a:lstStyle/>
+          <a:p>
+            <a:r>
+              <a:rPr lang="en-US" dirty="0"/>
+              <a:t>You can create a generic collection by using one of the classes in the </a:t>
+            </a:r>
+            <a:r>
+              <a:rPr lang="en-US" dirty="0" err="1">
+                <a:hlinkClick r:id="rId2"/>
+              </a:rPr>
+              <a:t>System.Collections.Generic</a:t>
+            </a:r>
+            <a:r>
+              <a:rPr lang="en-US" dirty="0"/>
+              <a:t> namespace. A generic collection is useful when every item in the collection has the same data type. A generic collection enforces strong typing by allowing only the desired data type to be added. + </a:t>
+            </a:r>
+          </a:p>
+          <a:p>
+            <a:r>
+              <a:rPr lang="en-US" dirty="0"/>
+              <a:t>The following table lists some of the frequently used classes of the </a:t>
+            </a:r>
+            <a:r>
+              <a:rPr lang="en-US" dirty="0" err="1">
+                <a:hlinkClick r:id="rId2"/>
+              </a:rPr>
+              <a:t>System.Collections.Generic</a:t>
+            </a:r>
+            <a:r>
+              <a:rPr lang="en-US" dirty="0"/>
+              <a:t> namespace: </a:t>
+            </a:r>
+          </a:p>
+          <a:p>
+            <a:endParaRPr lang="en-US" dirty="0"/>
+          </a:p>
+        </p:txBody>
+      </p:sp>
+      <p:sp>
+        <p:nvSpPr>
+          <p:cNvPr id="4" name="Footer Placeholder 3"/>
+          <p:cNvSpPr>
+            <a:spLocks noGrp="1"/>
+          </p:cNvSpPr>
+          <p:nvPr>
+            <p:ph type="ftr" sz="quarter" idx="11"/>
+          </p:nvPr>
+        </p:nvSpPr>
+        <p:spPr/>
+        <p:txBody>
+          <a:bodyPr/>
+          <a:lstStyle/>
+          <a:p>
+            <a:endParaRPr lang="en-PH"/>
+          </a:p>
+        </p:txBody>
+      </p:sp>
+    </p:spTree>
+    <p:extLst>
+      <p:ext uri="{BB962C8B-B14F-4D97-AF65-F5344CB8AC3E}">
+        <p14:creationId xmlns:p14="http://schemas.microsoft.com/office/powerpoint/2010/main" val="373134480"/>
+      </p:ext>
+    </p:extLst>
+  </p:cSld>
+  <p:clrMapOvr>
+    <a:masterClrMapping/>
+  </p:clrMapOvr>
+</p:sld>
+</file>
+
+<file path=ppt/slides/slide76.xml><?xml version="1.0" encoding="utf-8"?>
+<p:sld xmlns:a="http://schemas.openxmlformats.org/drawingml/2006/main" xmlns:r="http://schemas.openxmlformats.org/officeDocument/2006/relationships" xmlns:p="http://schemas.openxmlformats.org/presentationml/2006/main">
+  <p:cSld>
+    <p:spTree>
+      <p:nvGrpSpPr>
+        <p:cNvPr id="1" name=""/>
+        <p:cNvGrpSpPr/>
+        <p:nvPr/>
+      </p:nvGrpSpPr>
+      <p:grpSpPr>
+        <a:xfrm>
+          <a:off x="0" y="0"/>
+          <a:ext cx="0" cy="0"/>
+          <a:chOff x="0" y="0"/>
+          <a:chExt cx="0" cy="0"/>
+        </a:xfrm>
+      </p:grpSpPr>
+      <p:sp>
+        <p:nvSpPr>
+          <p:cNvPr id="2" name="Title 1"/>
+          <p:cNvSpPr>
+            <a:spLocks noGrp="1"/>
+          </p:cNvSpPr>
+          <p:nvPr>
+            <p:ph type="title"/>
+          </p:nvPr>
+        </p:nvSpPr>
+        <p:spPr/>
+        <p:txBody>
+          <a:bodyPr/>
+          <a:lstStyle/>
+          <a:p>
+            <a:r>
+              <a:rPr lang="en-US" dirty="0" err="1"/>
+              <a:t>System.Collections.Generic</a:t>
+            </a:r>
+            <a:r>
+              <a:rPr lang="en-US" dirty="0"/>
+              <a:t> Classes</a:t>
+            </a:r>
+          </a:p>
+        </p:txBody>
+      </p:sp>
+      <p:sp>
+        <p:nvSpPr>
+          <p:cNvPr id="4" name="Footer Placeholder 3"/>
+          <p:cNvSpPr>
+            <a:spLocks noGrp="1"/>
+          </p:cNvSpPr>
+          <p:nvPr>
+            <p:ph type="ftr" sz="quarter" idx="11"/>
+          </p:nvPr>
+        </p:nvSpPr>
+        <p:spPr/>
+        <p:txBody>
+          <a:bodyPr/>
+          <a:lstStyle/>
+          <a:p>
+            <a:endParaRPr lang="en-PH"/>
+          </a:p>
+        </p:txBody>
+      </p:sp>
+      <p:pic>
+        <p:nvPicPr>
+          <p:cNvPr id="6" name="Picture 2"/>
+          <p:cNvPicPr>
+            <a:picLocks noGrp="1" noChangeAspect="1" noChangeArrowheads="1"/>
+          </p:cNvPicPr>
+          <p:nvPr>
+            <p:ph idx="1"/>
+          </p:nvPr>
+        </p:nvPicPr>
+        <p:blipFill>
+          <a:blip r:embed="rId2">
+            <a:extLst>
+              <a:ext uri="{28A0092B-C50C-407E-A947-70E740481C1C}">
+                <a14:useLocalDpi xmlns:a14="http://schemas.microsoft.com/office/drawing/2010/main" val="0"/>
+              </a:ext>
+            </a:extLst>
+          </a:blip>
+          <a:srcRect/>
+          <a:stretch>
+            <a:fillRect/>
+          </a:stretch>
+        </p:blipFill>
+        <p:spPr bwMode="auto">
+          <a:xfrm>
+            <a:off x="1322671" y="1840431"/>
+            <a:ext cx="7306695" cy="3943901"/>
+          </a:xfrm>
+          <a:prstGeom prst="rect">
+            <a:avLst/>
+          </a:prstGeom>
+          <a:noFill/>
+          <a:ln>
+            <a:noFill/>
+          </a:ln>
+          <a:effectLst/>
+          <a:extLst>
+            <a:ext uri="{909E8E84-426E-40DD-AFC4-6F175D3DCCD1}">
+              <a14:hiddenFill xmlns:a14="http://schemas.microsoft.com/office/drawing/2010/main">
+                <a:solidFill>
+                  <a:schemeClr val="accent1"/>
+                </a:solidFill>
+              </a14:hiddenFill>
+            </a:ext>
+            <a:ext uri="{91240B29-F687-4F45-9708-019B960494DF}">
+              <a14:hiddenLine xmlns:a14="http://schemas.microsoft.com/office/drawing/2010/main" w="9525">
+                <a:solidFill>
+                  <a:schemeClr val="tx1"/>
+                </a:solidFill>
+                <a:miter lim="800000"/>
+                <a:headEnd/>
+                <a:tailEnd/>
+              </a14:hiddenLine>
+            </a:ext>
+            <a:ext uri="{AF507438-7753-43E0-B8FC-AC1667EBCBE1}">
+              <a14:hiddenEffects xmlns:a14="http://schemas.microsoft.com/office/drawing/2010/main">
+                <a:effectLst>
+                  <a:outerShdw dist="35921" dir="2700000" algn="ctr" rotWithShape="0">
+                    <a:schemeClr val="bg2"/>
+                  </a:outerShdw>
+                </a:effectLst>
+              </a14:hiddenEffects>
+            </a:ext>
+          </a:extLst>
+        </p:spPr>
+      </p:pic>
+    </p:spTree>
+    <p:extLst>
+      <p:ext uri="{BB962C8B-B14F-4D97-AF65-F5344CB8AC3E}">
+        <p14:creationId xmlns:p14="http://schemas.microsoft.com/office/powerpoint/2010/main" val="2537548309"/>
+      </p:ext>
+    </p:extLst>
+  </p:cSld>
+  <p:clrMapOvr>
+    <a:masterClrMapping/>
+  </p:clrMapOvr>
+</p:sld>
+</file>
+
+<file path=ppt/slides/slide77.xml><?xml version="1.0" encoding="utf-8"?>
+<p:sld xmlns:a="http://schemas.openxmlformats.org/drawingml/2006/main" xmlns:r="http://schemas.openxmlformats.org/officeDocument/2006/relationships" xmlns:p="http://schemas.openxmlformats.org/presentationml/2006/main">
+  <p:cSld>
+    <p:spTree>
+      <p:nvGrpSpPr>
+        <p:cNvPr id="1" name=""/>
+        <p:cNvGrpSpPr/>
+        <p:nvPr/>
+      </p:nvGrpSpPr>
+      <p:grpSpPr>
+        <a:xfrm>
+          <a:off x="0" y="0"/>
+          <a:ext cx="0" cy="0"/>
+          <a:chOff x="0" y="0"/>
+          <a:chExt cx="0" cy="0"/>
+        </a:xfrm>
+      </p:grpSpPr>
+      <p:sp>
+        <p:nvSpPr>
+          <p:cNvPr id="2" name="Title 1"/>
+          <p:cNvSpPr>
+            <a:spLocks noGrp="1"/>
+          </p:cNvSpPr>
+          <p:nvPr>
+            <p:ph type="title"/>
+          </p:nvPr>
+        </p:nvSpPr>
+        <p:spPr/>
+        <p:txBody>
+          <a:bodyPr/>
+          <a:lstStyle/>
+          <a:p>
+            <a:r>
+              <a:rPr lang="en-US" dirty="0" err="1"/>
+              <a:t>System.Collections.Concurrent</a:t>
+            </a:r>
+            <a:r>
+              <a:rPr lang="en-US" dirty="0"/>
+              <a:t> Classes</a:t>
+            </a:r>
+          </a:p>
+        </p:txBody>
+      </p:sp>
+      <p:sp>
+        <p:nvSpPr>
+          <p:cNvPr id="4" name="Footer Placeholder 3"/>
+          <p:cNvSpPr>
+            <a:spLocks noGrp="1"/>
+          </p:cNvSpPr>
+          <p:nvPr>
+            <p:ph type="ftr" sz="quarter" idx="11"/>
+          </p:nvPr>
+        </p:nvSpPr>
+        <p:spPr/>
+        <p:txBody>
+          <a:bodyPr/>
+          <a:lstStyle/>
+          <a:p>
+            <a:endParaRPr lang="en-PH"/>
+          </a:p>
+        </p:txBody>
+      </p:sp>
+      <p:sp>
+        <p:nvSpPr>
+          <p:cNvPr id="3" name="Content Placeholder 2"/>
+          <p:cNvSpPr>
+            <a:spLocks noGrp="1"/>
+          </p:cNvSpPr>
+          <p:nvPr>
+            <p:ph idx="1"/>
+          </p:nvPr>
+        </p:nvSpPr>
+        <p:spPr/>
+        <p:txBody>
+          <a:bodyPr/>
+          <a:lstStyle/>
+          <a:p>
+            <a:r>
+              <a:rPr lang="en-US" dirty="0"/>
+              <a:t>In the .NET Framework 4 or newer, the collections in the </a:t>
+            </a:r>
+            <a:r>
+              <a:rPr lang="en-US" dirty="0" err="1">
+                <a:hlinkClick r:id="rId2"/>
+              </a:rPr>
+              <a:t>System.Collections.Concurrent</a:t>
+            </a:r>
+            <a:r>
+              <a:rPr lang="en-US" dirty="0"/>
+              <a:t> namespace provide efficient thread-safe operations for accessing collection items from multiple threads. + </a:t>
+            </a:r>
+          </a:p>
+          <a:p>
+            <a:r>
+              <a:rPr lang="en-US" dirty="0"/>
+              <a:t>The classes in the </a:t>
+            </a:r>
+            <a:r>
+              <a:rPr lang="en-US" dirty="0" err="1">
+                <a:hlinkClick r:id="rId2"/>
+              </a:rPr>
+              <a:t>System.Collections.Concurrent</a:t>
+            </a:r>
+            <a:r>
+              <a:rPr lang="en-US" dirty="0"/>
+              <a:t> namespace should be used instead of the corresponding types in the </a:t>
+            </a:r>
+            <a:r>
+              <a:rPr lang="en-US" dirty="0" err="1">
+                <a:hlinkClick r:id="rId3"/>
+              </a:rPr>
+              <a:t>System.Collections.Generic</a:t>
+            </a:r>
+            <a:r>
+              <a:rPr lang="en-US" dirty="0"/>
+              <a:t> and </a:t>
+            </a:r>
+            <a:r>
+              <a:rPr lang="en-US" dirty="0" err="1">
+                <a:hlinkClick r:id="rId4"/>
+              </a:rPr>
+              <a:t>System.Collections</a:t>
+            </a:r>
+            <a:r>
+              <a:rPr lang="en-US" dirty="0"/>
+              <a:t> namespaces whenever multiple threads are accessing the collection concurrently.</a:t>
+            </a:r>
+          </a:p>
+          <a:p>
+            <a:r>
+              <a:rPr lang="en-US" dirty="0"/>
+              <a:t>Some classes included in the </a:t>
+            </a:r>
+            <a:r>
+              <a:rPr lang="en-US" dirty="0" err="1">
+                <a:hlinkClick r:id="rId2"/>
+              </a:rPr>
+              <a:t>System.Collections.Concurrent</a:t>
+            </a:r>
+            <a:r>
+              <a:rPr lang="en-US" dirty="0"/>
+              <a:t> namespace are </a:t>
+            </a:r>
+            <a:r>
+              <a:rPr lang="en-US" dirty="0" err="1">
+                <a:hlinkClick r:id="rId5"/>
+              </a:rPr>
+              <a:t>BlockingCollection</a:t>
+            </a:r>
+            <a:r>
+              <a:rPr lang="en-US" dirty="0">
+                <a:hlinkClick r:id="rId5"/>
+              </a:rPr>
+              <a:t>&lt;T&gt;</a:t>
+            </a:r>
+            <a:r>
+              <a:rPr lang="en-US" dirty="0"/>
+              <a:t>, </a:t>
+            </a:r>
+            <a:r>
+              <a:rPr lang="en-US" dirty="0" err="1">
+                <a:hlinkClick r:id="rId6"/>
+              </a:rPr>
+              <a:t>ConcurrentDictionary</a:t>
+            </a:r>
+            <a:r>
+              <a:rPr lang="en-US" dirty="0">
+                <a:hlinkClick r:id="rId6"/>
+              </a:rPr>
+              <a:t>&lt;</a:t>
+            </a:r>
+            <a:r>
+              <a:rPr lang="en-US" dirty="0" err="1">
+                <a:hlinkClick r:id="rId6"/>
+              </a:rPr>
+              <a:t>TKey,TValue</a:t>
+            </a:r>
+            <a:r>
+              <a:rPr lang="en-US" dirty="0">
+                <a:hlinkClick r:id="rId6"/>
+              </a:rPr>
+              <a:t>&gt;</a:t>
+            </a:r>
+            <a:r>
+              <a:rPr lang="en-US" dirty="0"/>
+              <a:t>, </a:t>
+            </a:r>
+            <a:r>
+              <a:rPr lang="en-US" dirty="0" err="1">
+                <a:hlinkClick r:id="rId7"/>
+              </a:rPr>
+              <a:t>ConcurrentQueue</a:t>
+            </a:r>
+            <a:r>
+              <a:rPr lang="en-US" dirty="0">
+                <a:hlinkClick r:id="rId7"/>
+              </a:rPr>
+              <a:t>&lt;T&gt;</a:t>
+            </a:r>
+            <a:r>
+              <a:rPr lang="en-US" dirty="0"/>
+              <a:t>, and </a:t>
+            </a:r>
+            <a:r>
+              <a:rPr lang="en-US" dirty="0" err="1">
+                <a:hlinkClick r:id="rId8"/>
+              </a:rPr>
+              <a:t>ConcurrentStack</a:t>
+            </a:r>
+            <a:r>
+              <a:rPr lang="en-US" dirty="0">
+                <a:hlinkClick r:id="rId8"/>
+              </a:rPr>
+              <a:t>&lt;T&gt;</a:t>
+            </a:r>
+            <a:r>
+              <a:rPr lang="en-US" dirty="0"/>
+              <a:t>. </a:t>
+            </a:r>
+          </a:p>
+        </p:txBody>
+      </p:sp>
+    </p:spTree>
+    <p:extLst>
+      <p:ext uri="{BB962C8B-B14F-4D97-AF65-F5344CB8AC3E}">
+        <p14:creationId xmlns:p14="http://schemas.microsoft.com/office/powerpoint/2010/main" val="194566497"/>
+      </p:ext>
+    </p:extLst>
+  </p:cSld>
+  <p:clrMapOvr>
+    <a:masterClrMapping/>
+  </p:clrMapOvr>
+</p:sld>
+</file>
+
+<file path=ppt/slides/slide78.xml><?xml version="1.0" encoding="utf-8"?>
+<p:sld xmlns:a="http://schemas.openxmlformats.org/drawingml/2006/main" xmlns:r="http://schemas.openxmlformats.org/officeDocument/2006/relationships" xmlns:p="http://schemas.openxmlformats.org/presentationml/2006/main">
+  <p:cSld>
+    <p:spTree>
+      <p:nvGrpSpPr>
+        <p:cNvPr id="1" name=""/>
+        <p:cNvGrpSpPr/>
+        <p:nvPr/>
+      </p:nvGrpSpPr>
+      <p:grpSpPr>
+        <a:xfrm>
+          <a:off x="0" y="0"/>
+          <a:ext cx="0" cy="0"/>
+          <a:chOff x="0" y="0"/>
+          <a:chExt cx="0" cy="0"/>
+        </a:xfrm>
+      </p:grpSpPr>
+      <p:sp>
+        <p:nvSpPr>
+          <p:cNvPr id="2" name="Title 1"/>
+          <p:cNvSpPr>
+            <a:spLocks noGrp="1"/>
+          </p:cNvSpPr>
+          <p:nvPr>
+            <p:ph type="title"/>
+          </p:nvPr>
+        </p:nvSpPr>
+        <p:spPr/>
+        <p:txBody>
+          <a:bodyPr/>
+          <a:lstStyle/>
+          <a:p>
+            <a:r>
+              <a:rPr lang="en-US" dirty="0" err="1"/>
+              <a:t>System.Collections</a:t>
+            </a:r>
+            <a:r>
+              <a:rPr lang="en-US" dirty="0"/>
+              <a:t> Classes</a:t>
+            </a:r>
+          </a:p>
+        </p:txBody>
+      </p:sp>
+      <p:sp>
+        <p:nvSpPr>
+          <p:cNvPr id="4" name="Footer Placeholder 3"/>
+          <p:cNvSpPr>
+            <a:spLocks noGrp="1"/>
+          </p:cNvSpPr>
+          <p:nvPr>
+            <p:ph type="ftr" sz="quarter" idx="11"/>
+          </p:nvPr>
+        </p:nvSpPr>
+        <p:spPr/>
+        <p:txBody>
+          <a:bodyPr/>
+          <a:lstStyle/>
+          <a:p>
+            <a:endParaRPr lang="en-PH"/>
+          </a:p>
+        </p:txBody>
+      </p:sp>
+      <p:sp>
+        <p:nvSpPr>
+          <p:cNvPr id="3" name="Content Placeholder 2"/>
+          <p:cNvSpPr>
+            <a:spLocks noGrp="1"/>
+          </p:cNvSpPr>
+          <p:nvPr>
+            <p:ph idx="1"/>
+          </p:nvPr>
+        </p:nvSpPr>
+        <p:spPr/>
+        <p:txBody>
+          <a:bodyPr/>
+          <a:lstStyle/>
+          <a:p>
+            <a:r>
+              <a:rPr lang="en-US" dirty="0"/>
+              <a:t>The classes in the </a:t>
+            </a:r>
+            <a:r>
+              <a:rPr lang="en-US" dirty="0" err="1">
+                <a:hlinkClick r:id="rId2"/>
+              </a:rPr>
+              <a:t>System.Collections</a:t>
+            </a:r>
+            <a:r>
+              <a:rPr lang="en-US" dirty="0"/>
+              <a:t> namespace do not store elements as specifically typed objects, but as objects of type Object. + </a:t>
+            </a:r>
+          </a:p>
+          <a:p>
+            <a:r>
+              <a:rPr lang="en-US" dirty="0"/>
+              <a:t>Whenever possible, you should use the generic collections in the </a:t>
+            </a:r>
+            <a:r>
+              <a:rPr lang="en-US" dirty="0" err="1">
+                <a:hlinkClick r:id="rId3"/>
+              </a:rPr>
+              <a:t>System.Collections.Generic</a:t>
+            </a:r>
+            <a:r>
+              <a:rPr lang="en-US" dirty="0"/>
+              <a:t> namespace or the </a:t>
+            </a:r>
+            <a:r>
+              <a:rPr lang="en-US" dirty="0" err="1">
+                <a:hlinkClick r:id="rId4"/>
+              </a:rPr>
+              <a:t>System.Collections.Concurrent</a:t>
+            </a:r>
+            <a:r>
+              <a:rPr lang="en-US" dirty="0"/>
+              <a:t> namespace instead of the legacy types in the </a:t>
+            </a:r>
+            <a:r>
+              <a:rPr lang="en-US" dirty="0" err="1"/>
+              <a:t>System.Collections</a:t>
+            </a:r>
+            <a:r>
+              <a:rPr lang="en-US" dirty="0"/>
+              <a:t> namespace. </a:t>
+            </a:r>
+            <a:endParaRPr lang="en-US" dirty="0" smtClean="0"/>
+          </a:p>
+          <a:p>
+            <a:r>
+              <a:rPr lang="en-US" dirty="0"/>
+              <a:t>The following table lists some of the frequently used classes in the </a:t>
+            </a:r>
+            <a:r>
+              <a:rPr lang="en-US" dirty="0" err="1"/>
+              <a:t>System.Collections</a:t>
+            </a:r>
+            <a:r>
+              <a:rPr lang="en-US" dirty="0"/>
+              <a:t> namespace: </a:t>
+            </a:r>
+          </a:p>
+        </p:txBody>
+      </p:sp>
+    </p:spTree>
+    <p:extLst>
+      <p:ext uri="{BB962C8B-B14F-4D97-AF65-F5344CB8AC3E}">
+        <p14:creationId xmlns:p14="http://schemas.microsoft.com/office/powerpoint/2010/main" val="3330558193"/>
+      </p:ext>
+    </p:extLst>
+  </p:cSld>
+  <p:clrMapOvr>
+    <a:masterClrMapping/>
+  </p:clrMapOvr>
+</p:sld>
+</file>
+
+<file path=ppt/slides/slide79.xml><?xml version="1.0" encoding="utf-8"?>
+<p:sld xmlns:a="http://schemas.openxmlformats.org/drawingml/2006/main" xmlns:r="http://schemas.openxmlformats.org/officeDocument/2006/relationships" xmlns:p="http://schemas.openxmlformats.org/presentationml/2006/main">
+  <p:cSld>
+    <p:spTree>
+      <p:nvGrpSpPr>
+        <p:cNvPr id="1" name=""/>
+        <p:cNvGrpSpPr/>
+        <p:nvPr/>
+      </p:nvGrpSpPr>
+      <p:grpSpPr>
+        <a:xfrm>
+          <a:off x="0" y="0"/>
+          <a:ext cx="0" cy="0"/>
+          <a:chOff x="0" y="0"/>
+          <a:chExt cx="0" cy="0"/>
+        </a:xfrm>
+      </p:grpSpPr>
+      <p:sp>
+        <p:nvSpPr>
+          <p:cNvPr id="2" name="Title 1"/>
+          <p:cNvSpPr>
+            <a:spLocks noGrp="1"/>
+          </p:cNvSpPr>
+          <p:nvPr>
+            <p:ph type="title"/>
+          </p:nvPr>
+        </p:nvSpPr>
+        <p:spPr/>
+        <p:txBody>
+          <a:bodyPr/>
+          <a:lstStyle/>
+          <a:p>
+            <a:r>
+              <a:rPr lang="en-US" dirty="0" err="1"/>
+              <a:t>System.Collections</a:t>
+            </a:r>
+            <a:r>
+              <a:rPr lang="en-US" dirty="0"/>
+              <a:t> Classes</a:t>
+            </a:r>
+          </a:p>
+        </p:txBody>
+      </p:sp>
+      <p:sp>
+        <p:nvSpPr>
+          <p:cNvPr id="4" name="Footer Placeholder 3"/>
+          <p:cNvSpPr>
+            <a:spLocks noGrp="1"/>
+          </p:cNvSpPr>
+          <p:nvPr>
+            <p:ph type="ftr" sz="quarter" idx="11"/>
+          </p:nvPr>
+        </p:nvSpPr>
+        <p:spPr/>
+        <p:txBody>
+          <a:bodyPr/>
+          <a:lstStyle/>
+          <a:p>
+            <a:endParaRPr lang="en-PH"/>
+          </a:p>
+        </p:txBody>
+      </p:sp>
+      <p:pic>
+        <p:nvPicPr>
+          <p:cNvPr id="13314" name="Picture 2"/>
+          <p:cNvPicPr>
+            <a:picLocks noGrp="1" noChangeAspect="1" noChangeArrowheads="1"/>
+          </p:cNvPicPr>
+          <p:nvPr>
+            <p:ph idx="1"/>
+          </p:nvPr>
+        </p:nvPicPr>
+        <p:blipFill>
+          <a:blip r:embed="rId2">
+            <a:extLst>
+              <a:ext uri="{28A0092B-C50C-407E-A947-70E740481C1C}">
+                <a14:useLocalDpi xmlns:a14="http://schemas.microsoft.com/office/drawing/2010/main" val="0"/>
+              </a:ext>
+            </a:extLst>
+          </a:blip>
+          <a:srcRect/>
+          <a:stretch>
+            <a:fillRect/>
+          </a:stretch>
+        </p:blipFill>
+        <p:spPr bwMode="auto">
+          <a:xfrm>
+            <a:off x="1327434" y="2505646"/>
+            <a:ext cx="7297169" cy="3191321"/>
+          </a:xfrm>
+          <a:prstGeom prst="rect">
+            <a:avLst/>
+          </a:prstGeom>
+          <a:noFill/>
+          <a:ln>
+            <a:noFill/>
+          </a:ln>
+          <a:effectLst/>
+          <a:extLst>
+            <a:ext uri="{909E8E84-426E-40DD-AFC4-6F175D3DCCD1}">
+              <a14:hiddenFill xmlns:a14="http://schemas.microsoft.com/office/drawing/2010/main">
+                <a:solidFill>
+                  <a:schemeClr val="accent1"/>
+                </a:solidFill>
+              </a14:hiddenFill>
+            </a:ext>
+            <a:ext uri="{91240B29-F687-4F45-9708-019B960494DF}">
+              <a14:hiddenLine xmlns:a14="http://schemas.microsoft.com/office/drawing/2010/main" w="9525">
+                <a:solidFill>
+                  <a:schemeClr val="tx1"/>
+                </a:solidFill>
+                <a:miter lim="800000"/>
+                <a:headEnd/>
+                <a:tailEnd/>
+              </a14:hiddenLine>
+            </a:ext>
+            <a:ext uri="{AF507438-7753-43E0-B8FC-AC1667EBCBE1}">
+              <a14:hiddenEffects xmlns:a14="http://schemas.microsoft.com/office/drawing/2010/main">
+                <a:effectLst>
+                  <a:outerShdw dist="35921" dir="2700000" algn="ctr" rotWithShape="0">
+                    <a:schemeClr val="bg2"/>
+                  </a:outerShdw>
+                </a:effectLst>
+              </a14:hiddenEffects>
+            </a:ext>
+          </a:extLst>
+        </p:spPr>
+      </p:pic>
+    </p:spTree>
+    <p:extLst>
+      <p:ext uri="{BB962C8B-B14F-4D97-AF65-F5344CB8AC3E}">
+        <p14:creationId xmlns:p14="http://schemas.microsoft.com/office/powerpoint/2010/main" val="2321306166"/>
+      </p:ext>
+    </p:extLst>
+  </p:cSld>
+  <p:clrMapOvr>
+    <a:masterClrMapping/>
+  </p:clrMapOvr>
+</p:sld>
+</file>
+
 <file path=ppt/slides/slide8.xml><?xml version="1.0" encoding="utf-8"?>
 <p:sld xmlns:a="http://schemas.openxmlformats.org/drawingml/2006/main" xmlns:r="http://schemas.openxmlformats.org/officeDocument/2006/relationships" xmlns:p="http://schemas.openxmlformats.org/presentationml/2006/main">
   <p:cSld>
@@ -17043,6 +21981,1401 @@
       </p:par>
     </p:tnLst>
   </p:timing>
+</p:sld>
+</file>
+
+<file path=ppt/slides/slide80.xml><?xml version="1.0" encoding="utf-8"?>
+<p:sld xmlns:a="http://schemas.openxmlformats.org/drawingml/2006/main" xmlns:r="http://schemas.openxmlformats.org/officeDocument/2006/relationships" xmlns:p="http://schemas.openxmlformats.org/presentationml/2006/main">
+  <p:cSld>
+    <p:spTree>
+      <p:nvGrpSpPr>
+        <p:cNvPr id="1" name=""/>
+        <p:cNvGrpSpPr/>
+        <p:nvPr/>
+      </p:nvGrpSpPr>
+      <p:grpSpPr>
+        <a:xfrm>
+          <a:off x="0" y="0"/>
+          <a:ext cx="0" cy="0"/>
+          <a:chOff x="0" y="0"/>
+          <a:chExt cx="0" cy="0"/>
+        </a:xfrm>
+      </p:grpSpPr>
+      <p:sp>
+        <p:nvSpPr>
+          <p:cNvPr id="2" name="Title 1"/>
+          <p:cNvSpPr>
+            <a:spLocks noGrp="1"/>
+          </p:cNvSpPr>
+          <p:nvPr>
+            <p:ph type="title"/>
+          </p:nvPr>
+        </p:nvSpPr>
+        <p:spPr/>
+        <p:txBody>
+          <a:bodyPr/>
+          <a:lstStyle/>
+          <a:p>
+            <a:r>
+              <a:rPr lang="en-US" dirty="0"/>
+              <a:t>Using LINQ to Access a Collection</a:t>
+            </a:r>
+          </a:p>
+        </p:txBody>
+      </p:sp>
+      <p:sp>
+        <p:nvSpPr>
+          <p:cNvPr id="4" name="Footer Placeholder 3"/>
+          <p:cNvSpPr>
+            <a:spLocks noGrp="1"/>
+          </p:cNvSpPr>
+          <p:nvPr>
+            <p:ph type="ftr" sz="quarter" idx="11"/>
+          </p:nvPr>
+        </p:nvSpPr>
+        <p:spPr/>
+        <p:txBody>
+          <a:bodyPr/>
+          <a:lstStyle/>
+          <a:p>
+            <a:endParaRPr lang="en-PH"/>
+          </a:p>
+        </p:txBody>
+      </p:sp>
+      <p:sp>
+        <p:nvSpPr>
+          <p:cNvPr id="3" name="Content Placeholder 2"/>
+          <p:cNvSpPr>
+            <a:spLocks noGrp="1"/>
+          </p:cNvSpPr>
+          <p:nvPr>
+            <p:ph idx="1"/>
+          </p:nvPr>
+        </p:nvSpPr>
+        <p:spPr/>
+        <p:txBody>
+          <a:bodyPr/>
+          <a:lstStyle/>
+          <a:p>
+            <a:r>
+              <a:rPr lang="en-US" dirty="0"/>
+              <a:t>LINQ (Language-Integrated Query) can be used to access collections. LINQ queries provide filtering, ordering, and grouping capabilities. </a:t>
+            </a:r>
+            <a:endParaRPr lang="en-US" dirty="0" smtClean="0"/>
+          </a:p>
+          <a:p>
+            <a:r>
+              <a:rPr lang="en-US" dirty="0" smtClean="0"/>
+              <a:t>The </a:t>
+            </a:r>
+            <a:r>
+              <a:rPr lang="en-US" dirty="0"/>
+              <a:t>following example runs a LINQ query against a generic List. The LINQ query returns a different collection that contains the results. </a:t>
+            </a:r>
+          </a:p>
+          <a:p>
+            <a:endParaRPr lang="en-US" dirty="0"/>
+          </a:p>
+        </p:txBody>
+      </p:sp>
+    </p:spTree>
+    <p:extLst>
+      <p:ext uri="{BB962C8B-B14F-4D97-AF65-F5344CB8AC3E}">
+        <p14:creationId xmlns:p14="http://schemas.microsoft.com/office/powerpoint/2010/main" val="3229517709"/>
+      </p:ext>
+    </p:extLst>
+  </p:cSld>
+  <p:clrMapOvr>
+    <a:masterClrMapping/>
+  </p:clrMapOvr>
+</p:sld>
+</file>
+
+<file path=ppt/slides/slide81.xml><?xml version="1.0" encoding="utf-8"?>
+<p:sld xmlns:a="http://schemas.openxmlformats.org/drawingml/2006/main" xmlns:r="http://schemas.openxmlformats.org/officeDocument/2006/relationships" xmlns:p="http://schemas.openxmlformats.org/presentationml/2006/main">
+  <p:cSld>
+    <p:spTree>
+      <p:nvGrpSpPr>
+        <p:cNvPr id="1" name=""/>
+        <p:cNvGrpSpPr/>
+        <p:nvPr/>
+      </p:nvGrpSpPr>
+      <p:grpSpPr>
+        <a:xfrm>
+          <a:off x="0" y="0"/>
+          <a:ext cx="0" cy="0"/>
+          <a:chOff x="0" y="0"/>
+          <a:chExt cx="0" cy="0"/>
+        </a:xfrm>
+      </p:grpSpPr>
+      <p:sp>
+        <p:nvSpPr>
+          <p:cNvPr id="2" name="Title 1"/>
+          <p:cNvSpPr>
+            <a:spLocks noGrp="1"/>
+          </p:cNvSpPr>
+          <p:nvPr>
+            <p:ph type="title"/>
+          </p:nvPr>
+        </p:nvSpPr>
+        <p:spPr/>
+        <p:txBody>
+          <a:bodyPr/>
+          <a:lstStyle/>
+          <a:p>
+            <a:r>
+              <a:rPr lang="en-US" dirty="0"/>
+              <a:t>Using LINQ to Access a Collection</a:t>
+            </a:r>
+          </a:p>
+        </p:txBody>
+      </p:sp>
+      <p:sp>
+        <p:nvSpPr>
+          <p:cNvPr id="4" name="Footer Placeholder 3"/>
+          <p:cNvSpPr>
+            <a:spLocks noGrp="1"/>
+          </p:cNvSpPr>
+          <p:nvPr>
+            <p:ph type="ftr" sz="quarter" idx="11"/>
+          </p:nvPr>
+        </p:nvSpPr>
+        <p:spPr/>
+        <p:txBody>
+          <a:bodyPr/>
+          <a:lstStyle/>
+          <a:p>
+            <a:r>
+              <a:rPr lang="en-PH" dirty="0"/>
+              <a:t>https://docs.microsoft.com/en-us/dotnet/csharp/programming-guide/concepts/collections</a:t>
+            </a:r>
+            <a:endParaRPr lang="en-PH" dirty="0"/>
+          </a:p>
+        </p:txBody>
+      </p:sp>
+      <p:pic>
+        <p:nvPicPr>
+          <p:cNvPr id="14339" name="Picture 3"/>
+          <p:cNvPicPr>
+            <a:picLocks noGrp="1" noChangeAspect="1" noChangeArrowheads="1"/>
+          </p:cNvPicPr>
+          <p:nvPr>
+            <p:ph idx="1"/>
+          </p:nvPr>
+        </p:nvPicPr>
+        <p:blipFill>
+          <a:blip r:embed="rId2">
+            <a:extLst>
+              <a:ext uri="{28A0092B-C50C-407E-A947-70E740481C1C}">
+                <a14:useLocalDpi xmlns:a14="http://schemas.microsoft.com/office/drawing/2010/main" val="0"/>
+              </a:ext>
+            </a:extLst>
+          </a:blip>
+          <a:srcRect/>
+          <a:stretch>
+            <a:fillRect/>
+          </a:stretch>
+        </p:blipFill>
+        <p:spPr bwMode="auto">
+          <a:xfrm>
+            <a:off x="1911598" y="1362303"/>
+            <a:ext cx="4373087" cy="4949828"/>
+          </a:xfrm>
+          <a:prstGeom prst="rect">
+            <a:avLst/>
+          </a:prstGeom>
+          <a:noFill/>
+          <a:ln>
+            <a:noFill/>
+          </a:ln>
+          <a:effectLst/>
+          <a:extLst>
+            <a:ext uri="{909E8E84-426E-40DD-AFC4-6F175D3DCCD1}">
+              <a14:hiddenFill xmlns:a14="http://schemas.microsoft.com/office/drawing/2010/main">
+                <a:solidFill>
+                  <a:schemeClr val="accent1"/>
+                </a:solidFill>
+              </a14:hiddenFill>
+            </a:ext>
+            <a:ext uri="{91240B29-F687-4F45-9708-019B960494DF}">
+              <a14:hiddenLine xmlns:a14="http://schemas.microsoft.com/office/drawing/2010/main" w="9525">
+                <a:solidFill>
+                  <a:schemeClr val="tx1"/>
+                </a:solidFill>
+                <a:miter lim="800000"/>
+                <a:headEnd/>
+                <a:tailEnd/>
+              </a14:hiddenLine>
+            </a:ext>
+            <a:ext uri="{AF507438-7753-43E0-B8FC-AC1667EBCBE1}">
+              <a14:hiddenEffects xmlns:a14="http://schemas.microsoft.com/office/drawing/2010/main">
+                <a:effectLst>
+                  <a:outerShdw dist="35921" dir="2700000" algn="ctr" rotWithShape="0">
+                    <a:schemeClr val="bg2"/>
+                  </a:outerShdw>
+                </a:effectLst>
+              </a14:hiddenEffects>
+            </a:ext>
+          </a:extLst>
+        </p:spPr>
+      </p:pic>
+    </p:spTree>
+    <p:extLst>
+      <p:ext uri="{BB962C8B-B14F-4D97-AF65-F5344CB8AC3E}">
+        <p14:creationId xmlns:p14="http://schemas.microsoft.com/office/powerpoint/2010/main" val="1952380180"/>
+      </p:ext>
+    </p:extLst>
+  </p:cSld>
+  <p:clrMapOvr>
+    <a:masterClrMapping/>
+  </p:clrMapOvr>
+</p:sld>
+</file>
+
+<file path=ppt/slides/slide82.xml><?xml version="1.0" encoding="utf-8"?>
+<p:sld xmlns:a="http://schemas.openxmlformats.org/drawingml/2006/main" xmlns:r="http://schemas.openxmlformats.org/officeDocument/2006/relationships" xmlns:p="http://schemas.openxmlformats.org/presentationml/2006/main">
+  <p:cSld>
+    <p:spTree>
+      <p:nvGrpSpPr>
+        <p:cNvPr id="1" name=""/>
+        <p:cNvGrpSpPr/>
+        <p:nvPr/>
+      </p:nvGrpSpPr>
+      <p:grpSpPr>
+        <a:xfrm>
+          <a:off x="0" y="0"/>
+          <a:ext cx="0" cy="0"/>
+          <a:chOff x="0" y="0"/>
+          <a:chExt cx="0" cy="0"/>
+        </a:xfrm>
+      </p:grpSpPr>
+      <p:sp>
+        <p:nvSpPr>
+          <p:cNvPr id="2" name="Title 1"/>
+          <p:cNvSpPr>
+            <a:spLocks noGrp="1"/>
+          </p:cNvSpPr>
+          <p:nvPr>
+            <p:ph type="title"/>
+          </p:nvPr>
+        </p:nvSpPr>
+        <p:spPr/>
+        <p:txBody>
+          <a:bodyPr/>
+          <a:lstStyle/>
+          <a:p>
+            <a:r>
+              <a:rPr lang="en-US" dirty="0"/>
+              <a:t>interface </a:t>
+            </a:r>
+          </a:p>
+        </p:txBody>
+      </p:sp>
+      <p:sp>
+        <p:nvSpPr>
+          <p:cNvPr id="4" name="Footer Placeholder 3"/>
+          <p:cNvSpPr>
+            <a:spLocks noGrp="1"/>
+          </p:cNvSpPr>
+          <p:nvPr>
+            <p:ph type="ftr" sz="quarter" idx="11"/>
+          </p:nvPr>
+        </p:nvSpPr>
+        <p:spPr/>
+        <p:txBody>
+          <a:bodyPr/>
+          <a:lstStyle/>
+          <a:p>
+            <a:r>
+              <a:rPr lang="en-PH" dirty="0"/>
+              <a:t>https://docs.microsoft.com/en-us/dotnet/csharp/language-reference/keywords/interface</a:t>
+            </a:r>
+            <a:endParaRPr lang="en-PH" dirty="0"/>
+          </a:p>
+        </p:txBody>
+      </p:sp>
+      <p:sp>
+        <p:nvSpPr>
+          <p:cNvPr id="3" name="Content Placeholder 2"/>
+          <p:cNvSpPr>
+            <a:spLocks noGrp="1"/>
+          </p:cNvSpPr>
+          <p:nvPr>
+            <p:ph idx="1"/>
+          </p:nvPr>
+        </p:nvSpPr>
+        <p:spPr/>
+        <p:txBody>
+          <a:bodyPr/>
+          <a:lstStyle/>
+          <a:p>
+            <a:r>
+              <a:rPr lang="en-US" dirty="0"/>
+              <a:t>An interface contains only the signatures of </a:t>
+            </a:r>
+            <a:r>
+              <a:rPr lang="en-US" dirty="0">
+                <a:hlinkClick r:id="rId2"/>
+              </a:rPr>
+              <a:t>methods</a:t>
+            </a:r>
+            <a:r>
+              <a:rPr lang="en-US" dirty="0"/>
+              <a:t>, </a:t>
+            </a:r>
+            <a:r>
+              <a:rPr lang="en-US" dirty="0">
+                <a:hlinkClick r:id="rId3"/>
+              </a:rPr>
+              <a:t>properties</a:t>
+            </a:r>
+            <a:r>
+              <a:rPr lang="en-US" dirty="0"/>
+              <a:t>, </a:t>
+            </a:r>
+            <a:r>
+              <a:rPr lang="en-US" dirty="0">
+                <a:hlinkClick r:id="rId4"/>
+              </a:rPr>
+              <a:t>events</a:t>
+            </a:r>
+            <a:r>
+              <a:rPr lang="en-US" dirty="0"/>
+              <a:t> or </a:t>
+            </a:r>
+            <a:r>
+              <a:rPr lang="en-US" dirty="0">
+                <a:hlinkClick r:id="rId5"/>
+              </a:rPr>
+              <a:t>indexers</a:t>
+            </a:r>
+            <a:r>
+              <a:rPr lang="en-US" dirty="0"/>
+              <a:t>. </a:t>
+            </a:r>
+            <a:endParaRPr lang="en-US" dirty="0" smtClean="0"/>
+          </a:p>
+          <a:p>
+            <a:r>
+              <a:rPr lang="en-US" dirty="0" smtClean="0"/>
+              <a:t>A </a:t>
+            </a:r>
+            <a:r>
+              <a:rPr lang="en-US" dirty="0"/>
+              <a:t>class or </a:t>
+            </a:r>
+            <a:r>
+              <a:rPr lang="en-US" dirty="0" err="1"/>
+              <a:t>struct</a:t>
+            </a:r>
+            <a:r>
+              <a:rPr lang="en-US" dirty="0"/>
+              <a:t> that implements the interface must implement the members of the interface that are specified in the interface definition. </a:t>
+            </a:r>
+          </a:p>
+        </p:txBody>
+      </p:sp>
+    </p:spTree>
+    <p:extLst>
+      <p:ext uri="{BB962C8B-B14F-4D97-AF65-F5344CB8AC3E}">
+        <p14:creationId xmlns:p14="http://schemas.microsoft.com/office/powerpoint/2010/main" val="1456499108"/>
+      </p:ext>
+    </p:extLst>
+  </p:cSld>
+  <p:clrMapOvr>
+    <a:masterClrMapping/>
+  </p:clrMapOvr>
+</p:sld>
+</file>
+
+<file path=ppt/slides/slide83.xml><?xml version="1.0" encoding="utf-8"?>
+<p:sld xmlns:a="http://schemas.openxmlformats.org/drawingml/2006/main" xmlns:r="http://schemas.openxmlformats.org/officeDocument/2006/relationships" xmlns:p="http://schemas.openxmlformats.org/presentationml/2006/main">
+  <p:cSld>
+    <p:spTree>
+      <p:nvGrpSpPr>
+        <p:cNvPr id="1" name=""/>
+        <p:cNvGrpSpPr/>
+        <p:nvPr/>
+      </p:nvGrpSpPr>
+      <p:grpSpPr>
+        <a:xfrm>
+          <a:off x="0" y="0"/>
+          <a:ext cx="0" cy="0"/>
+          <a:chOff x="0" y="0"/>
+          <a:chExt cx="0" cy="0"/>
+        </a:xfrm>
+      </p:grpSpPr>
+      <p:sp>
+        <p:nvSpPr>
+          <p:cNvPr id="2" name="Title 1"/>
+          <p:cNvSpPr>
+            <a:spLocks noGrp="1"/>
+          </p:cNvSpPr>
+          <p:nvPr>
+            <p:ph type="title"/>
+          </p:nvPr>
+        </p:nvSpPr>
+        <p:spPr/>
+        <p:txBody>
+          <a:bodyPr/>
+          <a:lstStyle/>
+          <a:p>
+            <a:r>
+              <a:rPr lang="en-US" dirty="0"/>
+              <a:t>interface </a:t>
+            </a:r>
+          </a:p>
+        </p:txBody>
+      </p:sp>
+      <p:sp>
+        <p:nvSpPr>
+          <p:cNvPr id="4" name="Footer Placeholder 3"/>
+          <p:cNvSpPr>
+            <a:spLocks noGrp="1"/>
+          </p:cNvSpPr>
+          <p:nvPr>
+            <p:ph type="ftr" sz="quarter" idx="11"/>
+          </p:nvPr>
+        </p:nvSpPr>
+        <p:spPr/>
+        <p:txBody>
+          <a:bodyPr/>
+          <a:lstStyle/>
+          <a:p>
+            <a:r>
+              <a:rPr lang="en-PH" dirty="0"/>
+              <a:t>https:// https://docs.microsoft.com/en-us/dotnet/csharp/language-reference/keywords/interface</a:t>
+            </a:r>
+            <a:endParaRPr lang="en-PH" dirty="0"/>
+          </a:p>
+        </p:txBody>
+      </p:sp>
+      <p:sp>
+        <p:nvSpPr>
+          <p:cNvPr id="3" name="Content Placeholder 2"/>
+          <p:cNvSpPr>
+            <a:spLocks noGrp="1"/>
+          </p:cNvSpPr>
+          <p:nvPr>
+            <p:ph idx="1"/>
+          </p:nvPr>
+        </p:nvSpPr>
+        <p:spPr/>
+        <p:txBody>
+          <a:bodyPr/>
+          <a:lstStyle/>
+          <a:p>
+            <a:r>
+              <a:rPr lang="en-US" dirty="0"/>
+              <a:t>In the following example, class </a:t>
+            </a:r>
+            <a:r>
+              <a:rPr lang="en-US" dirty="0" err="1"/>
+              <a:t>ImplementationClass</a:t>
+            </a:r>
+            <a:r>
+              <a:rPr lang="en-US" dirty="0"/>
+              <a:t> must implement a method named </a:t>
+            </a:r>
+            <a:r>
+              <a:rPr lang="en-US" dirty="0" err="1"/>
+              <a:t>SampleMethod</a:t>
+            </a:r>
+            <a:r>
+              <a:rPr lang="en-US" dirty="0"/>
+              <a:t> that has no parameters and returns void. </a:t>
+            </a:r>
+          </a:p>
+          <a:p>
+            <a:pPr marL="0" indent="0">
+              <a:buNone/>
+            </a:pPr>
+            <a:r>
+              <a:rPr lang="en-US" dirty="0" smtClean="0"/>
+              <a:t> </a:t>
+            </a:r>
+            <a:endParaRPr lang="en-US" dirty="0"/>
+          </a:p>
+        </p:txBody>
+      </p:sp>
+    </p:spTree>
+    <p:extLst>
+      <p:ext uri="{BB962C8B-B14F-4D97-AF65-F5344CB8AC3E}">
+        <p14:creationId xmlns:p14="http://schemas.microsoft.com/office/powerpoint/2010/main" val="1347095797"/>
+      </p:ext>
+    </p:extLst>
+  </p:cSld>
+  <p:clrMapOvr>
+    <a:masterClrMapping/>
+  </p:clrMapOvr>
+</p:sld>
+</file>
+
+<file path=ppt/slides/slide84.xml><?xml version="1.0" encoding="utf-8"?>
+<p:sld xmlns:a="http://schemas.openxmlformats.org/drawingml/2006/main" xmlns:r="http://schemas.openxmlformats.org/officeDocument/2006/relationships" xmlns:p="http://schemas.openxmlformats.org/presentationml/2006/main">
+  <p:cSld>
+    <p:spTree>
+      <p:nvGrpSpPr>
+        <p:cNvPr id="1" name=""/>
+        <p:cNvGrpSpPr/>
+        <p:nvPr/>
+      </p:nvGrpSpPr>
+      <p:grpSpPr>
+        <a:xfrm>
+          <a:off x="0" y="0"/>
+          <a:ext cx="0" cy="0"/>
+          <a:chOff x="0" y="0"/>
+          <a:chExt cx="0" cy="0"/>
+        </a:xfrm>
+      </p:grpSpPr>
+      <p:sp>
+        <p:nvSpPr>
+          <p:cNvPr id="2" name="Title 1"/>
+          <p:cNvSpPr>
+            <a:spLocks noGrp="1"/>
+          </p:cNvSpPr>
+          <p:nvPr>
+            <p:ph type="title"/>
+          </p:nvPr>
+        </p:nvSpPr>
+        <p:spPr/>
+        <p:txBody>
+          <a:bodyPr/>
+          <a:lstStyle/>
+          <a:p>
+            <a:r>
+              <a:rPr lang="en-US" dirty="0"/>
+              <a:t>interface </a:t>
+            </a:r>
+          </a:p>
+        </p:txBody>
+      </p:sp>
+      <p:sp>
+        <p:nvSpPr>
+          <p:cNvPr id="4" name="Footer Placeholder 3"/>
+          <p:cNvSpPr>
+            <a:spLocks noGrp="1"/>
+          </p:cNvSpPr>
+          <p:nvPr>
+            <p:ph type="ftr" sz="quarter" idx="11"/>
+          </p:nvPr>
+        </p:nvSpPr>
+        <p:spPr/>
+        <p:txBody>
+          <a:bodyPr/>
+          <a:lstStyle/>
+          <a:p>
+            <a:r>
+              <a:rPr lang="en-PH" dirty="0"/>
+              <a:t>https://docs.microsoft.com/en-us/dotnet/csharp/language-reference/keywords/interface</a:t>
+            </a:r>
+            <a:endParaRPr lang="en-PH" dirty="0"/>
+          </a:p>
+        </p:txBody>
+      </p:sp>
+      <p:pic>
+        <p:nvPicPr>
+          <p:cNvPr id="6" name="Picture 2"/>
+          <p:cNvPicPr>
+            <a:picLocks noGrp="1" noChangeAspect="1" noChangeArrowheads="1"/>
+          </p:cNvPicPr>
+          <p:nvPr>
+            <p:ph idx="1"/>
+          </p:nvPr>
+        </p:nvPicPr>
+        <p:blipFill>
+          <a:blip r:embed="rId2">
+            <a:extLst>
+              <a:ext uri="{28A0092B-C50C-407E-A947-70E740481C1C}">
+                <a14:useLocalDpi xmlns:a14="http://schemas.microsoft.com/office/drawing/2010/main" val="0"/>
+              </a:ext>
+            </a:extLst>
+          </a:blip>
+          <a:srcRect/>
+          <a:stretch>
+            <a:fillRect/>
+          </a:stretch>
+        </p:blipFill>
+        <p:spPr bwMode="auto">
+          <a:xfrm>
+            <a:off x="2426801" y="1928360"/>
+            <a:ext cx="4604950" cy="3881437"/>
+          </a:xfrm>
+          <a:prstGeom prst="rect">
+            <a:avLst/>
+          </a:prstGeom>
+          <a:noFill/>
+          <a:ln>
+            <a:noFill/>
+          </a:ln>
+          <a:effectLst/>
+          <a:extLst>
+            <a:ext uri="{909E8E84-426E-40DD-AFC4-6F175D3DCCD1}">
+              <a14:hiddenFill xmlns:a14="http://schemas.microsoft.com/office/drawing/2010/main">
+                <a:solidFill>
+                  <a:schemeClr val="accent1"/>
+                </a:solidFill>
+              </a14:hiddenFill>
+            </a:ext>
+            <a:ext uri="{91240B29-F687-4F45-9708-019B960494DF}">
+              <a14:hiddenLine xmlns:a14="http://schemas.microsoft.com/office/drawing/2010/main" w="9525">
+                <a:solidFill>
+                  <a:schemeClr val="tx1"/>
+                </a:solidFill>
+                <a:miter lim="800000"/>
+                <a:headEnd/>
+                <a:tailEnd/>
+              </a14:hiddenLine>
+            </a:ext>
+            <a:ext uri="{AF507438-7753-43E0-B8FC-AC1667EBCBE1}">
+              <a14:hiddenEffects xmlns:a14="http://schemas.microsoft.com/office/drawing/2010/main">
+                <a:effectLst>
+                  <a:outerShdw dist="35921" dir="2700000" algn="ctr" rotWithShape="0">
+                    <a:schemeClr val="bg2"/>
+                  </a:outerShdw>
+                </a:effectLst>
+              </a14:hiddenEffects>
+            </a:ext>
+          </a:extLst>
+        </p:spPr>
+      </p:pic>
+    </p:spTree>
+    <p:extLst>
+      <p:ext uri="{BB962C8B-B14F-4D97-AF65-F5344CB8AC3E}">
+        <p14:creationId xmlns:p14="http://schemas.microsoft.com/office/powerpoint/2010/main" val="2565372207"/>
+      </p:ext>
+    </p:extLst>
+  </p:cSld>
+  <p:clrMapOvr>
+    <a:masterClrMapping/>
+  </p:clrMapOvr>
+</p:sld>
+</file>
+
+<file path=ppt/slides/slide85.xml><?xml version="1.0" encoding="utf-8"?>
+<p:sld xmlns:a="http://schemas.openxmlformats.org/drawingml/2006/main" xmlns:r="http://schemas.openxmlformats.org/officeDocument/2006/relationships" xmlns:p="http://schemas.openxmlformats.org/presentationml/2006/main">
+  <p:cSld>
+    <p:spTree>
+      <p:nvGrpSpPr>
+        <p:cNvPr id="1" name=""/>
+        <p:cNvGrpSpPr/>
+        <p:nvPr/>
+      </p:nvGrpSpPr>
+      <p:grpSpPr>
+        <a:xfrm>
+          <a:off x="0" y="0"/>
+          <a:ext cx="0" cy="0"/>
+          <a:chOff x="0" y="0"/>
+          <a:chExt cx="0" cy="0"/>
+        </a:xfrm>
+      </p:grpSpPr>
+      <p:sp>
+        <p:nvSpPr>
+          <p:cNvPr id="2" name="Title 1"/>
+          <p:cNvSpPr>
+            <a:spLocks noGrp="1"/>
+          </p:cNvSpPr>
+          <p:nvPr>
+            <p:ph type="title"/>
+          </p:nvPr>
+        </p:nvSpPr>
+        <p:spPr/>
+        <p:txBody>
+          <a:bodyPr/>
+          <a:lstStyle/>
+          <a:p>
+            <a:r>
+              <a:rPr lang="en-US" dirty="0"/>
+              <a:t>interface</a:t>
+            </a:r>
+          </a:p>
+        </p:txBody>
+      </p:sp>
+      <p:sp>
+        <p:nvSpPr>
+          <p:cNvPr id="3" name="Content Placeholder 2"/>
+          <p:cNvSpPr>
+            <a:spLocks noGrp="1"/>
+          </p:cNvSpPr>
+          <p:nvPr>
+            <p:ph idx="1"/>
+          </p:nvPr>
+        </p:nvSpPr>
+        <p:spPr/>
+        <p:txBody>
+          <a:bodyPr/>
+          <a:lstStyle/>
+          <a:p>
+            <a:pPr marL="0" indent="0">
+              <a:buNone/>
+            </a:pPr>
+            <a:r>
+              <a:rPr lang="en-US" dirty="0"/>
+              <a:t>An interface can be a member of a namespace or a class and can contain signatures of the following members: </a:t>
+            </a:r>
+          </a:p>
+          <a:p>
+            <a:r>
+              <a:rPr lang="en-US" dirty="0">
+                <a:hlinkClick r:id="rId2"/>
+              </a:rPr>
+              <a:t>Methods</a:t>
+            </a:r>
+            <a:r>
+              <a:rPr lang="en-US" dirty="0"/>
+              <a:t> </a:t>
+            </a:r>
+          </a:p>
+          <a:p>
+            <a:r>
+              <a:rPr lang="en-US" dirty="0">
+                <a:hlinkClick r:id="rId3"/>
+              </a:rPr>
+              <a:t>Properties</a:t>
+            </a:r>
+            <a:r>
+              <a:rPr lang="en-US" dirty="0"/>
+              <a:t> </a:t>
+            </a:r>
+          </a:p>
+          <a:p>
+            <a:r>
+              <a:rPr lang="en-US" dirty="0">
+                <a:hlinkClick r:id="rId4"/>
+              </a:rPr>
+              <a:t>Indexers</a:t>
+            </a:r>
+            <a:r>
+              <a:rPr lang="en-US" dirty="0"/>
+              <a:t> </a:t>
+            </a:r>
+          </a:p>
+          <a:p>
+            <a:r>
+              <a:rPr lang="en-US" dirty="0">
+                <a:hlinkClick r:id="rId5"/>
+              </a:rPr>
+              <a:t>Events</a:t>
+            </a:r>
+            <a:r>
+              <a:rPr lang="en-US" dirty="0"/>
+              <a:t> </a:t>
+            </a:r>
+          </a:p>
+          <a:p>
+            <a:endParaRPr lang="en-US" dirty="0"/>
+          </a:p>
+        </p:txBody>
+      </p:sp>
+      <p:sp>
+        <p:nvSpPr>
+          <p:cNvPr id="4" name="Footer Placeholder 3"/>
+          <p:cNvSpPr>
+            <a:spLocks noGrp="1"/>
+          </p:cNvSpPr>
+          <p:nvPr>
+            <p:ph type="ftr" sz="quarter" idx="11"/>
+          </p:nvPr>
+        </p:nvSpPr>
+        <p:spPr/>
+        <p:txBody>
+          <a:bodyPr/>
+          <a:lstStyle/>
+          <a:p>
+            <a:r>
+              <a:rPr lang="en-PH" dirty="0"/>
+              <a:t>https://docs.microsoft.com/en-us/dotnet/csharp/language-reference/keywords/interface</a:t>
+            </a:r>
+            <a:endParaRPr lang="en-PH" dirty="0"/>
+          </a:p>
+        </p:txBody>
+      </p:sp>
+    </p:spTree>
+    <p:extLst>
+      <p:ext uri="{BB962C8B-B14F-4D97-AF65-F5344CB8AC3E}">
+        <p14:creationId xmlns:p14="http://schemas.microsoft.com/office/powerpoint/2010/main" val="1611109935"/>
+      </p:ext>
+    </p:extLst>
+  </p:cSld>
+  <p:clrMapOvr>
+    <a:masterClrMapping/>
+  </p:clrMapOvr>
+</p:sld>
+</file>
+
+<file path=ppt/slides/slide86.xml><?xml version="1.0" encoding="utf-8"?>
+<p:sld xmlns:a="http://schemas.openxmlformats.org/drawingml/2006/main" xmlns:r="http://schemas.openxmlformats.org/officeDocument/2006/relationships" xmlns:p="http://schemas.openxmlformats.org/presentationml/2006/main">
+  <p:cSld>
+    <p:spTree>
+      <p:nvGrpSpPr>
+        <p:cNvPr id="1" name=""/>
+        <p:cNvGrpSpPr/>
+        <p:nvPr/>
+      </p:nvGrpSpPr>
+      <p:grpSpPr>
+        <a:xfrm>
+          <a:off x="0" y="0"/>
+          <a:ext cx="0" cy="0"/>
+          <a:chOff x="0" y="0"/>
+          <a:chExt cx="0" cy="0"/>
+        </a:xfrm>
+      </p:grpSpPr>
+      <p:sp>
+        <p:nvSpPr>
+          <p:cNvPr id="2" name="Title 1"/>
+          <p:cNvSpPr>
+            <a:spLocks noGrp="1"/>
+          </p:cNvSpPr>
+          <p:nvPr>
+            <p:ph type="title"/>
+          </p:nvPr>
+        </p:nvSpPr>
+        <p:spPr/>
+        <p:txBody>
+          <a:bodyPr/>
+          <a:lstStyle/>
+          <a:p>
+            <a:r>
+              <a:rPr lang="en-US" dirty="0"/>
+              <a:t>Exception </a:t>
+            </a:r>
+            <a:r>
+              <a:rPr lang="en-US" dirty="0" smtClean="0"/>
+              <a:t>Handling</a:t>
+            </a:r>
+            <a:endParaRPr lang="en-US" dirty="0"/>
+          </a:p>
+        </p:txBody>
+      </p:sp>
+      <p:sp>
+        <p:nvSpPr>
+          <p:cNvPr id="3" name="Content Placeholder 2"/>
+          <p:cNvSpPr>
+            <a:spLocks noGrp="1"/>
+          </p:cNvSpPr>
+          <p:nvPr>
+            <p:ph idx="1"/>
+          </p:nvPr>
+        </p:nvSpPr>
+        <p:spPr/>
+        <p:txBody>
+          <a:bodyPr/>
+          <a:lstStyle/>
+          <a:p>
+            <a:r>
+              <a:rPr lang="en-US" dirty="0"/>
+              <a:t>A </a:t>
+            </a:r>
+            <a:r>
+              <a:rPr lang="en-US" dirty="0">
+                <a:hlinkClick r:id="rId2"/>
+              </a:rPr>
+              <a:t>try</a:t>
+            </a:r>
+            <a:r>
+              <a:rPr lang="en-US" dirty="0"/>
+              <a:t> block is used by C# programmers to partition code that might be affected by an exception. Associated </a:t>
+            </a:r>
+            <a:r>
+              <a:rPr lang="en-US" dirty="0">
+                <a:hlinkClick r:id="rId2"/>
+              </a:rPr>
+              <a:t>catch</a:t>
+            </a:r>
+            <a:r>
+              <a:rPr lang="en-US" dirty="0"/>
+              <a:t> blocks are used to handle any resulting exceptions. A </a:t>
+            </a:r>
+            <a:r>
+              <a:rPr lang="en-US" dirty="0">
+                <a:hlinkClick r:id="rId3"/>
+              </a:rPr>
+              <a:t>finally</a:t>
+            </a:r>
+            <a:r>
+              <a:rPr lang="en-US" dirty="0"/>
+              <a:t> block contains code that is run regardless of whether or not an exception is thrown in the try block, such as releasing resources that are allocated in the try block. A try block requires one or more associated catch blocks, or a finally block, or both. + </a:t>
+            </a:r>
+          </a:p>
+          <a:p>
+            <a:r>
+              <a:rPr lang="en-US" dirty="0"/>
+              <a:t>The following examples show a try-catch statement, a try-finally statement, and a try-catch-finally statement. </a:t>
+            </a:r>
+          </a:p>
+        </p:txBody>
+      </p:sp>
+      <p:sp>
+        <p:nvSpPr>
+          <p:cNvPr id="4" name="Footer Placeholder 3"/>
+          <p:cNvSpPr>
+            <a:spLocks noGrp="1"/>
+          </p:cNvSpPr>
+          <p:nvPr>
+            <p:ph type="ftr" sz="quarter" idx="11"/>
+          </p:nvPr>
+        </p:nvSpPr>
+        <p:spPr/>
+        <p:txBody>
+          <a:bodyPr/>
+          <a:lstStyle/>
+          <a:p>
+            <a:r>
+              <a:rPr lang="en-PH" dirty="0"/>
+              <a:t>https://docs.microsoft.com/en-us/dotnet/csharp/programming-guide/exceptions/exception-handling</a:t>
+            </a:r>
+            <a:endParaRPr lang="en-PH" dirty="0"/>
+          </a:p>
+        </p:txBody>
+      </p:sp>
+    </p:spTree>
+    <p:extLst>
+      <p:ext uri="{BB962C8B-B14F-4D97-AF65-F5344CB8AC3E}">
+        <p14:creationId xmlns:p14="http://schemas.microsoft.com/office/powerpoint/2010/main" val="2565404955"/>
+      </p:ext>
+    </p:extLst>
+  </p:cSld>
+  <p:clrMapOvr>
+    <a:masterClrMapping/>
+  </p:clrMapOvr>
+</p:sld>
+</file>
+
+<file path=ppt/slides/slide87.xml><?xml version="1.0" encoding="utf-8"?>
+<p:sld xmlns:a="http://schemas.openxmlformats.org/drawingml/2006/main" xmlns:r="http://schemas.openxmlformats.org/officeDocument/2006/relationships" xmlns:p="http://schemas.openxmlformats.org/presentationml/2006/main">
+  <p:cSld>
+    <p:spTree>
+      <p:nvGrpSpPr>
+        <p:cNvPr id="1" name=""/>
+        <p:cNvGrpSpPr/>
+        <p:nvPr/>
+      </p:nvGrpSpPr>
+      <p:grpSpPr>
+        <a:xfrm>
+          <a:off x="0" y="0"/>
+          <a:ext cx="0" cy="0"/>
+          <a:chOff x="0" y="0"/>
+          <a:chExt cx="0" cy="0"/>
+        </a:xfrm>
+      </p:grpSpPr>
+      <p:sp>
+        <p:nvSpPr>
+          <p:cNvPr id="2" name="Title 1"/>
+          <p:cNvSpPr>
+            <a:spLocks noGrp="1"/>
+          </p:cNvSpPr>
+          <p:nvPr>
+            <p:ph type="title"/>
+          </p:nvPr>
+        </p:nvSpPr>
+        <p:spPr/>
+        <p:txBody>
+          <a:bodyPr/>
+          <a:lstStyle/>
+          <a:p>
+            <a:r>
+              <a:rPr lang="en-US" dirty="0"/>
+              <a:t>Exception </a:t>
+            </a:r>
+            <a:r>
+              <a:rPr lang="en-US" dirty="0" smtClean="0"/>
+              <a:t>Handling</a:t>
+            </a:r>
+            <a:endParaRPr lang="en-US" dirty="0"/>
+          </a:p>
+        </p:txBody>
+      </p:sp>
+      <p:sp>
+        <p:nvSpPr>
+          <p:cNvPr id="4" name="Footer Placeholder 3"/>
+          <p:cNvSpPr>
+            <a:spLocks noGrp="1"/>
+          </p:cNvSpPr>
+          <p:nvPr>
+            <p:ph type="ftr" sz="quarter" idx="11"/>
+          </p:nvPr>
+        </p:nvSpPr>
+        <p:spPr/>
+        <p:txBody>
+          <a:bodyPr/>
+          <a:lstStyle/>
+          <a:p>
+            <a:r>
+              <a:rPr lang="en-PH" dirty="0"/>
+              <a:t>https://docs.microsoft.com/en-us/dotnet/csharp/programming-guide/exceptions/exception-handling</a:t>
+            </a:r>
+            <a:endParaRPr lang="en-PH" dirty="0"/>
+          </a:p>
+        </p:txBody>
+      </p:sp>
+      <p:pic>
+        <p:nvPicPr>
+          <p:cNvPr id="16387" name="Picture 3"/>
+          <p:cNvPicPr>
+            <a:picLocks noGrp="1" noChangeAspect="1" noChangeArrowheads="1"/>
+          </p:cNvPicPr>
+          <p:nvPr>
+            <p:ph idx="1"/>
+          </p:nvPr>
+        </p:nvPicPr>
+        <p:blipFill>
+          <a:blip r:embed="rId2">
+            <a:extLst>
+              <a:ext uri="{28A0092B-C50C-407E-A947-70E740481C1C}">
+                <a14:useLocalDpi xmlns:a14="http://schemas.microsoft.com/office/drawing/2010/main" val="0"/>
+              </a:ext>
+            </a:extLst>
+          </a:blip>
+          <a:srcRect/>
+          <a:stretch>
+            <a:fillRect/>
+          </a:stretch>
+        </p:blipFill>
+        <p:spPr bwMode="auto">
+          <a:xfrm>
+            <a:off x="2209562" y="2232207"/>
+            <a:ext cx="5039429" cy="2257740"/>
+          </a:xfrm>
+          <a:prstGeom prst="rect">
+            <a:avLst/>
+          </a:prstGeom>
+          <a:noFill/>
+          <a:ln>
+            <a:noFill/>
+          </a:ln>
+          <a:effectLst/>
+          <a:extLst>
+            <a:ext uri="{909E8E84-426E-40DD-AFC4-6F175D3DCCD1}">
+              <a14:hiddenFill xmlns:a14="http://schemas.microsoft.com/office/drawing/2010/main">
+                <a:solidFill>
+                  <a:schemeClr val="accent1"/>
+                </a:solidFill>
+              </a14:hiddenFill>
+            </a:ext>
+            <a:ext uri="{91240B29-F687-4F45-9708-019B960494DF}">
+              <a14:hiddenLine xmlns:a14="http://schemas.microsoft.com/office/drawing/2010/main" w="9525">
+                <a:solidFill>
+                  <a:schemeClr val="tx1"/>
+                </a:solidFill>
+                <a:miter lim="800000"/>
+                <a:headEnd/>
+                <a:tailEnd/>
+              </a14:hiddenLine>
+            </a:ext>
+            <a:ext uri="{AF507438-7753-43E0-B8FC-AC1667EBCBE1}">
+              <a14:hiddenEffects xmlns:a14="http://schemas.microsoft.com/office/drawing/2010/main">
+                <a:effectLst>
+                  <a:outerShdw dist="35921" dir="2700000" algn="ctr" rotWithShape="0">
+                    <a:schemeClr val="bg2"/>
+                  </a:outerShdw>
+                </a:effectLst>
+              </a14:hiddenEffects>
+            </a:ext>
+          </a:extLst>
+        </p:spPr>
+      </p:pic>
+    </p:spTree>
+    <p:extLst>
+      <p:ext uri="{BB962C8B-B14F-4D97-AF65-F5344CB8AC3E}">
+        <p14:creationId xmlns:p14="http://schemas.microsoft.com/office/powerpoint/2010/main" val="2944426779"/>
+      </p:ext>
+    </p:extLst>
+  </p:cSld>
+  <p:clrMapOvr>
+    <a:masterClrMapping/>
+  </p:clrMapOvr>
+</p:sld>
+</file>
+
+<file path=ppt/slides/slide88.xml><?xml version="1.0" encoding="utf-8"?>
+<p:sld xmlns:a="http://schemas.openxmlformats.org/drawingml/2006/main" xmlns:r="http://schemas.openxmlformats.org/officeDocument/2006/relationships" xmlns:p="http://schemas.openxmlformats.org/presentationml/2006/main">
+  <p:cSld>
+    <p:spTree>
+      <p:nvGrpSpPr>
+        <p:cNvPr id="1" name=""/>
+        <p:cNvGrpSpPr/>
+        <p:nvPr/>
+      </p:nvGrpSpPr>
+      <p:grpSpPr>
+        <a:xfrm>
+          <a:off x="0" y="0"/>
+          <a:ext cx="0" cy="0"/>
+          <a:chOff x="0" y="0"/>
+          <a:chExt cx="0" cy="0"/>
+        </a:xfrm>
+      </p:grpSpPr>
+      <p:sp>
+        <p:nvSpPr>
+          <p:cNvPr id="2" name="Title 1"/>
+          <p:cNvSpPr>
+            <a:spLocks noGrp="1"/>
+          </p:cNvSpPr>
+          <p:nvPr>
+            <p:ph type="title"/>
+          </p:nvPr>
+        </p:nvSpPr>
+        <p:spPr/>
+        <p:txBody>
+          <a:bodyPr/>
+          <a:lstStyle/>
+          <a:p>
+            <a:r>
+              <a:rPr lang="en-US" dirty="0"/>
+              <a:t>Exception </a:t>
+            </a:r>
+            <a:r>
+              <a:rPr lang="en-US" dirty="0" smtClean="0"/>
+              <a:t>Handling</a:t>
+            </a:r>
+            <a:endParaRPr lang="en-US" dirty="0"/>
+          </a:p>
+        </p:txBody>
+      </p:sp>
+      <p:sp>
+        <p:nvSpPr>
+          <p:cNvPr id="4" name="Footer Placeholder 3"/>
+          <p:cNvSpPr>
+            <a:spLocks noGrp="1"/>
+          </p:cNvSpPr>
+          <p:nvPr>
+            <p:ph type="ftr" sz="quarter" idx="11"/>
+          </p:nvPr>
+        </p:nvSpPr>
+        <p:spPr/>
+        <p:txBody>
+          <a:bodyPr/>
+          <a:lstStyle/>
+          <a:p>
+            <a:r>
+              <a:rPr lang="en-PH" dirty="0"/>
+              <a:t>https://docs.microsoft.com/en-us/dotnet/csharp/programming-guide/exceptions/exception-handling</a:t>
+            </a:r>
+            <a:endParaRPr lang="en-PH" dirty="0"/>
+          </a:p>
+        </p:txBody>
+      </p:sp>
+      <p:pic>
+        <p:nvPicPr>
+          <p:cNvPr id="17411" name="Picture 3"/>
+          <p:cNvPicPr>
+            <a:picLocks noGrp="1" noChangeAspect="1" noChangeArrowheads="1"/>
+          </p:cNvPicPr>
+          <p:nvPr>
+            <p:ph idx="1"/>
+          </p:nvPr>
+        </p:nvPicPr>
+        <p:blipFill>
+          <a:blip r:embed="rId2">
+            <a:extLst>
+              <a:ext uri="{28A0092B-C50C-407E-A947-70E740481C1C}">
+                <a14:useLocalDpi xmlns:a14="http://schemas.microsoft.com/office/drawing/2010/main" val="0"/>
+              </a:ext>
+            </a:extLst>
+          </a:blip>
+          <a:srcRect/>
+          <a:stretch>
+            <a:fillRect/>
+          </a:stretch>
+        </p:blipFill>
+        <p:spPr bwMode="auto">
+          <a:xfrm>
+            <a:off x="2637305" y="3258226"/>
+            <a:ext cx="4677428" cy="1686160"/>
+          </a:xfrm>
+          <a:prstGeom prst="rect">
+            <a:avLst/>
+          </a:prstGeom>
+          <a:noFill/>
+          <a:ln>
+            <a:noFill/>
+          </a:ln>
+          <a:effectLst/>
+          <a:extLst>
+            <a:ext uri="{909E8E84-426E-40DD-AFC4-6F175D3DCCD1}">
+              <a14:hiddenFill xmlns:a14="http://schemas.microsoft.com/office/drawing/2010/main">
+                <a:solidFill>
+                  <a:schemeClr val="accent1"/>
+                </a:solidFill>
+              </a14:hiddenFill>
+            </a:ext>
+            <a:ext uri="{91240B29-F687-4F45-9708-019B960494DF}">
+              <a14:hiddenLine xmlns:a14="http://schemas.microsoft.com/office/drawing/2010/main" w="9525">
+                <a:solidFill>
+                  <a:schemeClr val="tx1"/>
+                </a:solidFill>
+                <a:miter lim="800000"/>
+                <a:headEnd/>
+                <a:tailEnd/>
+              </a14:hiddenLine>
+            </a:ext>
+            <a:ext uri="{AF507438-7753-43E0-B8FC-AC1667EBCBE1}">
+              <a14:hiddenEffects xmlns:a14="http://schemas.microsoft.com/office/drawing/2010/main">
+                <a:effectLst>
+                  <a:outerShdw dist="35921" dir="2700000" algn="ctr" rotWithShape="0">
+                    <a:schemeClr val="bg2"/>
+                  </a:outerShdw>
+                </a:effectLst>
+              </a14:hiddenEffects>
+            </a:ext>
+          </a:extLst>
+        </p:spPr>
+      </p:pic>
+    </p:spTree>
+    <p:extLst>
+      <p:ext uri="{BB962C8B-B14F-4D97-AF65-F5344CB8AC3E}">
+        <p14:creationId xmlns:p14="http://schemas.microsoft.com/office/powerpoint/2010/main" val="2993649801"/>
+      </p:ext>
+    </p:extLst>
+  </p:cSld>
+  <p:clrMapOvr>
+    <a:masterClrMapping/>
+  </p:clrMapOvr>
+</p:sld>
+</file>
+
+<file path=ppt/slides/slide89.xml><?xml version="1.0" encoding="utf-8"?>
+<p:sld xmlns:a="http://schemas.openxmlformats.org/drawingml/2006/main" xmlns:r="http://schemas.openxmlformats.org/officeDocument/2006/relationships" xmlns:p="http://schemas.openxmlformats.org/presentationml/2006/main">
+  <p:cSld>
+    <p:spTree>
+      <p:nvGrpSpPr>
+        <p:cNvPr id="1" name=""/>
+        <p:cNvGrpSpPr/>
+        <p:nvPr/>
+      </p:nvGrpSpPr>
+      <p:grpSpPr>
+        <a:xfrm>
+          <a:off x="0" y="0"/>
+          <a:ext cx="0" cy="0"/>
+          <a:chOff x="0" y="0"/>
+          <a:chExt cx="0" cy="0"/>
+        </a:xfrm>
+      </p:grpSpPr>
+      <p:sp>
+        <p:nvSpPr>
+          <p:cNvPr id="2" name="Title 1"/>
+          <p:cNvSpPr>
+            <a:spLocks noGrp="1"/>
+          </p:cNvSpPr>
+          <p:nvPr>
+            <p:ph type="title"/>
+          </p:nvPr>
+        </p:nvSpPr>
+        <p:spPr/>
+        <p:txBody>
+          <a:bodyPr/>
+          <a:lstStyle/>
+          <a:p>
+            <a:r>
+              <a:rPr lang="en-US" dirty="0"/>
+              <a:t>Exception </a:t>
+            </a:r>
+            <a:r>
+              <a:rPr lang="en-US" dirty="0" smtClean="0"/>
+              <a:t>Handling</a:t>
+            </a:r>
+            <a:endParaRPr lang="en-US" dirty="0"/>
+          </a:p>
+        </p:txBody>
+      </p:sp>
+      <p:sp>
+        <p:nvSpPr>
+          <p:cNvPr id="4" name="Footer Placeholder 3"/>
+          <p:cNvSpPr>
+            <a:spLocks noGrp="1"/>
+          </p:cNvSpPr>
+          <p:nvPr>
+            <p:ph type="ftr" sz="quarter" idx="11"/>
+          </p:nvPr>
+        </p:nvSpPr>
+        <p:spPr/>
+        <p:txBody>
+          <a:bodyPr/>
+          <a:lstStyle/>
+          <a:p>
+            <a:r>
+              <a:rPr lang="en-PH" dirty="0"/>
+              <a:t>https://docs.microsoft.com/en-us/dotnet/csharp/programming-guide/exceptions/exception-handling</a:t>
+            </a:r>
+            <a:endParaRPr lang="en-PH" dirty="0"/>
+          </a:p>
+        </p:txBody>
+      </p:sp>
+      <p:pic>
+        <p:nvPicPr>
+          <p:cNvPr id="18434" name="Picture 2"/>
+          <p:cNvPicPr>
+            <a:picLocks noGrp="1" noChangeAspect="1" noChangeArrowheads="1"/>
+          </p:cNvPicPr>
+          <p:nvPr>
+            <p:ph idx="1"/>
+          </p:nvPr>
+        </p:nvPicPr>
+        <p:blipFill>
+          <a:blip r:embed="rId2">
+            <a:extLst>
+              <a:ext uri="{28A0092B-C50C-407E-A947-70E740481C1C}">
+                <a14:useLocalDpi xmlns:a14="http://schemas.microsoft.com/office/drawing/2010/main" val="0"/>
+              </a:ext>
+            </a:extLst>
+          </a:blip>
+          <a:srcRect/>
+          <a:stretch>
+            <a:fillRect/>
+          </a:stretch>
+        </p:blipFill>
+        <p:spPr bwMode="auto">
+          <a:xfrm>
+            <a:off x="2118120" y="2791436"/>
+            <a:ext cx="5715798" cy="2619741"/>
+          </a:xfrm>
+          <a:prstGeom prst="rect">
+            <a:avLst/>
+          </a:prstGeom>
+          <a:noFill/>
+          <a:ln>
+            <a:noFill/>
+          </a:ln>
+          <a:effectLst/>
+          <a:extLst>
+            <a:ext uri="{909E8E84-426E-40DD-AFC4-6F175D3DCCD1}">
+              <a14:hiddenFill xmlns:a14="http://schemas.microsoft.com/office/drawing/2010/main">
+                <a:solidFill>
+                  <a:schemeClr val="accent1"/>
+                </a:solidFill>
+              </a14:hiddenFill>
+            </a:ext>
+            <a:ext uri="{91240B29-F687-4F45-9708-019B960494DF}">
+              <a14:hiddenLine xmlns:a14="http://schemas.microsoft.com/office/drawing/2010/main" w="9525">
+                <a:solidFill>
+                  <a:schemeClr val="tx1"/>
+                </a:solidFill>
+                <a:miter lim="800000"/>
+                <a:headEnd/>
+                <a:tailEnd/>
+              </a14:hiddenLine>
+            </a:ext>
+            <a:ext uri="{AF507438-7753-43E0-B8FC-AC1667EBCBE1}">
+              <a14:hiddenEffects xmlns:a14="http://schemas.microsoft.com/office/drawing/2010/main">
+                <a:effectLst>
+                  <a:outerShdw dist="35921" dir="2700000" algn="ctr" rotWithShape="0">
+                    <a:schemeClr val="bg2"/>
+                  </a:outerShdw>
+                </a:effectLst>
+              </a14:hiddenEffects>
+            </a:ext>
+          </a:extLst>
+        </p:spPr>
+      </p:pic>
+    </p:spTree>
+    <p:extLst>
+      <p:ext uri="{BB962C8B-B14F-4D97-AF65-F5344CB8AC3E}">
+        <p14:creationId xmlns:p14="http://schemas.microsoft.com/office/powerpoint/2010/main" val="3589842451"/>
+      </p:ext>
+    </p:extLst>
+  </p:cSld>
+  <p:clrMapOvr>
+    <a:masterClrMapping/>
+  </p:clrMapOvr>
 </p:sld>
 </file>
 
@@ -17191,6 +23524,1396 @@
       </p:par>
     </p:tnLst>
   </p:timing>
+</p:sld>
+</file>
+
+<file path=ppt/slides/slide90.xml><?xml version="1.0" encoding="utf-8"?>
+<p:sld xmlns:a="http://schemas.openxmlformats.org/drawingml/2006/main" xmlns:r="http://schemas.openxmlformats.org/officeDocument/2006/relationships" xmlns:p="http://schemas.openxmlformats.org/presentationml/2006/main">
+  <p:cSld>
+    <p:spTree>
+      <p:nvGrpSpPr>
+        <p:cNvPr id="1" name=""/>
+        <p:cNvGrpSpPr/>
+        <p:nvPr/>
+      </p:nvGrpSpPr>
+      <p:grpSpPr>
+        <a:xfrm>
+          <a:off x="0" y="0"/>
+          <a:ext cx="0" cy="0"/>
+          <a:chOff x="0" y="0"/>
+          <a:chExt cx="0" cy="0"/>
+        </a:xfrm>
+      </p:grpSpPr>
+      <p:sp>
+        <p:nvSpPr>
+          <p:cNvPr id="2" name="Title 1"/>
+          <p:cNvSpPr>
+            <a:spLocks noGrp="1"/>
+          </p:cNvSpPr>
+          <p:nvPr>
+            <p:ph type="title"/>
+          </p:nvPr>
+        </p:nvSpPr>
+        <p:spPr/>
+        <p:txBody>
+          <a:bodyPr/>
+          <a:lstStyle/>
+          <a:p>
+            <a:r>
+              <a:rPr lang="en-US" dirty="0"/>
+              <a:t>Catch Blocks</a:t>
+            </a:r>
+          </a:p>
+        </p:txBody>
+      </p:sp>
+      <p:sp>
+        <p:nvSpPr>
+          <p:cNvPr id="4" name="Footer Placeholder 3"/>
+          <p:cNvSpPr>
+            <a:spLocks noGrp="1"/>
+          </p:cNvSpPr>
+          <p:nvPr>
+            <p:ph type="ftr" sz="quarter" idx="11"/>
+          </p:nvPr>
+        </p:nvSpPr>
+        <p:spPr/>
+        <p:txBody>
+          <a:bodyPr/>
+          <a:lstStyle/>
+          <a:p>
+            <a:r>
+              <a:rPr lang="en-PH" dirty="0"/>
+              <a:t>https://docs.microsoft.com/en-us/dotnet/csharp/programming-guide/exceptions/exception-handling</a:t>
+            </a:r>
+            <a:endParaRPr lang="en-PH" dirty="0"/>
+          </a:p>
+        </p:txBody>
+      </p:sp>
+      <p:sp>
+        <p:nvSpPr>
+          <p:cNvPr id="3" name="Content Placeholder 2"/>
+          <p:cNvSpPr>
+            <a:spLocks noGrp="1"/>
+          </p:cNvSpPr>
+          <p:nvPr>
+            <p:ph idx="1"/>
+          </p:nvPr>
+        </p:nvSpPr>
+        <p:spPr/>
+        <p:txBody>
+          <a:bodyPr/>
+          <a:lstStyle/>
+          <a:p>
+            <a:r>
+              <a:rPr lang="en-US" dirty="0"/>
+              <a:t>A catch block can specify the type of exception to catch. The type specification is called an </a:t>
+            </a:r>
+            <a:r>
+              <a:rPr lang="en-US" i="1" dirty="0"/>
+              <a:t>exception filter</a:t>
+            </a:r>
+            <a:r>
+              <a:rPr lang="en-US" dirty="0"/>
+              <a:t>. The exception type should be derived from </a:t>
+            </a:r>
+            <a:r>
+              <a:rPr lang="en-US" dirty="0">
+                <a:hlinkClick r:id="rId2"/>
+              </a:rPr>
+              <a:t>Exception</a:t>
+            </a:r>
+            <a:r>
+              <a:rPr lang="en-US" dirty="0" smtClean="0"/>
+              <a:t>.</a:t>
+            </a:r>
+          </a:p>
+          <a:p>
+            <a:r>
+              <a:rPr lang="en-US" dirty="0" smtClean="0"/>
+              <a:t>In </a:t>
+            </a:r>
+            <a:r>
+              <a:rPr lang="en-US" dirty="0"/>
+              <a:t>general, do not specify </a:t>
+            </a:r>
+            <a:r>
+              <a:rPr lang="en-US" dirty="0">
+                <a:hlinkClick r:id="rId2"/>
+              </a:rPr>
+              <a:t>Exception</a:t>
+            </a:r>
+            <a:r>
+              <a:rPr lang="en-US" dirty="0"/>
+              <a:t> as the exception filter unless either you know how to handle all exceptions that might be thrown in the try block, or you have included a </a:t>
+            </a:r>
+            <a:r>
+              <a:rPr lang="en-US" dirty="0">
+                <a:hlinkClick r:id="rId3"/>
+              </a:rPr>
+              <a:t>throw</a:t>
+            </a:r>
+            <a:r>
+              <a:rPr lang="en-US" dirty="0"/>
+              <a:t> statement at the end of your catch block.</a:t>
+            </a:r>
+          </a:p>
+        </p:txBody>
+      </p:sp>
+    </p:spTree>
+    <p:extLst>
+      <p:ext uri="{BB962C8B-B14F-4D97-AF65-F5344CB8AC3E}">
+        <p14:creationId xmlns:p14="http://schemas.microsoft.com/office/powerpoint/2010/main" val="3333375873"/>
+      </p:ext>
+    </p:extLst>
+  </p:cSld>
+  <p:clrMapOvr>
+    <a:masterClrMapping/>
+  </p:clrMapOvr>
+</p:sld>
+</file>
+
+<file path=ppt/slides/slide91.xml><?xml version="1.0" encoding="utf-8"?>
+<p:sld xmlns:a="http://schemas.openxmlformats.org/drawingml/2006/main" xmlns:r="http://schemas.openxmlformats.org/officeDocument/2006/relationships" xmlns:p="http://schemas.openxmlformats.org/presentationml/2006/main">
+  <p:cSld>
+    <p:spTree>
+      <p:nvGrpSpPr>
+        <p:cNvPr id="1" name=""/>
+        <p:cNvGrpSpPr/>
+        <p:nvPr/>
+      </p:nvGrpSpPr>
+      <p:grpSpPr>
+        <a:xfrm>
+          <a:off x="0" y="0"/>
+          <a:ext cx="0" cy="0"/>
+          <a:chOff x="0" y="0"/>
+          <a:chExt cx="0" cy="0"/>
+        </a:xfrm>
+      </p:grpSpPr>
+      <p:sp>
+        <p:nvSpPr>
+          <p:cNvPr id="2" name="Title 1"/>
+          <p:cNvSpPr>
+            <a:spLocks noGrp="1"/>
+          </p:cNvSpPr>
+          <p:nvPr>
+            <p:ph type="title"/>
+          </p:nvPr>
+        </p:nvSpPr>
+        <p:spPr/>
+        <p:txBody>
+          <a:bodyPr/>
+          <a:lstStyle/>
+          <a:p>
+            <a:r>
+              <a:rPr lang="en-US" dirty="0"/>
+              <a:t>Catch Blocks</a:t>
+            </a:r>
+          </a:p>
+        </p:txBody>
+      </p:sp>
+      <p:sp>
+        <p:nvSpPr>
+          <p:cNvPr id="4" name="Footer Placeholder 3"/>
+          <p:cNvSpPr>
+            <a:spLocks noGrp="1"/>
+          </p:cNvSpPr>
+          <p:nvPr>
+            <p:ph type="ftr" sz="quarter" idx="11"/>
+          </p:nvPr>
+        </p:nvSpPr>
+        <p:spPr/>
+        <p:txBody>
+          <a:bodyPr/>
+          <a:lstStyle/>
+          <a:p>
+            <a:r>
+              <a:rPr lang="en-PH" dirty="0"/>
+              <a:t>https://docs.microsoft.com/en-us/dotnet/csharp/programming-guide/exceptions/exception-handling</a:t>
+            </a:r>
+            <a:endParaRPr lang="en-PH" dirty="0"/>
+          </a:p>
+        </p:txBody>
+      </p:sp>
+      <p:sp>
+        <p:nvSpPr>
+          <p:cNvPr id="3" name="Content Placeholder 2"/>
+          <p:cNvSpPr>
+            <a:spLocks noGrp="1"/>
+          </p:cNvSpPr>
+          <p:nvPr>
+            <p:ph idx="1"/>
+          </p:nvPr>
+        </p:nvSpPr>
+        <p:spPr/>
+        <p:txBody>
+          <a:bodyPr/>
+          <a:lstStyle/>
+          <a:p>
+            <a:r>
+              <a:rPr lang="en-US" dirty="0"/>
+              <a:t>Multiple catch blocks with different exception filters can be chained together. The catch blocks are evaluated from top to bottom in your code, but only one catch block is executed for each exception that is thrown. </a:t>
+            </a:r>
+            <a:endParaRPr lang="en-US" dirty="0" smtClean="0"/>
+          </a:p>
+          <a:p>
+            <a:r>
+              <a:rPr lang="en-US" dirty="0" smtClean="0"/>
+              <a:t>The </a:t>
+            </a:r>
+            <a:r>
+              <a:rPr lang="en-US" dirty="0"/>
+              <a:t>first catch block that specifies the exact type or a base class of the thrown exception is executed</a:t>
+            </a:r>
+            <a:r>
+              <a:rPr lang="en-US" dirty="0" smtClean="0"/>
+              <a:t>.</a:t>
+            </a:r>
+          </a:p>
+          <a:p>
+            <a:r>
+              <a:rPr lang="en-US" dirty="0" smtClean="0"/>
+              <a:t>If </a:t>
+            </a:r>
+            <a:r>
+              <a:rPr lang="en-US" dirty="0"/>
+              <a:t>no catch block specifies a matching exception filter, a catch block that does not have a filter is selected, if one is present in the statement. It is important to position catch blocks with the most specific (that is, the most derived) exception types first.</a:t>
+            </a:r>
+          </a:p>
+        </p:txBody>
+      </p:sp>
+    </p:spTree>
+    <p:extLst>
+      <p:ext uri="{BB962C8B-B14F-4D97-AF65-F5344CB8AC3E}">
+        <p14:creationId xmlns:p14="http://schemas.microsoft.com/office/powerpoint/2010/main" val="2763622896"/>
+      </p:ext>
+    </p:extLst>
+  </p:cSld>
+  <p:clrMapOvr>
+    <a:masterClrMapping/>
+  </p:clrMapOvr>
+</p:sld>
+</file>
+
+<file path=ppt/slides/slide92.xml><?xml version="1.0" encoding="utf-8"?>
+<p:sld xmlns:a="http://schemas.openxmlformats.org/drawingml/2006/main" xmlns:r="http://schemas.openxmlformats.org/officeDocument/2006/relationships" xmlns:p="http://schemas.openxmlformats.org/presentationml/2006/main">
+  <p:cSld>
+    <p:spTree>
+      <p:nvGrpSpPr>
+        <p:cNvPr id="1" name=""/>
+        <p:cNvGrpSpPr/>
+        <p:nvPr/>
+      </p:nvGrpSpPr>
+      <p:grpSpPr>
+        <a:xfrm>
+          <a:off x="0" y="0"/>
+          <a:ext cx="0" cy="0"/>
+          <a:chOff x="0" y="0"/>
+          <a:chExt cx="0" cy="0"/>
+        </a:xfrm>
+      </p:grpSpPr>
+      <p:sp>
+        <p:nvSpPr>
+          <p:cNvPr id="2" name="Title 1"/>
+          <p:cNvSpPr>
+            <a:spLocks noGrp="1"/>
+          </p:cNvSpPr>
+          <p:nvPr>
+            <p:ph type="title"/>
+          </p:nvPr>
+        </p:nvSpPr>
+        <p:spPr/>
+        <p:txBody>
+          <a:bodyPr/>
+          <a:lstStyle/>
+          <a:p>
+            <a:r>
+              <a:rPr lang="en-US" dirty="0"/>
+              <a:t>Catch Blocks</a:t>
+            </a:r>
+          </a:p>
+        </p:txBody>
+      </p:sp>
+      <p:sp>
+        <p:nvSpPr>
+          <p:cNvPr id="4" name="Footer Placeholder 3"/>
+          <p:cNvSpPr>
+            <a:spLocks noGrp="1"/>
+          </p:cNvSpPr>
+          <p:nvPr>
+            <p:ph type="ftr" sz="quarter" idx="11"/>
+          </p:nvPr>
+        </p:nvSpPr>
+        <p:spPr/>
+        <p:txBody>
+          <a:bodyPr/>
+          <a:lstStyle/>
+          <a:p>
+            <a:r>
+              <a:rPr lang="en-PH" dirty="0"/>
+              <a:t>https://docs.microsoft.com/en-us/dotnet/csharp/programming-guide/exceptions/exception-handling</a:t>
+            </a:r>
+            <a:endParaRPr lang="en-PH" dirty="0"/>
+          </a:p>
+        </p:txBody>
+      </p:sp>
+      <p:pic>
+        <p:nvPicPr>
+          <p:cNvPr id="19458" name="Picture 2"/>
+          <p:cNvPicPr>
+            <a:picLocks noGrp="1" noChangeAspect="1" noChangeArrowheads="1"/>
+          </p:cNvPicPr>
+          <p:nvPr>
+            <p:ph idx="1"/>
+          </p:nvPr>
+        </p:nvPicPr>
+        <p:blipFill>
+          <a:blip r:embed="rId2">
+            <a:extLst>
+              <a:ext uri="{28A0092B-C50C-407E-A947-70E740481C1C}">
+                <a14:useLocalDpi xmlns:a14="http://schemas.microsoft.com/office/drawing/2010/main" val="0"/>
+              </a:ext>
+            </a:extLst>
+          </a:blip>
+          <a:srcRect/>
+          <a:stretch>
+            <a:fillRect/>
+          </a:stretch>
+        </p:blipFill>
+        <p:spPr bwMode="auto">
+          <a:xfrm>
+            <a:off x="2665884" y="2867646"/>
+            <a:ext cx="4620270" cy="2467320"/>
+          </a:xfrm>
+          <a:prstGeom prst="rect">
+            <a:avLst/>
+          </a:prstGeom>
+          <a:noFill/>
+          <a:ln>
+            <a:noFill/>
+          </a:ln>
+          <a:effectLst/>
+          <a:extLst>
+            <a:ext uri="{909E8E84-426E-40DD-AFC4-6F175D3DCCD1}">
+              <a14:hiddenFill xmlns:a14="http://schemas.microsoft.com/office/drawing/2010/main">
+                <a:solidFill>
+                  <a:schemeClr val="accent1"/>
+                </a:solidFill>
+              </a14:hiddenFill>
+            </a:ext>
+            <a:ext uri="{91240B29-F687-4F45-9708-019B960494DF}">
+              <a14:hiddenLine xmlns:a14="http://schemas.microsoft.com/office/drawing/2010/main" w="9525">
+                <a:solidFill>
+                  <a:schemeClr val="tx1"/>
+                </a:solidFill>
+                <a:miter lim="800000"/>
+                <a:headEnd/>
+                <a:tailEnd/>
+              </a14:hiddenLine>
+            </a:ext>
+            <a:ext uri="{AF507438-7753-43E0-B8FC-AC1667EBCBE1}">
+              <a14:hiddenEffects xmlns:a14="http://schemas.microsoft.com/office/drawing/2010/main">
+                <a:effectLst>
+                  <a:outerShdw dist="35921" dir="2700000" algn="ctr" rotWithShape="0">
+                    <a:schemeClr val="bg2"/>
+                  </a:outerShdw>
+                </a:effectLst>
+              </a14:hiddenEffects>
+            </a:ext>
+          </a:extLst>
+        </p:spPr>
+      </p:pic>
+    </p:spTree>
+    <p:extLst>
+      <p:ext uri="{BB962C8B-B14F-4D97-AF65-F5344CB8AC3E}">
+        <p14:creationId xmlns:p14="http://schemas.microsoft.com/office/powerpoint/2010/main" val="3951602618"/>
+      </p:ext>
+    </p:extLst>
+  </p:cSld>
+  <p:clrMapOvr>
+    <a:masterClrMapping/>
+  </p:clrMapOvr>
+</p:sld>
+</file>
+
+<file path=ppt/slides/slide93.xml><?xml version="1.0" encoding="utf-8"?>
+<p:sld xmlns:a="http://schemas.openxmlformats.org/drawingml/2006/main" xmlns:r="http://schemas.openxmlformats.org/officeDocument/2006/relationships" xmlns:p="http://schemas.openxmlformats.org/presentationml/2006/main">
+  <p:cSld>
+    <p:spTree>
+      <p:nvGrpSpPr>
+        <p:cNvPr id="1" name=""/>
+        <p:cNvGrpSpPr/>
+        <p:nvPr/>
+      </p:nvGrpSpPr>
+      <p:grpSpPr>
+        <a:xfrm>
+          <a:off x="0" y="0"/>
+          <a:ext cx="0" cy="0"/>
+          <a:chOff x="0" y="0"/>
+          <a:chExt cx="0" cy="0"/>
+        </a:xfrm>
+      </p:grpSpPr>
+      <p:sp>
+        <p:nvSpPr>
+          <p:cNvPr id="2" name="Title 1"/>
+          <p:cNvSpPr>
+            <a:spLocks noGrp="1"/>
+          </p:cNvSpPr>
+          <p:nvPr>
+            <p:ph type="title"/>
+          </p:nvPr>
+        </p:nvSpPr>
+        <p:spPr/>
+        <p:txBody>
+          <a:bodyPr/>
+          <a:lstStyle/>
+          <a:p>
+            <a:r>
+              <a:rPr lang="en-US" dirty="0"/>
+              <a:t>Finally Blocks</a:t>
+            </a:r>
+          </a:p>
+        </p:txBody>
+      </p:sp>
+      <p:sp>
+        <p:nvSpPr>
+          <p:cNvPr id="4" name="Footer Placeholder 3"/>
+          <p:cNvSpPr>
+            <a:spLocks noGrp="1"/>
+          </p:cNvSpPr>
+          <p:nvPr>
+            <p:ph type="ftr" sz="quarter" idx="11"/>
+          </p:nvPr>
+        </p:nvSpPr>
+        <p:spPr/>
+        <p:txBody>
+          <a:bodyPr/>
+          <a:lstStyle/>
+          <a:p>
+            <a:r>
+              <a:rPr lang="en-PH" dirty="0"/>
+              <a:t>https://docs.microsoft.com/en-us/dotnet/csharp/programming-guide/exceptions/exception-handling</a:t>
+            </a:r>
+            <a:endParaRPr lang="en-PH" dirty="0"/>
+          </a:p>
+        </p:txBody>
+      </p:sp>
+      <p:sp>
+        <p:nvSpPr>
+          <p:cNvPr id="3" name="Content Placeholder 2"/>
+          <p:cNvSpPr>
+            <a:spLocks noGrp="1"/>
+          </p:cNvSpPr>
+          <p:nvPr>
+            <p:ph idx="1"/>
+          </p:nvPr>
+        </p:nvSpPr>
+        <p:spPr/>
+        <p:txBody>
+          <a:bodyPr/>
+          <a:lstStyle/>
+          <a:p>
+            <a:r>
+              <a:rPr lang="en-US" dirty="0"/>
+              <a:t>A finally block enables you to clean up actions that are performed in a try </a:t>
+            </a:r>
+            <a:r>
+              <a:rPr lang="en-US" dirty="0" smtClean="0"/>
+              <a:t>block.</a:t>
+            </a:r>
+          </a:p>
+          <a:p>
+            <a:r>
+              <a:rPr lang="en-US" dirty="0" smtClean="0"/>
+              <a:t>If </a:t>
+            </a:r>
+            <a:r>
+              <a:rPr lang="en-US" dirty="0"/>
+              <a:t>present, the finally block executes last, after the try block and any matched catch block. </a:t>
+            </a:r>
+            <a:endParaRPr lang="en-US" dirty="0" smtClean="0"/>
+          </a:p>
+          <a:p>
+            <a:r>
+              <a:rPr lang="en-US" dirty="0" smtClean="0"/>
+              <a:t>A </a:t>
+            </a:r>
+            <a:r>
+              <a:rPr lang="en-US" dirty="0"/>
+              <a:t>finally block always runs, regardless of whether an exception is thrown or a catch block matching the exception type is found</a:t>
+            </a:r>
+            <a:r>
+              <a:rPr lang="en-US" dirty="0" smtClean="0"/>
+              <a:t>.</a:t>
+            </a:r>
+          </a:p>
+          <a:p>
+            <a:r>
+              <a:rPr lang="en-US" dirty="0"/>
+              <a:t>The finally block can be used to release resources such as file streams, database connections, and graphics handles without waiting for the garbage collector in the runtime to finalize the objects.</a:t>
+            </a:r>
+          </a:p>
+        </p:txBody>
+      </p:sp>
+    </p:spTree>
+    <p:extLst>
+      <p:ext uri="{BB962C8B-B14F-4D97-AF65-F5344CB8AC3E}">
+        <p14:creationId xmlns:p14="http://schemas.microsoft.com/office/powerpoint/2010/main" val="1110910894"/>
+      </p:ext>
+    </p:extLst>
+  </p:cSld>
+  <p:clrMapOvr>
+    <a:masterClrMapping/>
+  </p:clrMapOvr>
+</p:sld>
+</file>
+
+<file path=ppt/slides/slide94.xml><?xml version="1.0" encoding="utf-8"?>
+<p:sld xmlns:a="http://schemas.openxmlformats.org/drawingml/2006/main" xmlns:r="http://schemas.openxmlformats.org/officeDocument/2006/relationships" xmlns:p="http://schemas.openxmlformats.org/presentationml/2006/main">
+  <p:cSld>
+    <p:spTree>
+      <p:nvGrpSpPr>
+        <p:cNvPr id="1" name=""/>
+        <p:cNvGrpSpPr/>
+        <p:nvPr/>
+      </p:nvGrpSpPr>
+      <p:grpSpPr>
+        <a:xfrm>
+          <a:off x="0" y="0"/>
+          <a:ext cx="0" cy="0"/>
+          <a:chOff x="0" y="0"/>
+          <a:chExt cx="0" cy="0"/>
+        </a:xfrm>
+      </p:grpSpPr>
+      <p:sp>
+        <p:nvSpPr>
+          <p:cNvPr id="2" name="Title 1"/>
+          <p:cNvSpPr>
+            <a:spLocks noGrp="1"/>
+          </p:cNvSpPr>
+          <p:nvPr>
+            <p:ph type="title"/>
+          </p:nvPr>
+        </p:nvSpPr>
+        <p:spPr/>
+        <p:txBody>
+          <a:bodyPr/>
+          <a:lstStyle/>
+          <a:p>
+            <a:r>
+              <a:rPr lang="en-US" dirty="0"/>
+              <a:t>Finally Blocks</a:t>
+            </a:r>
+          </a:p>
+        </p:txBody>
+      </p:sp>
+      <p:sp>
+        <p:nvSpPr>
+          <p:cNvPr id="4" name="Footer Placeholder 3"/>
+          <p:cNvSpPr>
+            <a:spLocks noGrp="1"/>
+          </p:cNvSpPr>
+          <p:nvPr>
+            <p:ph type="ftr" sz="quarter" idx="11"/>
+          </p:nvPr>
+        </p:nvSpPr>
+        <p:spPr/>
+        <p:txBody>
+          <a:bodyPr/>
+          <a:lstStyle/>
+          <a:p>
+            <a:r>
+              <a:rPr lang="en-PH" dirty="0"/>
+              <a:t>https://docs.microsoft.com/en-us/dotnet/csharp/programming-guide/exceptions/exception-handling</a:t>
+            </a:r>
+            <a:endParaRPr lang="en-PH" dirty="0"/>
+          </a:p>
+        </p:txBody>
+      </p:sp>
+      <p:pic>
+        <p:nvPicPr>
+          <p:cNvPr id="20482" name="Picture 2"/>
+          <p:cNvPicPr>
+            <a:picLocks noGrp="1" noChangeAspect="1" noChangeArrowheads="1"/>
+          </p:cNvPicPr>
+          <p:nvPr>
+            <p:ph idx="1"/>
+          </p:nvPr>
+        </p:nvPicPr>
+        <p:blipFill>
+          <a:blip r:embed="rId2">
+            <a:extLst>
+              <a:ext uri="{28A0092B-C50C-407E-A947-70E740481C1C}">
+                <a14:useLocalDpi xmlns:a14="http://schemas.microsoft.com/office/drawing/2010/main" val="0"/>
+              </a:ext>
+            </a:extLst>
+          </a:blip>
+          <a:srcRect/>
+          <a:stretch>
+            <a:fillRect/>
+          </a:stretch>
+        </p:blipFill>
+        <p:spPr bwMode="auto">
+          <a:xfrm>
+            <a:off x="2041909" y="2591383"/>
+            <a:ext cx="5868219" cy="3019847"/>
+          </a:xfrm>
+          <a:prstGeom prst="rect">
+            <a:avLst/>
+          </a:prstGeom>
+          <a:noFill/>
+          <a:ln>
+            <a:noFill/>
+          </a:ln>
+          <a:effectLst/>
+          <a:extLst>
+            <a:ext uri="{909E8E84-426E-40DD-AFC4-6F175D3DCCD1}">
+              <a14:hiddenFill xmlns:a14="http://schemas.microsoft.com/office/drawing/2010/main">
+                <a:solidFill>
+                  <a:schemeClr val="accent1"/>
+                </a:solidFill>
+              </a14:hiddenFill>
+            </a:ext>
+            <a:ext uri="{91240B29-F687-4F45-9708-019B960494DF}">
+              <a14:hiddenLine xmlns:a14="http://schemas.microsoft.com/office/drawing/2010/main" w="9525">
+                <a:solidFill>
+                  <a:schemeClr val="tx1"/>
+                </a:solidFill>
+                <a:miter lim="800000"/>
+                <a:headEnd/>
+                <a:tailEnd/>
+              </a14:hiddenLine>
+            </a:ext>
+            <a:ext uri="{AF507438-7753-43E0-B8FC-AC1667EBCBE1}">
+              <a14:hiddenEffects xmlns:a14="http://schemas.microsoft.com/office/drawing/2010/main">
+                <a:effectLst>
+                  <a:outerShdw dist="35921" dir="2700000" algn="ctr" rotWithShape="0">
+                    <a:schemeClr val="bg2"/>
+                  </a:outerShdw>
+                </a:effectLst>
+              </a14:hiddenEffects>
+            </a:ext>
+          </a:extLst>
+        </p:spPr>
+      </p:pic>
+    </p:spTree>
+    <p:extLst>
+      <p:ext uri="{BB962C8B-B14F-4D97-AF65-F5344CB8AC3E}">
+        <p14:creationId xmlns:p14="http://schemas.microsoft.com/office/powerpoint/2010/main" val="1007738261"/>
+      </p:ext>
+    </p:extLst>
+  </p:cSld>
+  <p:clrMapOvr>
+    <a:masterClrMapping/>
+  </p:clrMapOvr>
+</p:sld>
+</file>
+
+<file path=ppt/slides/slide95.xml><?xml version="1.0" encoding="utf-8"?>
+<p:sld xmlns:a="http://schemas.openxmlformats.org/drawingml/2006/main" xmlns:r="http://schemas.openxmlformats.org/officeDocument/2006/relationships" xmlns:p="http://schemas.openxmlformats.org/presentationml/2006/main">
+  <p:cSld>
+    <p:spTree>
+      <p:nvGrpSpPr>
+        <p:cNvPr id="1" name=""/>
+        <p:cNvGrpSpPr/>
+        <p:nvPr/>
+      </p:nvGrpSpPr>
+      <p:grpSpPr>
+        <a:xfrm>
+          <a:off x="0" y="0"/>
+          <a:ext cx="0" cy="0"/>
+          <a:chOff x="0" y="0"/>
+          <a:chExt cx="0" cy="0"/>
+        </a:xfrm>
+      </p:grpSpPr>
+      <p:sp>
+        <p:nvSpPr>
+          <p:cNvPr id="2" name="Title 1"/>
+          <p:cNvSpPr>
+            <a:spLocks noGrp="1"/>
+          </p:cNvSpPr>
+          <p:nvPr>
+            <p:ph type="title"/>
+          </p:nvPr>
+        </p:nvSpPr>
+        <p:spPr/>
+        <p:txBody>
+          <a:bodyPr/>
+          <a:lstStyle/>
+          <a:p>
+            <a:r>
+              <a:rPr lang="en-US" dirty="0"/>
+              <a:t>Delegates</a:t>
+            </a:r>
+          </a:p>
+        </p:txBody>
+      </p:sp>
+      <p:sp>
+        <p:nvSpPr>
+          <p:cNvPr id="4" name="Footer Placeholder 3"/>
+          <p:cNvSpPr>
+            <a:spLocks noGrp="1"/>
+          </p:cNvSpPr>
+          <p:nvPr>
+            <p:ph type="ftr" sz="quarter" idx="11"/>
+          </p:nvPr>
+        </p:nvSpPr>
+        <p:spPr/>
+        <p:txBody>
+          <a:bodyPr/>
+          <a:lstStyle/>
+          <a:p>
+            <a:r>
+              <a:rPr lang="en-PH" dirty="0"/>
+              <a:t>https://docs.microsoft.com/en-us/dotnet/csharp/programming-guide/delegates/</a:t>
+            </a:r>
+            <a:endParaRPr lang="en-PH" dirty="0"/>
+          </a:p>
+        </p:txBody>
+      </p:sp>
+      <p:sp>
+        <p:nvSpPr>
+          <p:cNvPr id="3" name="Content Placeholder 2"/>
+          <p:cNvSpPr>
+            <a:spLocks noGrp="1"/>
+          </p:cNvSpPr>
+          <p:nvPr>
+            <p:ph idx="1"/>
+          </p:nvPr>
+        </p:nvSpPr>
+        <p:spPr/>
+        <p:txBody>
+          <a:bodyPr/>
+          <a:lstStyle/>
+          <a:p>
+            <a:r>
+              <a:rPr lang="en-US" dirty="0"/>
+              <a:t>A </a:t>
+            </a:r>
+            <a:r>
+              <a:rPr lang="en-US" dirty="0">
+                <a:hlinkClick r:id="rId2"/>
+              </a:rPr>
+              <a:t>delegate</a:t>
+            </a:r>
+            <a:r>
+              <a:rPr lang="en-US" dirty="0"/>
+              <a:t> is a type that represents references to methods with a particular parameter list and return type. </a:t>
+            </a:r>
+            <a:endParaRPr lang="en-US" dirty="0" smtClean="0"/>
+          </a:p>
+          <a:p>
+            <a:r>
+              <a:rPr lang="en-US" dirty="0" smtClean="0"/>
+              <a:t>When </a:t>
+            </a:r>
+            <a:r>
+              <a:rPr lang="en-US" dirty="0"/>
+              <a:t>you instantiate a delegate, you can associate its instance with any method with a compatible signature and return type. </a:t>
+            </a:r>
+            <a:endParaRPr lang="en-US" dirty="0" smtClean="0"/>
+          </a:p>
+          <a:p>
+            <a:r>
+              <a:rPr lang="en-US" dirty="0" smtClean="0"/>
+              <a:t>You </a:t>
+            </a:r>
+            <a:r>
+              <a:rPr lang="en-US" dirty="0"/>
+              <a:t>can invoke (or call) the method through the delegate instance.</a:t>
+            </a:r>
+          </a:p>
+        </p:txBody>
+      </p:sp>
+    </p:spTree>
+    <p:extLst>
+      <p:ext uri="{BB962C8B-B14F-4D97-AF65-F5344CB8AC3E}">
+        <p14:creationId xmlns:p14="http://schemas.microsoft.com/office/powerpoint/2010/main" val="2745627490"/>
+      </p:ext>
+    </p:extLst>
+  </p:cSld>
+  <p:clrMapOvr>
+    <a:masterClrMapping/>
+  </p:clrMapOvr>
+</p:sld>
+</file>
+
+<file path=ppt/slides/slide96.xml><?xml version="1.0" encoding="utf-8"?>
+<p:sld xmlns:a="http://schemas.openxmlformats.org/drawingml/2006/main" xmlns:r="http://schemas.openxmlformats.org/officeDocument/2006/relationships" xmlns:p="http://schemas.openxmlformats.org/presentationml/2006/main">
+  <p:cSld>
+    <p:spTree>
+      <p:nvGrpSpPr>
+        <p:cNvPr id="1" name=""/>
+        <p:cNvGrpSpPr/>
+        <p:nvPr/>
+      </p:nvGrpSpPr>
+      <p:grpSpPr>
+        <a:xfrm>
+          <a:off x="0" y="0"/>
+          <a:ext cx="0" cy="0"/>
+          <a:chOff x="0" y="0"/>
+          <a:chExt cx="0" cy="0"/>
+        </a:xfrm>
+      </p:grpSpPr>
+      <p:sp>
+        <p:nvSpPr>
+          <p:cNvPr id="2" name="Title 1"/>
+          <p:cNvSpPr>
+            <a:spLocks noGrp="1"/>
+          </p:cNvSpPr>
+          <p:nvPr>
+            <p:ph type="title"/>
+          </p:nvPr>
+        </p:nvSpPr>
+        <p:spPr/>
+        <p:txBody>
+          <a:bodyPr/>
+          <a:lstStyle/>
+          <a:p>
+            <a:r>
+              <a:rPr lang="en-US" dirty="0"/>
+              <a:t>Delegates</a:t>
+            </a:r>
+          </a:p>
+        </p:txBody>
+      </p:sp>
+      <p:sp>
+        <p:nvSpPr>
+          <p:cNvPr id="4" name="Footer Placeholder 3"/>
+          <p:cNvSpPr>
+            <a:spLocks noGrp="1"/>
+          </p:cNvSpPr>
+          <p:nvPr>
+            <p:ph type="ftr" sz="quarter" idx="11"/>
+          </p:nvPr>
+        </p:nvSpPr>
+        <p:spPr/>
+        <p:txBody>
+          <a:bodyPr/>
+          <a:lstStyle/>
+          <a:p>
+            <a:r>
+              <a:rPr lang="en-PH" dirty="0"/>
+              <a:t>https://docs.microsoft.com/en-us/dotnet/csharp/programming-guide/delegates/</a:t>
+            </a:r>
+            <a:endParaRPr lang="en-PH" dirty="0"/>
+          </a:p>
+        </p:txBody>
+      </p:sp>
+      <p:sp>
+        <p:nvSpPr>
+          <p:cNvPr id="3" name="Content Placeholder 2"/>
+          <p:cNvSpPr>
+            <a:spLocks noGrp="1"/>
+          </p:cNvSpPr>
+          <p:nvPr>
+            <p:ph idx="1"/>
+          </p:nvPr>
+        </p:nvSpPr>
+        <p:spPr/>
+        <p:txBody>
+          <a:bodyPr/>
+          <a:lstStyle/>
+          <a:p>
+            <a:r>
+              <a:rPr lang="en-US" dirty="0"/>
+              <a:t>Delegates are used to pass methods as arguments to other methods. Event handlers are nothing more than methods that are invoked through delegates. </a:t>
+            </a:r>
+            <a:endParaRPr lang="en-US" dirty="0" smtClean="0"/>
+          </a:p>
+          <a:p>
+            <a:r>
+              <a:rPr lang="en-US" dirty="0" smtClean="0"/>
+              <a:t>You </a:t>
+            </a:r>
+            <a:r>
+              <a:rPr lang="en-US" dirty="0"/>
+              <a:t>create a custom method, and a class such as a windows control can call your method when a certain event occurs. The following example shows a delegate declaration:.</a:t>
+            </a:r>
+          </a:p>
+        </p:txBody>
+      </p:sp>
+      <p:pic>
+        <p:nvPicPr>
+          <p:cNvPr id="21506" name="Picture 2"/>
+          <p:cNvPicPr>
+            <a:picLocks noChangeAspect="1" noChangeArrowheads="1"/>
+          </p:cNvPicPr>
+          <p:nvPr/>
+        </p:nvPicPr>
+        <p:blipFill>
+          <a:blip r:embed="rId2">
+            <a:extLst>
+              <a:ext uri="{28A0092B-C50C-407E-A947-70E740481C1C}">
+                <a14:useLocalDpi xmlns:a14="http://schemas.microsoft.com/office/drawing/2010/main" val="0"/>
+              </a:ext>
+            </a:extLst>
+          </a:blip>
+          <a:srcRect/>
+          <a:stretch>
+            <a:fillRect/>
+          </a:stretch>
+        </p:blipFill>
+        <p:spPr bwMode="auto">
+          <a:xfrm>
+            <a:off x="1948316" y="4122738"/>
+            <a:ext cx="4695825" cy="447675"/>
+          </a:xfrm>
+          <a:prstGeom prst="rect">
+            <a:avLst/>
+          </a:prstGeom>
+          <a:noFill/>
+          <a:ln>
+            <a:noFill/>
+          </a:ln>
+          <a:effectLst/>
+          <a:extLst>
+            <a:ext uri="{909E8E84-426E-40DD-AFC4-6F175D3DCCD1}">
+              <a14:hiddenFill xmlns:a14="http://schemas.microsoft.com/office/drawing/2010/main">
+                <a:solidFill>
+                  <a:schemeClr val="accent1"/>
+                </a:solidFill>
+              </a14:hiddenFill>
+            </a:ext>
+            <a:ext uri="{91240B29-F687-4F45-9708-019B960494DF}">
+              <a14:hiddenLine xmlns:a14="http://schemas.microsoft.com/office/drawing/2010/main" w="9525">
+                <a:solidFill>
+                  <a:schemeClr val="tx1"/>
+                </a:solidFill>
+                <a:miter lim="800000"/>
+                <a:headEnd/>
+                <a:tailEnd/>
+              </a14:hiddenLine>
+            </a:ext>
+            <a:ext uri="{AF507438-7753-43E0-B8FC-AC1667EBCBE1}">
+              <a14:hiddenEffects xmlns:a14="http://schemas.microsoft.com/office/drawing/2010/main">
+                <a:effectLst>
+                  <a:outerShdw dist="35921" dir="2700000" algn="ctr" rotWithShape="0">
+                    <a:schemeClr val="bg2"/>
+                  </a:outerShdw>
+                </a:effectLst>
+              </a14:hiddenEffects>
+            </a:ext>
+          </a:extLst>
+        </p:spPr>
+      </p:pic>
+    </p:spTree>
+    <p:extLst>
+      <p:ext uri="{BB962C8B-B14F-4D97-AF65-F5344CB8AC3E}">
+        <p14:creationId xmlns:p14="http://schemas.microsoft.com/office/powerpoint/2010/main" val="447843720"/>
+      </p:ext>
+    </p:extLst>
+  </p:cSld>
+  <p:clrMapOvr>
+    <a:masterClrMapping/>
+  </p:clrMapOvr>
+</p:sld>
+</file>
+
+<file path=ppt/slides/slide97.xml><?xml version="1.0" encoding="utf-8"?>
+<p:sld xmlns:a="http://schemas.openxmlformats.org/drawingml/2006/main" xmlns:r="http://schemas.openxmlformats.org/officeDocument/2006/relationships" xmlns:p="http://schemas.openxmlformats.org/presentationml/2006/main">
+  <p:cSld>
+    <p:spTree>
+      <p:nvGrpSpPr>
+        <p:cNvPr id="1" name=""/>
+        <p:cNvGrpSpPr/>
+        <p:nvPr/>
+      </p:nvGrpSpPr>
+      <p:grpSpPr>
+        <a:xfrm>
+          <a:off x="0" y="0"/>
+          <a:ext cx="0" cy="0"/>
+          <a:chOff x="0" y="0"/>
+          <a:chExt cx="0" cy="0"/>
+        </a:xfrm>
+      </p:grpSpPr>
+      <p:sp>
+        <p:nvSpPr>
+          <p:cNvPr id="2" name="Title 1"/>
+          <p:cNvSpPr>
+            <a:spLocks noGrp="1"/>
+          </p:cNvSpPr>
+          <p:nvPr>
+            <p:ph type="title"/>
+          </p:nvPr>
+        </p:nvSpPr>
+        <p:spPr/>
+        <p:txBody>
+          <a:bodyPr/>
+          <a:lstStyle/>
+          <a:p>
+            <a:r>
+              <a:rPr lang="en-US" dirty="0"/>
+              <a:t>Delegates</a:t>
+            </a:r>
+          </a:p>
+        </p:txBody>
+      </p:sp>
+      <p:sp>
+        <p:nvSpPr>
+          <p:cNvPr id="4" name="Footer Placeholder 3"/>
+          <p:cNvSpPr>
+            <a:spLocks noGrp="1"/>
+          </p:cNvSpPr>
+          <p:nvPr>
+            <p:ph type="ftr" sz="quarter" idx="11"/>
+          </p:nvPr>
+        </p:nvSpPr>
+        <p:spPr/>
+        <p:txBody>
+          <a:bodyPr/>
+          <a:lstStyle/>
+          <a:p>
+            <a:r>
+              <a:rPr lang="en-PH" dirty="0"/>
+              <a:t>https://docs.microsoft.com/en-us/dotnet/csharp/programming-guide/delegates/</a:t>
+            </a:r>
+            <a:endParaRPr lang="en-PH" dirty="0"/>
+          </a:p>
+        </p:txBody>
+      </p:sp>
+      <p:sp>
+        <p:nvSpPr>
+          <p:cNvPr id="3" name="Content Placeholder 2"/>
+          <p:cNvSpPr>
+            <a:spLocks noGrp="1"/>
+          </p:cNvSpPr>
+          <p:nvPr>
+            <p:ph idx="1"/>
+          </p:nvPr>
+        </p:nvSpPr>
+        <p:spPr/>
+        <p:txBody>
+          <a:bodyPr/>
+          <a:lstStyle/>
+          <a:p>
+            <a:r>
+              <a:rPr lang="en-US" dirty="0"/>
+              <a:t>Any method from any accessible class or </a:t>
+            </a:r>
+            <a:r>
+              <a:rPr lang="en-US" dirty="0" err="1"/>
+              <a:t>struct</a:t>
+            </a:r>
+            <a:r>
+              <a:rPr lang="en-US" dirty="0"/>
+              <a:t> that matches the delegate type can be assigned to the delegate. </a:t>
+            </a:r>
+            <a:endParaRPr lang="en-US" dirty="0" smtClean="0"/>
+          </a:p>
+          <a:p>
+            <a:r>
+              <a:rPr lang="en-US" dirty="0" smtClean="0"/>
+              <a:t>The </a:t>
+            </a:r>
+            <a:r>
+              <a:rPr lang="en-US" dirty="0"/>
+              <a:t>method can be either static or an instance method. </a:t>
+            </a:r>
+            <a:endParaRPr lang="en-US" dirty="0" smtClean="0"/>
+          </a:p>
+          <a:p>
+            <a:r>
+              <a:rPr lang="en-US" dirty="0" smtClean="0"/>
+              <a:t>This </a:t>
+            </a:r>
+            <a:r>
+              <a:rPr lang="en-US" dirty="0"/>
+              <a:t>makes it possible to programmatically change method calls, and also plug new code into existing classes</a:t>
+            </a:r>
+            <a:r>
+              <a:rPr lang="en-US" dirty="0" smtClean="0"/>
+              <a:t>.</a:t>
+            </a:r>
+          </a:p>
+        </p:txBody>
+      </p:sp>
+    </p:spTree>
+    <p:extLst>
+      <p:ext uri="{BB962C8B-B14F-4D97-AF65-F5344CB8AC3E}">
+        <p14:creationId xmlns:p14="http://schemas.microsoft.com/office/powerpoint/2010/main" val="1786951676"/>
+      </p:ext>
+    </p:extLst>
+  </p:cSld>
+  <p:clrMapOvr>
+    <a:masterClrMapping/>
+  </p:clrMapOvr>
+</p:sld>
+</file>
+
+<file path=ppt/slides/slide98.xml><?xml version="1.0" encoding="utf-8"?>
+<p:sld xmlns:a="http://schemas.openxmlformats.org/drawingml/2006/main" xmlns:r="http://schemas.openxmlformats.org/officeDocument/2006/relationships" xmlns:p="http://schemas.openxmlformats.org/presentationml/2006/main">
+  <p:cSld>
+    <p:spTree>
+      <p:nvGrpSpPr>
+        <p:cNvPr id="1" name=""/>
+        <p:cNvGrpSpPr/>
+        <p:nvPr/>
+      </p:nvGrpSpPr>
+      <p:grpSpPr>
+        <a:xfrm>
+          <a:off x="0" y="0"/>
+          <a:ext cx="0" cy="0"/>
+          <a:chOff x="0" y="0"/>
+          <a:chExt cx="0" cy="0"/>
+        </a:xfrm>
+      </p:grpSpPr>
+      <p:sp>
+        <p:nvSpPr>
+          <p:cNvPr id="2" name="Title 1"/>
+          <p:cNvSpPr>
+            <a:spLocks noGrp="1"/>
+          </p:cNvSpPr>
+          <p:nvPr>
+            <p:ph type="title"/>
+          </p:nvPr>
+        </p:nvSpPr>
+        <p:spPr/>
+        <p:txBody>
+          <a:bodyPr/>
+          <a:lstStyle/>
+          <a:p>
+            <a:r>
+              <a:rPr lang="en-US" dirty="0"/>
+              <a:t>Delegates</a:t>
+            </a:r>
+          </a:p>
+        </p:txBody>
+      </p:sp>
+      <p:sp>
+        <p:nvSpPr>
+          <p:cNvPr id="4" name="Footer Placeholder 3"/>
+          <p:cNvSpPr>
+            <a:spLocks noGrp="1"/>
+          </p:cNvSpPr>
+          <p:nvPr>
+            <p:ph type="ftr" sz="quarter" idx="11"/>
+          </p:nvPr>
+        </p:nvSpPr>
+        <p:spPr/>
+        <p:txBody>
+          <a:bodyPr/>
+          <a:lstStyle/>
+          <a:p>
+            <a:r>
+              <a:rPr lang="en-PH" dirty="0"/>
+              <a:t>https://docs.microsoft.com/en-us/dotnet/csharp/programming-guide/delegates/</a:t>
+            </a:r>
+            <a:endParaRPr lang="en-PH" dirty="0"/>
+          </a:p>
+        </p:txBody>
+      </p:sp>
+      <p:sp>
+        <p:nvSpPr>
+          <p:cNvPr id="3" name="Content Placeholder 2"/>
+          <p:cNvSpPr>
+            <a:spLocks noGrp="1"/>
+          </p:cNvSpPr>
+          <p:nvPr>
+            <p:ph idx="1"/>
+          </p:nvPr>
+        </p:nvSpPr>
+        <p:spPr/>
+        <p:txBody>
+          <a:bodyPr/>
+          <a:lstStyle/>
+          <a:p>
+            <a:r>
+              <a:rPr lang="en-US" dirty="0"/>
+              <a:t>This ability to refer to a method as a parameter makes delegates ideal for defining callback methods. </a:t>
+            </a:r>
+          </a:p>
+          <a:p>
+            <a:r>
+              <a:rPr lang="en-US" dirty="0"/>
+              <a:t>For example, a reference to a method that compares two objects could be passed as an argument to a sort algorithm. Because the comparison code is in a separate procedure, the sort algorithm can be written in a more general way.</a:t>
+            </a:r>
+            <a:endParaRPr lang="en-US" dirty="0"/>
+          </a:p>
+        </p:txBody>
+      </p:sp>
+    </p:spTree>
+    <p:extLst>
+      <p:ext uri="{BB962C8B-B14F-4D97-AF65-F5344CB8AC3E}">
+        <p14:creationId xmlns:p14="http://schemas.microsoft.com/office/powerpoint/2010/main" val="2222657910"/>
+      </p:ext>
+    </p:extLst>
+  </p:cSld>
+  <p:clrMapOvr>
+    <a:masterClrMapping/>
+  </p:clrMapOvr>
+</p:sld>
+</file>
+
+<file path=ppt/slides/slide99.xml><?xml version="1.0" encoding="utf-8"?>
+<p:sld xmlns:a="http://schemas.openxmlformats.org/drawingml/2006/main" xmlns:r="http://schemas.openxmlformats.org/officeDocument/2006/relationships" xmlns:p="http://schemas.openxmlformats.org/presentationml/2006/main">
+  <p:cSld>
+    <p:spTree>
+      <p:nvGrpSpPr>
+        <p:cNvPr id="1" name=""/>
+        <p:cNvGrpSpPr/>
+        <p:nvPr/>
+      </p:nvGrpSpPr>
+      <p:grpSpPr>
+        <a:xfrm>
+          <a:off x="0" y="0"/>
+          <a:ext cx="0" cy="0"/>
+          <a:chOff x="0" y="0"/>
+          <a:chExt cx="0" cy="0"/>
+        </a:xfrm>
+      </p:grpSpPr>
+      <p:sp>
+        <p:nvSpPr>
+          <p:cNvPr id="2" name="Title 1"/>
+          <p:cNvSpPr>
+            <a:spLocks noGrp="1"/>
+          </p:cNvSpPr>
+          <p:nvPr>
+            <p:ph type="title"/>
+          </p:nvPr>
+        </p:nvSpPr>
+        <p:spPr/>
+        <p:txBody>
+          <a:bodyPr/>
+          <a:lstStyle/>
+          <a:p>
+            <a:r>
+              <a:rPr lang="en-US" dirty="0"/>
+              <a:t>Delegates</a:t>
+            </a:r>
+          </a:p>
+        </p:txBody>
+      </p:sp>
+      <p:sp>
+        <p:nvSpPr>
+          <p:cNvPr id="4" name="Footer Placeholder 3"/>
+          <p:cNvSpPr>
+            <a:spLocks noGrp="1"/>
+          </p:cNvSpPr>
+          <p:nvPr>
+            <p:ph type="ftr" sz="quarter" idx="11"/>
+          </p:nvPr>
+        </p:nvSpPr>
+        <p:spPr/>
+        <p:txBody>
+          <a:bodyPr/>
+          <a:lstStyle/>
+          <a:p>
+            <a:r>
+              <a:rPr lang="en-PH" dirty="0"/>
+              <a:t>https://docs.microsoft.com/en-us/dotnet/csharp/programming-guide/delegates/</a:t>
+            </a:r>
+            <a:endParaRPr lang="en-PH" dirty="0"/>
+          </a:p>
+        </p:txBody>
+      </p:sp>
+      <p:sp>
+        <p:nvSpPr>
+          <p:cNvPr id="3" name="Content Placeholder 2"/>
+          <p:cNvSpPr>
+            <a:spLocks noGrp="1"/>
+          </p:cNvSpPr>
+          <p:nvPr>
+            <p:ph idx="1"/>
+          </p:nvPr>
+        </p:nvSpPr>
+        <p:spPr>
+          <a:xfrm>
+            <a:off x="677334" y="1582057"/>
+            <a:ext cx="8596668" cy="4459305"/>
+          </a:xfrm>
+        </p:spPr>
+        <p:txBody>
+          <a:bodyPr>
+            <a:normAutofit fontScale="92500" lnSpcReduction="10000"/>
+          </a:bodyPr>
+          <a:lstStyle/>
+          <a:p>
+            <a:pPr marL="0" indent="0">
+              <a:buNone/>
+            </a:pPr>
+            <a:r>
+              <a:rPr lang="en-US" dirty="0"/>
+              <a:t>Delegates have the following properties: </a:t>
+            </a:r>
+          </a:p>
+          <a:p>
+            <a:r>
+              <a:rPr lang="en-US" dirty="0"/>
+              <a:t>Delegates are like C++ function pointers but are type safe. </a:t>
+            </a:r>
+          </a:p>
+          <a:p>
+            <a:r>
+              <a:rPr lang="en-US" dirty="0"/>
+              <a:t>Delegates allow methods to be passed as parameters. </a:t>
+            </a:r>
+          </a:p>
+          <a:p>
+            <a:r>
+              <a:rPr lang="en-US" dirty="0"/>
+              <a:t>Delegates can be used to define callback methods. </a:t>
+            </a:r>
+          </a:p>
+          <a:p>
+            <a:r>
+              <a:rPr lang="en-US" dirty="0"/>
+              <a:t>Delegates can be chained together; for example, multiple methods can be called on a single event. </a:t>
+            </a:r>
+          </a:p>
+          <a:p>
+            <a:r>
+              <a:rPr lang="en-US" dirty="0"/>
+              <a:t>Methods do not have to match the delegate type exactly. For more information, see </a:t>
+            </a:r>
+            <a:r>
+              <a:rPr lang="en-US" dirty="0">
+                <a:hlinkClick r:id="rId2"/>
+              </a:rPr>
+              <a:t>Using Variance in Delegates</a:t>
+            </a:r>
+            <a:r>
+              <a:rPr lang="en-US" dirty="0"/>
+              <a:t>. </a:t>
+            </a:r>
+          </a:p>
+          <a:p>
+            <a:r>
+              <a:rPr lang="en-US" dirty="0"/>
+              <a:t>C# version 2.0 introduced the concept of </a:t>
+            </a:r>
+            <a:r>
+              <a:rPr lang="en-US" dirty="0">
+                <a:hlinkClick r:id="rId3"/>
+              </a:rPr>
+              <a:t>Anonymous Methods</a:t>
+            </a:r>
+            <a:r>
+              <a:rPr lang="en-US" dirty="0"/>
+              <a:t>, which allow code blocks to be passed as parameters in place of a separately defined method. C# 3.0 introduced lambda expressions as a more concise way of writing inline code blocks. Both anonymous methods and lambda expressions (in certain contexts) are compiled to delegate types. Together, these features are now known as anonymous functions. For more information about lambda expressions, see </a:t>
+            </a:r>
+            <a:r>
+              <a:rPr lang="en-US" dirty="0">
+                <a:hlinkClick r:id="rId4"/>
+              </a:rPr>
+              <a:t>Anonymous Functions</a:t>
+            </a:r>
+            <a:r>
+              <a:rPr lang="en-US" dirty="0"/>
+              <a:t>. </a:t>
+            </a:r>
+          </a:p>
+        </p:txBody>
+      </p:sp>
+    </p:spTree>
+    <p:extLst>
+      <p:ext uri="{BB962C8B-B14F-4D97-AF65-F5344CB8AC3E}">
+        <p14:creationId xmlns:p14="http://schemas.microsoft.com/office/powerpoint/2010/main" val="2899160050"/>
+      </p:ext>
+    </p:extLst>
+  </p:cSld>
+  <p:clrMapOvr>
+    <a:masterClrMapping/>
+  </p:clrMapOvr>
 </p:sld>
 </file>
 
@@ -17445,7 +25168,7 @@
   <a:extraClrSchemeLst/>
   <a:extLst>
     <a:ext uri="{05A4C25C-085E-4340-85A3-A5531E510DB2}">
-      <thm15:themeFamily xmlns:thm15="http://schemas.microsoft.com/office/thememl/2012/main" xmlns="" name="Facet" id="{C0C680CD-088A-49FC-A102-D699147F32B2}" vid="{CFBC31BA-B70F-4F30-BCAA-4F3011E16C4D}"/>
+      <thm15:themeFamily xmlns="" xmlns:thm15="http://schemas.microsoft.com/office/thememl/2012/main" name="Facet" id="{C0C680CD-088A-49FC-A102-D699147F32B2}" vid="{CFBC31BA-B70F-4F30-BCAA-4F3011E16C4D}"/>
     </a:ext>
   </a:extLst>
 </a:theme>
@@ -17740,7 +25463,7 @@
   <a:extraClrSchemeLst/>
   <a:extLst>
     <a:ext uri="{05A4C25C-085E-4340-85A3-A5531E510DB2}">
-      <thm15:themeFamily xmlns:thm15="http://schemas.microsoft.com/office/thememl/2012/main" xmlns="" name="Office Theme" id="{62F939B6-93AF-4DB8-9C6B-D6C7DFDC589F}" vid="{4A3C46E8-61CC-4603-A589-7422A47A8E4A}"/>
+      <thm15:themeFamily xmlns="" xmlns:thm15="http://schemas.microsoft.com/office/thememl/2012/main" name="Office Theme" id="{62F939B6-93AF-4DB8-9C6B-D6C7DFDC589F}" vid="{4A3C46E8-61CC-4603-A589-7422A47A8E4A}"/>
     </a:ext>
   </a:extLst>
 </a:theme>
@@ -18035,7 +25758,7 @@
   <a:extraClrSchemeLst/>
   <a:extLst>
     <a:ext uri="{05A4C25C-085E-4340-85A3-A5531E510DB2}">
-      <thm15:themeFamily xmlns:thm15="http://schemas.microsoft.com/office/thememl/2012/main" xmlns="" name="Office Theme" id="{62F939B6-93AF-4DB8-9C6B-D6C7DFDC589F}" vid="{4A3C46E8-61CC-4603-A589-7422A47A8E4A}"/>
+      <thm15:themeFamily xmlns="" xmlns:thm15="http://schemas.microsoft.com/office/thememl/2012/main" name="Office Theme" id="{62F939B6-93AF-4DB8-9C6B-D6C7DFDC589F}" vid="{4A3C46E8-61CC-4603-A589-7422A47A8E4A}"/>
     </a:ext>
   </a:extLst>
 </a:theme>

--- a/Lesson/DayTwo (3, 4).pptx
+++ b/Lesson/DayTwo (3, 4).pptx
@@ -8528,21 +8528,15 @@
               <a:rPr lang="en-US" dirty="0">
                 <a:hlinkClick r:id="rId2"/>
               </a:rPr>
-              <a:t>https</a:t>
-            </a:r>
-            <a:r>
-              <a:rPr lang="en-US">
-                <a:hlinkClick r:id="rId2"/>
-              </a:rPr>
-              <a:t>://</a:t>
-            </a:r>
-            <a:r>
-              <a:rPr lang="en-US" smtClean="0">
+              <a:t>https://</a:t>
+            </a:r>
+            <a:r>
+              <a:rPr lang="en-US" dirty="0" smtClean="0">
                 <a:hlinkClick r:id="rId2"/>
               </a:rPr>
               <a:t>docs.microsoft.com/en-us/dotnet/csharp/programming-guide/events/how-to-publish-events-that-conform-to-net-framework-guidelines</a:t>
             </a:r>
-            <a:endParaRPr lang="en-US" smtClean="0"/>
+            <a:endParaRPr lang="en-US" dirty="0" smtClean="0"/>
           </a:p>
           <a:p>
             <a:endParaRPr lang="en-US" dirty="0"/>
@@ -11592,6 +11586,13 @@
   <p:clrMapOvr>
     <a:masterClrMapping/>
   </p:clrMapOvr>
+  <p:timing>
+    <p:tnLst>
+      <p:par>
+        <p:cTn id="1" dur="indefinite" restart="never" nodeType="tmRoot"/>
+      </p:par>
+    </p:tnLst>
+  </p:timing>
 </p:sld>
 </file>
 
@@ -11703,6 +11704,13 @@
   <p:clrMapOvr>
     <a:masterClrMapping/>
   </p:clrMapOvr>
+  <p:timing>
+    <p:tnLst>
+      <p:par>
+        <p:cTn id="1" dur="indefinite" restart="never" nodeType="tmRoot"/>
+      </p:par>
+    </p:tnLst>
+  </p:timing>
 </p:sld>
 </file>
 
@@ -11814,6 +11822,13 @@
   <p:clrMapOvr>
     <a:masterClrMapping/>
   </p:clrMapOvr>
+  <p:timing>
+    <p:tnLst>
+      <p:par>
+        <p:cTn id="1" dur="indefinite" restart="never" nodeType="tmRoot"/>
+      </p:par>
+    </p:tnLst>
+  </p:timing>
 </p:sld>
 </file>
 
@@ -12002,6 +12017,13 @@
   <p:clrMapOvr>
     <a:masterClrMapping/>
   </p:clrMapOvr>
+  <p:timing>
+    <p:tnLst>
+      <p:par>
+        <p:cTn id="1" dur="indefinite" restart="never" nodeType="tmRoot"/>
+      </p:par>
+    </p:tnLst>
+  </p:timing>
 </p:sld>
 </file>
 
@@ -12254,6 +12276,13 @@
   <p:clrMapOvr>
     <a:masterClrMapping/>
   </p:clrMapOvr>
+  <p:timing>
+    <p:tnLst>
+      <p:par>
+        <p:cTn id="1" dur="indefinite" restart="never" nodeType="tmRoot"/>
+      </p:par>
+    </p:tnLst>
+  </p:timing>
 </p:sld>
 </file>
 
@@ -12558,6 +12587,13 @@
   <p:clrMapOvr>
     <a:masterClrMapping/>
   </p:clrMapOvr>
+  <p:timing>
+    <p:tnLst>
+      <p:par>
+        <p:cTn id="1" dur="indefinite" restart="never" nodeType="tmRoot"/>
+      </p:par>
+    </p:tnLst>
+  </p:timing>
 </p:sld>
 </file>
 
@@ -12695,6 +12731,13 @@
   <p:clrMapOvr>
     <a:masterClrMapping/>
   </p:clrMapOvr>
+  <p:timing>
+    <p:tnLst>
+      <p:par>
+        <p:cTn id="1" dur="indefinite" restart="never" nodeType="tmRoot"/>
+      </p:par>
+    </p:tnLst>
+  </p:timing>
 </p:sld>
 </file>
 
@@ -12797,6 +12840,13 @@
   <p:clrMapOvr>
     <a:masterClrMapping/>
   </p:clrMapOvr>
+  <p:timing>
+    <p:tnLst>
+      <p:par>
+        <p:cTn id="1" dur="indefinite" restart="never" nodeType="tmRoot"/>
+      </p:par>
+    </p:tnLst>
+  </p:timing>
 </p:sld>
 </file>
 
@@ -12917,6 +12967,13 @@
   <p:clrMapOvr>
     <a:masterClrMapping/>
   </p:clrMapOvr>
+  <p:timing>
+    <p:tnLst>
+      <p:par>
+        <p:cTn id="1" dur="indefinite" restart="never" nodeType="tmRoot"/>
+      </p:par>
+    </p:tnLst>
+  </p:timing>
 </p:sld>
 </file>
 
@@ -13075,6 +13132,13 @@
   <p:clrMapOvr>
     <a:masterClrMapping/>
   </p:clrMapOvr>
+  <p:timing>
+    <p:tnLst>
+      <p:par>
+        <p:cTn id="1" dur="indefinite" restart="never" nodeType="tmRoot"/>
+      </p:par>
+    </p:tnLst>
+  </p:timing>
 </p:sld>
 </file>
 
@@ -13233,6 +13297,13 @@
   <p:clrMapOvr>
     <a:masterClrMapping/>
   </p:clrMapOvr>
+  <p:timing>
+    <p:tnLst>
+      <p:par>
+        <p:cTn id="1" dur="indefinite" restart="never" nodeType="tmRoot"/>
+      </p:par>
+    </p:tnLst>
+  </p:timing>
 </p:sld>
 </file>
 
@@ -13361,6 +13432,13 @@
   <p:clrMapOvr>
     <a:masterClrMapping/>
   </p:clrMapOvr>
+  <p:timing>
+    <p:tnLst>
+      <p:par>
+        <p:cTn id="1" dur="indefinite" restart="never" nodeType="tmRoot"/>
+      </p:par>
+    </p:tnLst>
+  </p:timing>
 </p:sld>
 </file>
 
@@ -13480,6 +13558,13 @@
   <p:clrMapOvr>
     <a:masterClrMapping/>
   </p:clrMapOvr>
+  <p:timing>
+    <p:tnLst>
+      <p:par>
+        <p:cTn id="1" dur="indefinite" restart="never" nodeType="tmRoot"/>
+      </p:par>
+    </p:tnLst>
+  </p:timing>
 </p:sld>
 </file>
 
@@ -13646,6 +13731,13 @@
   <p:clrMapOvr>
     <a:masterClrMapping/>
   </p:clrMapOvr>
+  <p:timing>
+    <p:tnLst>
+      <p:par>
+        <p:cTn id="1" dur="indefinite" restart="never" nodeType="tmRoot"/>
+      </p:par>
+    </p:tnLst>
+  </p:timing>
 </p:sld>
 </file>
 
@@ -13750,6 +13842,13 @@
   <p:clrMapOvr>
     <a:masterClrMapping/>
   </p:clrMapOvr>
+  <p:timing>
+    <p:tnLst>
+      <p:par>
+        <p:cTn id="1" dur="indefinite" restart="never" nodeType="tmRoot"/>
+      </p:par>
+    </p:tnLst>
+  </p:timing>
 </p:sld>
 </file>
 
@@ -14033,6 +14132,13 @@
   <p:clrMapOvr>
     <a:masterClrMapping/>
   </p:clrMapOvr>
+  <p:timing>
+    <p:tnLst>
+      <p:par>
+        <p:cTn id="1" dur="indefinite" restart="never" nodeType="tmRoot"/>
+      </p:par>
+    </p:tnLst>
+  </p:timing>
 </p:sld>
 </file>
 
@@ -14155,6 +14261,13 @@
   <p:clrMapOvr>
     <a:masterClrMapping/>
   </p:clrMapOvr>
+  <p:timing>
+    <p:tnLst>
+      <p:par>
+        <p:cTn id="1" dur="indefinite" restart="never" nodeType="tmRoot"/>
+      </p:par>
+    </p:tnLst>
+  </p:timing>
 </p:sld>
 </file>
 
@@ -14275,6 +14388,13 @@
   <p:clrMapOvr>
     <a:masterClrMapping/>
   </p:clrMapOvr>
+  <p:timing>
+    <p:tnLst>
+      <p:par>
+        <p:cTn id="1" dur="indefinite" restart="never" nodeType="tmRoot"/>
+      </p:par>
+    </p:tnLst>
+  </p:timing>
 </p:sld>
 </file>
 
@@ -14415,6 +14535,13 @@
   <p:clrMapOvr>
     <a:masterClrMapping/>
   </p:clrMapOvr>
+  <p:timing>
+    <p:tnLst>
+      <p:par>
+        <p:cTn id="1" dur="indefinite" restart="never" nodeType="tmRoot"/>
+      </p:par>
+    </p:tnLst>
+  </p:timing>
 </p:sld>
 </file>
 
@@ -14597,6 +14724,13 @@
   <p:clrMapOvr>
     <a:masterClrMapping/>
   </p:clrMapOvr>
+  <p:timing>
+    <p:tnLst>
+      <p:par>
+        <p:cTn id="1" dur="indefinite" restart="never" nodeType="tmRoot"/>
+      </p:par>
+    </p:tnLst>
+  </p:timing>
 </p:sld>
 </file>
 
@@ -14719,6 +14853,13 @@
   <p:clrMapOvr>
     <a:masterClrMapping/>
   </p:clrMapOvr>
+  <p:timing>
+    <p:tnLst>
+      <p:par>
+        <p:cTn id="1" dur="indefinite" restart="never" nodeType="tmRoot"/>
+      </p:par>
+    </p:tnLst>
+  </p:timing>
 </p:sld>
 </file>
 
@@ -14864,6 +15005,13 @@
   <p:clrMapOvr>
     <a:masterClrMapping/>
   </p:clrMapOvr>
+  <p:timing>
+    <p:tnLst>
+      <p:par>
+        <p:cTn id="1" dur="indefinite" restart="never" nodeType="tmRoot"/>
+      </p:par>
+    </p:tnLst>
+  </p:timing>
 </p:sld>
 </file>
 
@@ -15033,6 +15181,13 @@
   <p:clrMapOvr>
     <a:masterClrMapping/>
   </p:clrMapOvr>
+  <p:timing>
+    <p:tnLst>
+      <p:par>
+        <p:cTn id="1" dur="indefinite" restart="never" nodeType="tmRoot"/>
+      </p:par>
+    </p:tnLst>
+  </p:timing>
 </p:sld>
 </file>
 
@@ -15140,6 +15295,13 @@
   <p:clrMapOvr>
     <a:masterClrMapping/>
   </p:clrMapOvr>
+  <p:timing>
+    <p:tnLst>
+      <p:par>
+        <p:cTn id="1" dur="indefinite" restart="never" nodeType="tmRoot"/>
+      </p:par>
+    </p:tnLst>
+  </p:timing>
 </p:sld>
 </file>
 
@@ -15300,6 +15462,13 @@
   <p:clrMapOvr>
     <a:masterClrMapping/>
   </p:clrMapOvr>
+  <p:timing>
+    <p:tnLst>
+      <p:par>
+        <p:cTn id="1" dur="indefinite" restart="never" nodeType="tmRoot"/>
+      </p:par>
+    </p:tnLst>
+  </p:timing>
 </p:sld>
 </file>
 
@@ -15632,6 +15801,13 @@
   <p:clrMapOvr>
     <a:masterClrMapping/>
   </p:clrMapOvr>
+  <p:timing>
+    <p:tnLst>
+      <p:par>
+        <p:cTn id="1" dur="indefinite" restart="never" nodeType="tmRoot"/>
+      </p:par>
+    </p:tnLst>
+  </p:timing>
 </p:sld>
 </file>
 
@@ -15800,6 +15976,13 @@
   <p:clrMapOvr>
     <a:masterClrMapping/>
   </p:clrMapOvr>
+  <p:timing>
+    <p:tnLst>
+      <p:par>
+        <p:cTn id="1" dur="indefinite" restart="never" nodeType="tmRoot"/>
+      </p:par>
+    </p:tnLst>
+  </p:timing>
 </p:sld>
 </file>
 
@@ -15962,6 +16145,13 @@
   <p:clrMapOvr>
     <a:masterClrMapping/>
   </p:clrMapOvr>
+  <p:timing>
+    <p:tnLst>
+      <p:par>
+        <p:cTn id="1" dur="indefinite" restart="never" nodeType="tmRoot"/>
+      </p:par>
+    </p:tnLst>
+  </p:timing>
 </p:sld>
 </file>
 
@@ -16081,6 +16271,13 @@
   <p:clrMapOvr>
     <a:masterClrMapping/>
   </p:clrMapOvr>
+  <p:timing>
+    <p:tnLst>
+      <p:par>
+        <p:cTn id="1" dur="indefinite" restart="never" nodeType="tmRoot"/>
+      </p:par>
+    </p:tnLst>
+  </p:timing>
 </p:sld>
 </file>
 
@@ -16214,6 +16411,13 @@
   <p:clrMapOvr>
     <a:masterClrMapping/>
   </p:clrMapOvr>
+  <p:timing>
+    <p:tnLst>
+      <p:par>
+        <p:cTn id="1" dur="indefinite" restart="never" nodeType="tmRoot"/>
+      </p:par>
+    </p:tnLst>
+  </p:timing>
 </p:sld>
 </file>
 
@@ -16386,6 +16590,13 @@
   <p:clrMapOvr>
     <a:masterClrMapping/>
   </p:clrMapOvr>
+  <p:timing>
+    <p:tnLst>
+      <p:par>
+        <p:cTn id="1" dur="indefinite" restart="never" nodeType="tmRoot"/>
+      </p:par>
+    </p:tnLst>
+  </p:timing>
 </p:sld>
 </file>
 
@@ -17143,6 +17354,13 @@
   <p:clrMapOvr>
     <a:masterClrMapping/>
   </p:clrMapOvr>
+  <p:timing>
+    <p:tnLst>
+      <p:par>
+        <p:cTn id="1" dur="indefinite" restart="never" nodeType="tmRoot"/>
+      </p:par>
+    </p:tnLst>
+  </p:timing>
 </p:sld>
 </file>
 
@@ -17291,6 +17509,13 @@
   <p:clrMapOvr>
     <a:masterClrMapping/>
   </p:clrMapOvr>
+  <p:timing>
+    <p:tnLst>
+      <p:par>
+        <p:cTn id="1" dur="indefinite" restart="never" nodeType="tmRoot"/>
+      </p:par>
+    </p:tnLst>
+  </p:timing>
 </p:sld>
 </file>
 
@@ -17414,6 +17639,13 @@
   <p:clrMapOvr>
     <a:masterClrMapping/>
   </p:clrMapOvr>
+  <p:timing>
+    <p:tnLst>
+      <p:par>
+        <p:cTn id="1" dur="indefinite" restart="never" nodeType="tmRoot"/>
+      </p:par>
+    </p:tnLst>
+  </p:timing>
 </p:sld>
 </file>
 
@@ -17576,6 +17808,13 @@
   <p:clrMapOvr>
     <a:masterClrMapping/>
   </p:clrMapOvr>
+  <p:timing>
+    <p:tnLst>
+      <p:par>
+        <p:cTn id="1" dur="indefinite" restart="never" nodeType="tmRoot"/>
+      </p:par>
+    </p:tnLst>
+  </p:timing>
 </p:sld>
 </file>
 
@@ -18124,6 +18363,13 @@
   <p:clrMapOvr>
     <a:masterClrMapping/>
   </p:clrMapOvr>
+  <p:timing>
+    <p:tnLst>
+      <p:par>
+        <p:cTn id="1" dur="indefinite" restart="never" nodeType="tmRoot"/>
+      </p:par>
+    </p:tnLst>
+  </p:timing>
 </p:sld>
 </file>
 
@@ -18361,6 +18607,13 @@
   <p:clrMapOvr>
     <a:masterClrMapping/>
   </p:clrMapOvr>
+  <p:timing>
+    <p:tnLst>
+      <p:par>
+        <p:cTn id="1" dur="indefinite" restart="never" nodeType="tmRoot"/>
+      </p:par>
+    </p:tnLst>
+  </p:timing>
 </p:sld>
 </file>
 
@@ -18529,6 +18782,13 @@
   <p:clrMapOvr>
     <a:masterClrMapping/>
   </p:clrMapOvr>
+  <p:timing>
+    <p:tnLst>
+      <p:par>
+        <p:cTn id="1" dur="indefinite" restart="never" nodeType="tmRoot"/>
+      </p:par>
+    </p:tnLst>
+  </p:timing>
 </p:sld>
 </file>
 
@@ -18718,6 +18978,13 @@
   <p:clrMapOvr>
     <a:masterClrMapping/>
   </p:clrMapOvr>
+  <p:timing>
+    <p:tnLst>
+      <p:par>
+        <p:cTn id="1" dur="indefinite" restart="never" nodeType="tmRoot"/>
+      </p:par>
+    </p:tnLst>
+  </p:timing>
 </p:sld>
 </file>
 
